--- a/doc/figures/digrams.pptx
+++ b/doc/figures/digrams.pptx
@@ -105,6 +105,11 @@
       </a:defRPr>
     </a:lvl9pPr>
   </p:defaultTextStyle>
+  <p:extLst>
+    <p:ext uri="{EFAFB233-063F-42B5-8137-9DF3F51BA10A}">
+      <p15:sldGuideLst xmlns:p15="http://schemas.microsoft.com/office/powerpoint/2012/main"/>
+    </p:ext>
+  </p:extLst>
 </p:presentation>
 </file>
 
@@ -142,7 +147,7 @@
           <c:idx val="0"/>
           <c:order val="0"/>
           <c:spPr>
-            <a:ln w="28575" cap="rnd">
+            <a:ln w="12700" cap="rnd">
               <a:solidFill>
                 <a:schemeClr val="accent1"/>
               </a:solidFill>
@@ -6479,7 +6484,7 @@
           <c:idx val="0"/>
           <c:order val="0"/>
           <c:spPr>
-            <a:ln w="28575" cap="rnd">
+            <a:ln w="12700" cap="rnd">
               <a:solidFill>
                 <a:schemeClr val="accent1"/>
               </a:solidFill>
@@ -17477,7 +17482,7 @@
               <p:nvPr>
                 <p:extLst>
                   <p:ext uri="{D42A27DB-BD31-4B8C-83A1-F6EECF244321}">
-                    <p14:modId xmlns:p14="http://schemas.microsoft.com/office/powerpoint/2010/main" val="2737479424"/>
+                    <p14:modId xmlns:p14="http://schemas.microsoft.com/office/powerpoint/2010/main" val="1153496084"/>
                   </p:ext>
                 </p:extLst>
               </p:nvPr>
@@ -18461,7 +18466,7 @@
             <p:nvPr>
               <p:extLst>
                 <p:ext uri="{D42A27DB-BD31-4B8C-83A1-F6EECF244321}">
-                  <p14:modId xmlns:p14="http://schemas.microsoft.com/office/powerpoint/2010/main" val="552515843"/>
+                  <p14:modId xmlns:p14="http://schemas.microsoft.com/office/powerpoint/2010/main" val="775977478"/>
                 </p:ext>
               </p:extLst>
             </p:nvPr>

--- a/doc/figures/digrams.pptx
+++ b/doc/figures/digrams.pptx
@@ -7,6 +7,7 @@
   <p:sldIdLst>
     <p:sldId id="257" r:id="rId2"/>
     <p:sldId id="258" r:id="rId3"/>
+    <p:sldId id="259" r:id="rId4"/>
   </p:sldIdLst>
   <p:sldSz cx="12192000" cy="6858000"/>
   <p:notesSz cx="6858000" cy="9144000"/>
@@ -12791,6 +12792,1052 @@
 </c:chartSpace>
 </file>
 
+<file path=ppt/charts/chart3.xml><?xml version="1.0" encoding="utf-8"?>
+<c:chartSpace xmlns:c="http://schemas.openxmlformats.org/drawingml/2006/chart" xmlns:a="http://schemas.openxmlformats.org/drawingml/2006/main" xmlns:r="http://schemas.openxmlformats.org/officeDocument/2006/relationships" xmlns:c16r2="http://schemas.microsoft.com/office/drawing/2015/06/chart">
+  <c:date1904 val="0"/>
+  <c:lang val="en-US"/>
+  <c:roundedCorners val="0"/>
+  <mc:AlternateContent xmlns:mc="http://schemas.openxmlformats.org/markup-compatibility/2006">
+    <mc:Choice xmlns:c14="http://schemas.microsoft.com/office/drawing/2007/8/2/chart" Requires="c14">
+      <c14:style val="102"/>
+    </mc:Choice>
+    <mc:Fallback>
+      <c:style val="2"/>
+    </mc:Fallback>
+  </mc:AlternateContent>
+  <c:chart>
+    <c:autoTitleDeleted val="1"/>
+    <c:plotArea>
+      <c:layout/>
+      <c:lineChart>
+        <c:grouping val="standard"/>
+        <c:varyColors val="0"/>
+        <c:ser>
+          <c:idx val="0"/>
+          <c:order val="0"/>
+          <c:tx>
+            <c:strRef>
+              <c:f>'First Wind Measurement'!$A$1</c:f>
+              <c:strCache>
+                <c:ptCount val="1"/>
+                <c:pt idx="0">
+                  <c:v>Time diff[us]</c:v>
+                </c:pt>
+              </c:strCache>
+            </c:strRef>
+          </c:tx>
+          <c:spPr>
+            <a:ln w="12700" cap="rnd">
+              <a:solidFill>
+                <a:schemeClr val="accent1"/>
+              </a:solidFill>
+              <a:round/>
+            </a:ln>
+            <a:effectLst/>
+          </c:spPr>
+          <c:marker>
+            <c:symbol val="none"/>
+          </c:marker>
+          <c:val>
+            <c:numRef>
+              <c:f>'First Wind Measurement'!$A$2:$A$117</c:f>
+              <c:numCache>
+                <c:formatCode>General</c:formatCode>
+                <c:ptCount val="116"/>
+                <c:pt idx="0">
+                  <c:v>8.6999999999999994E-2</c:v>
+                </c:pt>
+                <c:pt idx="1">
+                  <c:v>-0.108</c:v>
+                </c:pt>
+                <c:pt idx="2">
+                  <c:v>-3.5000000000000003E-2</c:v>
+                </c:pt>
+                <c:pt idx="3">
+                  <c:v>-0.13</c:v>
+                </c:pt>
+                <c:pt idx="4">
+                  <c:v>-0.13400000000000001</c:v>
+                </c:pt>
+                <c:pt idx="5">
+                  <c:v>-6.7000000000000004E-2</c:v>
+                </c:pt>
+                <c:pt idx="6">
+                  <c:v>-0.114</c:v>
+                </c:pt>
+                <c:pt idx="7">
+                  <c:v>-3.5000000000000003E-2</c:v>
+                </c:pt>
+                <c:pt idx="8">
+                  <c:v>-7.0000000000000007E-2</c:v>
+                </c:pt>
+                <c:pt idx="9">
+                  <c:v>-0.115</c:v>
+                </c:pt>
+                <c:pt idx="10">
+                  <c:v>1.2999999999999999E-2</c:v>
+                </c:pt>
+                <c:pt idx="11">
+                  <c:v>-9.5000000000000001E-2</c:v>
+                </c:pt>
+                <c:pt idx="12">
+                  <c:v>-6.7000000000000004E-2</c:v>
+                </c:pt>
+                <c:pt idx="13">
+                  <c:v>5.7000000000000002E-2</c:v>
+                </c:pt>
+                <c:pt idx="14">
+                  <c:v>4.5999999999999999E-2</c:v>
+                </c:pt>
+                <c:pt idx="15">
+                  <c:v>-0.13400000000000001</c:v>
+                </c:pt>
+                <c:pt idx="16">
+                  <c:v>6.5000000000000002E-2</c:v>
+                </c:pt>
+                <c:pt idx="17">
+                  <c:v>3.4000000000000002E-2</c:v>
+                </c:pt>
+                <c:pt idx="18">
+                  <c:v>-0.16200000000000001</c:v>
+                </c:pt>
+                <c:pt idx="19">
+                  <c:v>-4.1000000000000002E-2</c:v>
+                </c:pt>
+                <c:pt idx="20">
+                  <c:v>-0.02</c:v>
+                </c:pt>
+                <c:pt idx="21">
+                  <c:v>-4.2000000000000003E-2</c:v>
+                </c:pt>
+                <c:pt idx="22">
+                  <c:v>-4.5999999999999999E-2</c:v>
+                </c:pt>
+                <c:pt idx="23">
+                  <c:v>5.8000000000000003E-2</c:v>
+                </c:pt>
+                <c:pt idx="24">
+                  <c:v>-8.9999999999999993E-3</c:v>
+                </c:pt>
+                <c:pt idx="25">
+                  <c:v>-7.0000000000000001E-3</c:v>
+                </c:pt>
+                <c:pt idx="26">
+                  <c:v>-3.6999999999999998E-2</c:v>
+                </c:pt>
+                <c:pt idx="27">
+                  <c:v>0.17199999999999999</c:v>
+                </c:pt>
+                <c:pt idx="28">
+                  <c:v>-0.112</c:v>
+                </c:pt>
+                <c:pt idx="29">
+                  <c:v>-0.106</c:v>
+                </c:pt>
+                <c:pt idx="30">
+                  <c:v>-0.02</c:v>
+                </c:pt>
+                <c:pt idx="31">
+                  <c:v>-1.7999999999999999E-2</c:v>
+                </c:pt>
+                <c:pt idx="32">
+                  <c:v>-6.0000000000000001E-3</c:v>
+                </c:pt>
+                <c:pt idx="33">
+                  <c:v>-4.0000000000000001E-3</c:v>
+                </c:pt>
+                <c:pt idx="34">
+                  <c:v>-5.8999999999999997E-2</c:v>
+                </c:pt>
+                <c:pt idx="35">
+                  <c:v>-6.3E-2</c:v>
+                </c:pt>
+                <c:pt idx="36">
+                  <c:v>7.8E-2</c:v>
+                </c:pt>
+                <c:pt idx="37">
+                  <c:v>-2.8140000000000001</c:v>
+                </c:pt>
+                <c:pt idx="38">
+                  <c:v>-3.0470000000000002</c:v>
+                </c:pt>
+                <c:pt idx="39">
+                  <c:v>-2.677</c:v>
+                </c:pt>
+                <c:pt idx="40">
+                  <c:v>-2.8239999999999998</c:v>
+                </c:pt>
+                <c:pt idx="41">
+                  <c:v>-3.2029999999999998</c:v>
+                </c:pt>
+                <c:pt idx="42">
+                  <c:v>-2.706</c:v>
+                </c:pt>
+                <c:pt idx="43">
+                  <c:v>-2.883</c:v>
+                </c:pt>
+                <c:pt idx="44">
+                  <c:v>-2.9430000000000001</c:v>
+                </c:pt>
+                <c:pt idx="45">
+                  <c:v>-2.895</c:v>
+                </c:pt>
+                <c:pt idx="46">
+                  <c:v>-3.2770000000000001</c:v>
+                </c:pt>
+                <c:pt idx="47">
+                  <c:v>-3.3559999999999999</c:v>
+                </c:pt>
+                <c:pt idx="48">
+                  <c:v>-3.532</c:v>
+                </c:pt>
+                <c:pt idx="49">
+                  <c:v>-3.5710000000000002</c:v>
+                </c:pt>
+                <c:pt idx="50">
+                  <c:v>-3.1669999999999998</c:v>
+                </c:pt>
+                <c:pt idx="51">
+                  <c:v>-4.0289999999999999</c:v>
+                </c:pt>
+                <c:pt idx="52">
+                  <c:v>-3.5819999999999999</c:v>
+                </c:pt>
+                <c:pt idx="53">
+                  <c:v>-3.508</c:v>
+                </c:pt>
+                <c:pt idx="54">
+                  <c:v>-4.09</c:v>
+                </c:pt>
+                <c:pt idx="55">
+                  <c:v>-1.3660000000000001</c:v>
+                </c:pt>
+                <c:pt idx="56">
+                  <c:v>-0.629</c:v>
+                </c:pt>
+                <c:pt idx="57">
+                  <c:v>-0.41599999999999998</c:v>
+                </c:pt>
+                <c:pt idx="58">
+                  <c:v>-0.247</c:v>
+                </c:pt>
+                <c:pt idx="59">
+                  <c:v>-0.184</c:v>
+                </c:pt>
+                <c:pt idx="60">
+                  <c:v>-0.14399999999999999</c:v>
+                </c:pt>
+                <c:pt idx="61">
+                  <c:v>0.185</c:v>
+                </c:pt>
+                <c:pt idx="62">
+                  <c:v>-4.4999999999999998E-2</c:v>
+                </c:pt>
+                <c:pt idx="63">
+                  <c:v>8.0000000000000002E-3</c:v>
+                </c:pt>
+                <c:pt idx="64">
+                  <c:v>0.124</c:v>
+                </c:pt>
+                <c:pt idx="65">
+                  <c:v>-4.0000000000000001E-3</c:v>
+                </c:pt>
+                <c:pt idx="66">
+                  <c:v>2.7E-2</c:v>
+                </c:pt>
+                <c:pt idx="67">
+                  <c:v>0.254</c:v>
+                </c:pt>
+                <c:pt idx="68">
+                  <c:v>3.4000000000000002E-2</c:v>
+                </c:pt>
+                <c:pt idx="69">
+                  <c:v>-3.2090000000000001</c:v>
+                </c:pt>
+                <c:pt idx="70">
+                  <c:v>-3.62</c:v>
+                </c:pt>
+                <c:pt idx="71">
+                  <c:v>-4.0119999999999996</c:v>
+                </c:pt>
+                <c:pt idx="72">
+                  <c:v>-5.258</c:v>
+                </c:pt>
+                <c:pt idx="73">
+                  <c:v>-5.9539999999999997</c:v>
+                </c:pt>
+                <c:pt idx="74">
+                  <c:v>-5.7050000000000001</c:v>
+                </c:pt>
+                <c:pt idx="75">
+                  <c:v>-6.8470000000000004</c:v>
+                </c:pt>
+                <c:pt idx="76">
+                  <c:v>-2.774</c:v>
+                </c:pt>
+                <c:pt idx="77">
+                  <c:v>-0.81899999999999995</c:v>
+                </c:pt>
+                <c:pt idx="78">
+                  <c:v>-0.41499999999999998</c:v>
+                </c:pt>
+                <c:pt idx="79">
+                  <c:v>6.6000000000000003E-2</c:v>
+                </c:pt>
+                <c:pt idx="80">
+                  <c:v>-3.0000000000000001E-3</c:v>
+                </c:pt>
+                <c:pt idx="81">
+                  <c:v>-4.3999999999999997E-2</c:v>
+                </c:pt>
+                <c:pt idx="82">
+                  <c:v>7.4999999999999997E-2</c:v>
+                </c:pt>
+                <c:pt idx="83">
+                  <c:v>9.2999999999999999E-2</c:v>
+                </c:pt>
+                <c:pt idx="84">
+                  <c:v>-0.125</c:v>
+                </c:pt>
+                <c:pt idx="85">
+                  <c:v>-3.2000000000000001E-2</c:v>
+                </c:pt>
+                <c:pt idx="86">
+                  <c:v>5.0999999999999997E-2</c:v>
+                </c:pt>
+                <c:pt idx="87">
+                  <c:v>-0.127</c:v>
+                </c:pt>
+                <c:pt idx="88">
+                  <c:v>6.8000000000000005E-2</c:v>
+                </c:pt>
+                <c:pt idx="89">
+                  <c:v>-3.4889999999999999</c:v>
+                </c:pt>
+                <c:pt idx="90">
+                  <c:v>-3.661</c:v>
+                </c:pt>
+                <c:pt idx="91">
+                  <c:v>-4.1399999999999997</c:v>
+                </c:pt>
+                <c:pt idx="92">
+                  <c:v>-5.16</c:v>
+                </c:pt>
+                <c:pt idx="93">
+                  <c:v>-5.8540000000000001</c:v>
+                </c:pt>
+                <c:pt idx="94">
+                  <c:v>-5.7939999999999996</c:v>
+                </c:pt>
+                <c:pt idx="95">
+                  <c:v>-6.3879999999999999</c:v>
+                </c:pt>
+                <c:pt idx="96">
+                  <c:v>-4.1890000000000001</c:v>
+                </c:pt>
+                <c:pt idx="97">
+                  <c:v>-1.038</c:v>
+                </c:pt>
+                <c:pt idx="98">
+                  <c:v>-0.251</c:v>
+                </c:pt>
+                <c:pt idx="99">
+                  <c:v>-0.112</c:v>
+                </c:pt>
+                <c:pt idx="100">
+                  <c:v>5.1999999999999998E-2</c:v>
+                </c:pt>
+                <c:pt idx="101">
+                  <c:v>-1.2E-2</c:v>
+                </c:pt>
+                <c:pt idx="102">
+                  <c:v>4.5999999999999999E-2</c:v>
+                </c:pt>
+                <c:pt idx="103">
+                  <c:v>0.20699999999999999</c:v>
+                </c:pt>
+                <c:pt idx="104">
+                  <c:v>-0.215</c:v>
+                </c:pt>
+                <c:pt idx="105">
+                  <c:v>-5.2999999999999999E-2</c:v>
+                </c:pt>
+                <c:pt idx="106">
+                  <c:v>1.9E-2</c:v>
+                </c:pt>
+                <c:pt idx="107">
+                  <c:v>-7.3999999999999996E-2</c:v>
+                </c:pt>
+                <c:pt idx="108">
+                  <c:v>5.0999999999999997E-2</c:v>
+                </c:pt>
+                <c:pt idx="109">
+                  <c:v>3.5000000000000003E-2</c:v>
+                </c:pt>
+                <c:pt idx="110">
+                  <c:v>9.1999999999999998E-2</c:v>
+                </c:pt>
+                <c:pt idx="111">
+                  <c:v>2.5000000000000001E-2</c:v>
+                </c:pt>
+                <c:pt idx="112">
+                  <c:v>-0.03</c:v>
+                </c:pt>
+                <c:pt idx="113">
+                  <c:v>-1E-3</c:v>
+                </c:pt>
+                <c:pt idx="114">
+                  <c:v>3.5999999999999997E-2</c:v>
+                </c:pt>
+                <c:pt idx="115">
+                  <c:v>4.3999999999999997E-2</c:v>
+                </c:pt>
+              </c:numCache>
+            </c:numRef>
+          </c:val>
+          <c:smooth val="0"/>
+          <c:extLst>
+            <c:ext xmlns:c16="http://schemas.microsoft.com/office/drawing/2014/chart" uri="{C3380CC4-5D6E-409C-BE32-E72D297353CC}">
+              <c16:uniqueId val="{00000000-A647-421A-8798-057F7675F2D1}"/>
+            </c:ext>
+          </c:extLst>
+        </c:ser>
+        <c:ser>
+          <c:idx val="1"/>
+          <c:order val="1"/>
+          <c:tx>
+            <c:strRef>
+              <c:f>'First Wind Measurement'!$C$1</c:f>
+              <c:strCache>
+                <c:ptCount val="1"/>
+                <c:pt idx="0">
+                  <c:v>Wind [m/s]</c:v>
+                </c:pt>
+              </c:strCache>
+            </c:strRef>
+          </c:tx>
+          <c:spPr>
+            <a:ln w="12700" cap="rnd">
+              <a:solidFill>
+                <a:schemeClr val="accent2"/>
+              </a:solidFill>
+              <a:round/>
+            </a:ln>
+            <a:effectLst/>
+          </c:spPr>
+          <c:marker>
+            <c:symbol val="none"/>
+          </c:marker>
+          <c:val>
+            <c:numRef>
+              <c:f>'First Wind Measurement'!$C$2:$C$117</c:f>
+              <c:numCache>
+                <c:formatCode>General</c:formatCode>
+                <c:ptCount val="116"/>
+                <c:pt idx="0">
+                  <c:v>-0.123</c:v>
+                </c:pt>
+                <c:pt idx="1">
+                  <c:v>0.154</c:v>
+                </c:pt>
+                <c:pt idx="2">
+                  <c:v>4.9000000000000002E-2</c:v>
+                </c:pt>
+                <c:pt idx="3">
+                  <c:v>0.185</c:v>
+                </c:pt>
+                <c:pt idx="4">
+                  <c:v>0.19</c:v>
+                </c:pt>
+                <c:pt idx="5">
+                  <c:v>9.5000000000000001E-2</c:v>
+                </c:pt>
+                <c:pt idx="6">
+                  <c:v>0.16200000000000001</c:v>
+                </c:pt>
+                <c:pt idx="7">
+                  <c:v>0.05</c:v>
+                </c:pt>
+                <c:pt idx="8">
+                  <c:v>9.9000000000000005E-2</c:v>
+                </c:pt>
+                <c:pt idx="9">
+                  <c:v>0.16300000000000001</c:v>
+                </c:pt>
+                <c:pt idx="10">
+                  <c:v>-1.7999999999999999E-2</c:v>
+                </c:pt>
+                <c:pt idx="11">
+                  <c:v>0.13400000000000001</c:v>
+                </c:pt>
+                <c:pt idx="12">
+                  <c:v>9.5000000000000001E-2</c:v>
+                </c:pt>
+                <c:pt idx="13">
+                  <c:v>-8.1000000000000003E-2</c:v>
+                </c:pt>
+                <c:pt idx="14">
+                  <c:v>-6.5000000000000002E-2</c:v>
+                </c:pt>
+                <c:pt idx="15">
+                  <c:v>0.19</c:v>
+                </c:pt>
+                <c:pt idx="16">
+                  <c:v>-9.2999999999999999E-2</c:v>
+                </c:pt>
+                <c:pt idx="17">
+                  <c:v>-4.8000000000000001E-2</c:v>
+                </c:pt>
+                <c:pt idx="18">
+                  <c:v>0.23</c:v>
+                </c:pt>
+                <c:pt idx="19">
+                  <c:v>5.8000000000000003E-2</c:v>
+                </c:pt>
+                <c:pt idx="20">
+                  <c:v>2.8000000000000001E-2</c:v>
+                </c:pt>
+                <c:pt idx="21">
+                  <c:v>0.06</c:v>
+                </c:pt>
+                <c:pt idx="22">
+                  <c:v>6.4000000000000001E-2</c:v>
+                </c:pt>
+                <c:pt idx="23">
+                  <c:v>-8.2000000000000003E-2</c:v>
+                </c:pt>
+                <c:pt idx="24">
+                  <c:v>1.2999999999999999E-2</c:v>
+                </c:pt>
+                <c:pt idx="25">
+                  <c:v>0.01</c:v>
+                </c:pt>
+                <c:pt idx="26">
+                  <c:v>5.2999999999999999E-2</c:v>
+                </c:pt>
+                <c:pt idx="27">
+                  <c:v>-0.24299999999999999</c:v>
+                </c:pt>
+                <c:pt idx="28">
+                  <c:v>0.158</c:v>
+                </c:pt>
+                <c:pt idx="29">
+                  <c:v>0.15</c:v>
+                </c:pt>
+                <c:pt idx="30">
+                  <c:v>2.8000000000000001E-2</c:v>
+                </c:pt>
+                <c:pt idx="31">
+                  <c:v>2.5000000000000001E-2</c:v>
+                </c:pt>
+                <c:pt idx="32">
+                  <c:v>8.0000000000000002E-3</c:v>
+                </c:pt>
+                <c:pt idx="33">
+                  <c:v>6.0000000000000001E-3</c:v>
+                </c:pt>
+                <c:pt idx="34">
+                  <c:v>8.4000000000000005E-2</c:v>
+                </c:pt>
+                <c:pt idx="35">
+                  <c:v>0.09</c:v>
+                </c:pt>
+                <c:pt idx="36">
+                  <c:v>-0.111</c:v>
+                </c:pt>
+                <c:pt idx="37">
+                  <c:v>4.0419999999999998</c:v>
+                </c:pt>
+                <c:pt idx="38">
+                  <c:v>4.375</c:v>
+                </c:pt>
+                <c:pt idx="39">
+                  <c:v>3.8359999999999999</c:v>
+                </c:pt>
+                <c:pt idx="40">
+                  <c:v>4.0529999999999999</c:v>
+                </c:pt>
+                <c:pt idx="41">
+                  <c:v>4.5979999999999999</c:v>
+                </c:pt>
+                <c:pt idx="42">
+                  <c:v>3.8780000000000001</c:v>
+                </c:pt>
+                <c:pt idx="43">
+                  <c:v>4.1340000000000003</c:v>
+                </c:pt>
+                <c:pt idx="44">
+                  <c:v>4.218</c:v>
+                </c:pt>
+                <c:pt idx="45">
+                  <c:v>4.1470000000000002</c:v>
+                </c:pt>
+                <c:pt idx="46">
+                  <c:v>4.6989999999999998</c:v>
+                </c:pt>
+                <c:pt idx="47">
+                  <c:v>4.8109999999999999</c:v>
+                </c:pt>
+                <c:pt idx="48">
+                  <c:v>5.0590000000000002</c:v>
+                </c:pt>
+                <c:pt idx="49">
+                  <c:v>5.1210000000000004</c:v>
+                </c:pt>
+                <c:pt idx="50">
+                  <c:v>4.5369999999999999</c:v>
+                </c:pt>
+                <c:pt idx="51">
+                  <c:v>5.7830000000000004</c:v>
+                </c:pt>
+                <c:pt idx="52">
+                  <c:v>5.1360000000000001</c:v>
+                </c:pt>
+                <c:pt idx="53">
+                  <c:v>5.0259999999999998</c:v>
+                </c:pt>
+                <c:pt idx="54">
+                  <c:v>5.867</c:v>
+                </c:pt>
+                <c:pt idx="55">
+                  <c:v>1.9510000000000001</c:v>
+                </c:pt>
+                <c:pt idx="56">
+                  <c:v>0.89500000000000002</c:v>
+                </c:pt>
+                <c:pt idx="57">
+                  <c:v>0.59099999999999997</c:v>
+                </c:pt>
+                <c:pt idx="58">
+                  <c:v>0.35099999999999998</c:v>
+                </c:pt>
+                <c:pt idx="59">
+                  <c:v>0.26</c:v>
+                </c:pt>
+                <c:pt idx="60">
+                  <c:v>0.20399999999999999</c:v>
+                </c:pt>
+                <c:pt idx="61">
+                  <c:v>-0.26300000000000001</c:v>
+                </c:pt>
+                <c:pt idx="62">
+                  <c:v>6.4000000000000001E-2</c:v>
+                </c:pt>
+                <c:pt idx="63">
+                  <c:v>-1.2E-2</c:v>
+                </c:pt>
+                <c:pt idx="64">
+                  <c:v>-0.17599999999999999</c:v>
+                </c:pt>
+                <c:pt idx="65">
+                  <c:v>6.0000000000000001E-3</c:v>
+                </c:pt>
+                <c:pt idx="66">
+                  <c:v>-3.7999999999999999E-2</c:v>
+                </c:pt>
+                <c:pt idx="67">
+                  <c:v>-0.36</c:v>
+                </c:pt>
+                <c:pt idx="68">
+                  <c:v>-4.8000000000000001E-2</c:v>
+                </c:pt>
+                <c:pt idx="69">
+                  <c:v>4.6050000000000004</c:v>
+                </c:pt>
+                <c:pt idx="70">
+                  <c:v>5.194</c:v>
+                </c:pt>
+                <c:pt idx="71">
+                  <c:v>5.7610000000000001</c:v>
+                </c:pt>
+                <c:pt idx="72">
+                  <c:v>7.5640000000000001</c:v>
+                </c:pt>
+                <c:pt idx="73">
+                  <c:v>8.5679999999999996</c:v>
+                </c:pt>
+                <c:pt idx="74">
+                  <c:v>8.2050000000000001</c:v>
+                </c:pt>
+                <c:pt idx="75">
+                  <c:v>9.8640000000000008</c:v>
+                </c:pt>
+                <c:pt idx="76">
+                  <c:v>3.97</c:v>
+                </c:pt>
+                <c:pt idx="77">
+                  <c:v>1.1659999999999999</c:v>
+                </c:pt>
+                <c:pt idx="78">
+                  <c:v>0.59</c:v>
+                </c:pt>
+                <c:pt idx="79">
+                  <c:v>-9.4E-2</c:v>
+                </c:pt>
+                <c:pt idx="80">
+                  <c:v>4.0000000000000001E-3</c:v>
+                </c:pt>
+                <c:pt idx="81">
+                  <c:v>6.3E-2</c:v>
+                </c:pt>
+                <c:pt idx="82">
+                  <c:v>-0.105</c:v>
+                </c:pt>
+                <c:pt idx="83">
+                  <c:v>-0.13200000000000001</c:v>
+                </c:pt>
+                <c:pt idx="84">
+                  <c:v>0.17699999999999999</c:v>
+                </c:pt>
+                <c:pt idx="85">
+                  <c:v>4.5999999999999999E-2</c:v>
+                </c:pt>
+                <c:pt idx="86">
+                  <c:v>-7.1999999999999995E-2</c:v>
+                </c:pt>
+                <c:pt idx="87">
+                  <c:v>0.18</c:v>
+                </c:pt>
+                <c:pt idx="88">
+                  <c:v>-9.6000000000000002E-2</c:v>
+                </c:pt>
+                <c:pt idx="89">
+                  <c:v>5.0149999999999997</c:v>
+                </c:pt>
+                <c:pt idx="90">
+                  <c:v>5.2510000000000003</c:v>
+                </c:pt>
+                <c:pt idx="91">
+                  <c:v>5.9470000000000001</c:v>
+                </c:pt>
+                <c:pt idx="92">
+                  <c:v>7.4119999999999999</c:v>
+                </c:pt>
+                <c:pt idx="93">
+                  <c:v>8.4209999999999994</c:v>
+                </c:pt>
+                <c:pt idx="94">
+                  <c:v>8.3239999999999998</c:v>
+                </c:pt>
+                <c:pt idx="95">
+                  <c:v>9.1820000000000004</c:v>
+                </c:pt>
+                <c:pt idx="96">
+                  <c:v>6.0010000000000003</c:v>
+                </c:pt>
+                <c:pt idx="97">
+                  <c:v>1.4790000000000001</c:v>
+                </c:pt>
+                <c:pt idx="98">
+                  <c:v>0.35599999999999998</c:v>
+                </c:pt>
+                <c:pt idx="99">
+                  <c:v>0.159</c:v>
+                </c:pt>
+                <c:pt idx="100">
+                  <c:v>-7.2999999999999995E-2</c:v>
+                </c:pt>
+                <c:pt idx="101">
+                  <c:v>1.7000000000000001E-2</c:v>
+                </c:pt>
+                <c:pt idx="102">
+                  <c:v>-6.5000000000000002E-2</c:v>
+                </c:pt>
+                <c:pt idx="103">
+                  <c:v>-0.29399999999999998</c:v>
+                </c:pt>
+                <c:pt idx="104">
+                  <c:v>0.30399999999999999</c:v>
+                </c:pt>
+                <c:pt idx="105">
+                  <c:v>7.5999999999999998E-2</c:v>
+                </c:pt>
+                <c:pt idx="106">
+                  <c:v>-2.7E-2</c:v>
+                </c:pt>
+                <c:pt idx="107">
+                  <c:v>0.105</c:v>
+                </c:pt>
+                <c:pt idx="108">
+                  <c:v>-7.1999999999999995E-2</c:v>
+                </c:pt>
+                <c:pt idx="109">
+                  <c:v>-0.05</c:v>
+                </c:pt>
+                <c:pt idx="110">
+                  <c:v>-0.13</c:v>
+                </c:pt>
+                <c:pt idx="111">
+                  <c:v>-3.5999999999999997E-2</c:v>
+                </c:pt>
+                <c:pt idx="112">
+                  <c:v>4.2000000000000003E-2</c:v>
+                </c:pt>
+                <c:pt idx="113">
+                  <c:v>1E-3</c:v>
+                </c:pt>
+                <c:pt idx="114">
+                  <c:v>-0.05</c:v>
+                </c:pt>
+                <c:pt idx="115">
+                  <c:v>-6.3E-2</c:v>
+                </c:pt>
+              </c:numCache>
+            </c:numRef>
+          </c:val>
+          <c:smooth val="0"/>
+          <c:extLst>
+            <c:ext xmlns:c16="http://schemas.microsoft.com/office/drawing/2014/chart" uri="{C3380CC4-5D6E-409C-BE32-E72D297353CC}">
+              <c16:uniqueId val="{00000001-A647-421A-8798-057F7675F2D1}"/>
+            </c:ext>
+          </c:extLst>
+        </c:ser>
+        <c:dLbls>
+          <c:showLegendKey val="0"/>
+          <c:showVal val="0"/>
+          <c:showCatName val="0"/>
+          <c:showSerName val="0"/>
+          <c:showPercent val="0"/>
+          <c:showBubbleSize val="0"/>
+        </c:dLbls>
+        <c:smooth val="0"/>
+        <c:axId val="588094072"/>
+        <c:axId val="588095056"/>
+      </c:lineChart>
+      <c:catAx>
+        <c:axId val="588094072"/>
+        <c:scaling>
+          <c:orientation val="minMax"/>
+        </c:scaling>
+        <c:delete val="0"/>
+        <c:axPos val="b"/>
+        <c:title>
+          <c:tx>
+            <c:rich>
+              <a:bodyPr rot="0" spcFirstLastPara="1" vertOverflow="ellipsis" vert="horz" wrap="square" anchor="ctr" anchorCtr="1"/>
+              <a:lstStyle/>
+              <a:p>
+                <a:pPr>
+                  <a:defRPr sz="1400" b="0" i="0" u="none" strike="noStrike" kern="1200" baseline="0">
+                    <a:solidFill>
+                      <a:schemeClr val="tx1">
+                        <a:lumMod val="65000"/>
+                        <a:lumOff val="35000"/>
+                      </a:schemeClr>
+                    </a:solidFill>
+                    <a:latin typeface="+mn-lt"/>
+                    <a:ea typeface="+mn-ea"/>
+                    <a:cs typeface="+mn-cs"/>
+                  </a:defRPr>
+                </a:pPr>
+                <a:r>
+                  <a:rPr lang="en-GB"/>
+                  <a:t>1/10 Second</a:t>
+                </a:r>
+              </a:p>
+            </c:rich>
+          </c:tx>
+          <c:overlay val="0"/>
+          <c:spPr>
+            <a:noFill/>
+            <a:ln>
+              <a:noFill/>
+            </a:ln>
+            <a:effectLst/>
+          </c:spPr>
+          <c:txPr>
+            <a:bodyPr rot="0" spcFirstLastPara="1" vertOverflow="ellipsis" vert="horz" wrap="square" anchor="ctr" anchorCtr="1"/>
+            <a:lstStyle/>
+            <a:p>
+              <a:pPr>
+                <a:defRPr sz="1400" b="0" i="0" u="none" strike="noStrike" kern="1200" baseline="0">
+                  <a:solidFill>
+                    <a:schemeClr val="tx1">
+                      <a:lumMod val="65000"/>
+                      <a:lumOff val="35000"/>
+                    </a:schemeClr>
+                  </a:solidFill>
+                  <a:latin typeface="+mn-lt"/>
+                  <a:ea typeface="+mn-ea"/>
+                  <a:cs typeface="+mn-cs"/>
+                </a:defRPr>
+              </a:pPr>
+              <a:endParaRPr lang="en-US"/>
+            </a:p>
+          </c:txPr>
+        </c:title>
+        <c:majorTickMark val="none"/>
+        <c:minorTickMark val="none"/>
+        <c:tickLblPos val="nextTo"/>
+        <c:spPr>
+          <a:noFill/>
+          <a:ln w="9525" cap="flat" cmpd="sng" algn="ctr">
+            <a:solidFill>
+              <a:schemeClr val="tx1">
+                <a:lumMod val="15000"/>
+                <a:lumOff val="85000"/>
+              </a:schemeClr>
+            </a:solidFill>
+            <a:round/>
+          </a:ln>
+          <a:effectLst/>
+        </c:spPr>
+        <c:txPr>
+          <a:bodyPr rot="-60000000" spcFirstLastPara="1" vertOverflow="ellipsis" vert="horz" wrap="square" anchor="ctr" anchorCtr="1"/>
+          <a:lstStyle/>
+          <a:p>
+            <a:pPr>
+              <a:defRPr sz="1400" b="0" i="0" u="none" strike="noStrike" kern="1200" baseline="0">
+                <a:solidFill>
+                  <a:schemeClr val="tx1">
+                    <a:lumMod val="65000"/>
+                    <a:lumOff val="35000"/>
+                  </a:schemeClr>
+                </a:solidFill>
+                <a:latin typeface="+mn-lt"/>
+                <a:ea typeface="+mn-ea"/>
+                <a:cs typeface="+mn-cs"/>
+              </a:defRPr>
+            </a:pPr>
+            <a:endParaRPr lang="en-US"/>
+          </a:p>
+        </c:txPr>
+        <c:crossAx val="588095056"/>
+        <c:crosses val="autoZero"/>
+        <c:auto val="1"/>
+        <c:lblAlgn val="ctr"/>
+        <c:lblOffset val="100"/>
+        <c:noMultiLvlLbl val="0"/>
+      </c:catAx>
+      <c:valAx>
+        <c:axId val="588095056"/>
+        <c:scaling>
+          <c:orientation val="minMax"/>
+        </c:scaling>
+        <c:delete val="0"/>
+        <c:axPos val="l"/>
+        <c:majorGridlines>
+          <c:spPr>
+            <a:ln w="9525" cap="flat" cmpd="sng" algn="ctr">
+              <a:solidFill>
+                <a:schemeClr val="tx1">
+                  <a:lumMod val="15000"/>
+                  <a:lumOff val="85000"/>
+                </a:schemeClr>
+              </a:solidFill>
+              <a:round/>
+            </a:ln>
+            <a:effectLst/>
+          </c:spPr>
+        </c:majorGridlines>
+        <c:numFmt formatCode="General" sourceLinked="1"/>
+        <c:majorTickMark val="none"/>
+        <c:minorTickMark val="none"/>
+        <c:tickLblPos val="nextTo"/>
+        <c:spPr>
+          <a:noFill/>
+          <a:ln>
+            <a:noFill/>
+          </a:ln>
+          <a:effectLst/>
+        </c:spPr>
+        <c:txPr>
+          <a:bodyPr rot="-60000000" spcFirstLastPara="1" vertOverflow="ellipsis" vert="horz" wrap="square" anchor="ctr" anchorCtr="1"/>
+          <a:lstStyle/>
+          <a:p>
+            <a:pPr>
+              <a:defRPr sz="1400" b="0" i="0" u="none" strike="noStrike" kern="1200" baseline="0">
+                <a:solidFill>
+                  <a:schemeClr val="tx1">
+                    <a:lumMod val="65000"/>
+                    <a:lumOff val="35000"/>
+                  </a:schemeClr>
+                </a:solidFill>
+                <a:latin typeface="+mn-lt"/>
+                <a:ea typeface="+mn-ea"/>
+                <a:cs typeface="+mn-cs"/>
+              </a:defRPr>
+            </a:pPr>
+            <a:endParaRPr lang="en-US"/>
+          </a:p>
+        </c:txPr>
+        <c:crossAx val="588094072"/>
+        <c:crosses val="autoZero"/>
+        <c:crossBetween val="between"/>
+      </c:valAx>
+      <c:spPr>
+        <a:noFill/>
+        <a:ln>
+          <a:noFill/>
+        </a:ln>
+        <a:effectLst/>
+      </c:spPr>
+    </c:plotArea>
+    <c:legend>
+      <c:legendPos val="b"/>
+      <c:overlay val="0"/>
+      <c:spPr>
+        <a:noFill/>
+        <a:ln>
+          <a:noFill/>
+        </a:ln>
+        <a:effectLst/>
+      </c:spPr>
+      <c:txPr>
+        <a:bodyPr rot="0" spcFirstLastPara="1" vertOverflow="ellipsis" vert="horz" wrap="square" anchor="ctr" anchorCtr="1"/>
+        <a:lstStyle/>
+        <a:p>
+          <a:pPr>
+            <a:defRPr sz="1400" b="0" i="0" u="none" strike="noStrike" kern="1200" baseline="0">
+              <a:solidFill>
+                <a:schemeClr val="tx1">
+                  <a:lumMod val="65000"/>
+                  <a:lumOff val="35000"/>
+                </a:schemeClr>
+              </a:solidFill>
+              <a:latin typeface="+mn-lt"/>
+              <a:ea typeface="+mn-ea"/>
+              <a:cs typeface="+mn-cs"/>
+            </a:defRPr>
+          </a:pPr>
+          <a:endParaRPr lang="en-US"/>
+        </a:p>
+      </c:txPr>
+    </c:legend>
+    <c:plotVisOnly val="1"/>
+    <c:dispBlanksAs val="gap"/>
+    <c:extLst>
+      <c:ext xmlns:c16r3="http://schemas.microsoft.com/office/drawing/2017/03/chart" uri="{56B9EC1D-385E-4148-901F-78D8002777C0}">
+        <c16r3:dataDisplayOptions16>
+          <c16r3:dispNaAsBlank val="1"/>
+        </c16r3:dataDisplayOptions16>
+      </c:ext>
+    </c:extLst>
+    <c:showDLblsOverMax val="0"/>
+  </c:chart>
+  <c:spPr>
+    <a:noFill/>
+    <a:ln>
+      <a:noFill/>
+    </a:ln>
+    <a:effectLst/>
+  </c:spPr>
+  <c:txPr>
+    <a:bodyPr/>
+    <a:lstStyle/>
+    <a:p>
+      <a:pPr>
+        <a:defRPr sz="1400"/>
+      </a:pPr>
+      <a:endParaRPr lang="en-US"/>
+    </a:p>
+  </c:txPr>
+  <c:externalData r:id="rId3">
+    <c:autoUpdate val="0"/>
+  </c:externalData>
+</c:chartSpace>
+</file>
+
 <file path=ppt/charts/colors1.xml><?xml version="1.0" encoding="utf-8"?>
 <cs:colorStyle xmlns:cs="http://schemas.microsoft.com/office/drawing/2012/chartStyle" xmlns:a="http://schemas.openxmlformats.org/drawingml/2006/main" meth="cycle" id="10">
   <a:schemeClr val="accent1"/>
@@ -12832,6 +13879,46 @@
 </file>
 
 <file path=ppt/charts/colors2.xml><?xml version="1.0" encoding="utf-8"?>
+<cs:colorStyle xmlns:cs="http://schemas.microsoft.com/office/drawing/2012/chartStyle" xmlns:a="http://schemas.openxmlformats.org/drawingml/2006/main" meth="cycle" id="10">
+  <a:schemeClr val="accent1"/>
+  <a:schemeClr val="accent2"/>
+  <a:schemeClr val="accent3"/>
+  <a:schemeClr val="accent4"/>
+  <a:schemeClr val="accent5"/>
+  <a:schemeClr val="accent6"/>
+  <cs:variation/>
+  <cs:variation>
+    <a:lumMod val="60000"/>
+  </cs:variation>
+  <cs:variation>
+    <a:lumMod val="80000"/>
+    <a:lumOff val="20000"/>
+  </cs:variation>
+  <cs:variation>
+    <a:lumMod val="80000"/>
+  </cs:variation>
+  <cs:variation>
+    <a:lumMod val="60000"/>
+    <a:lumOff val="40000"/>
+  </cs:variation>
+  <cs:variation>
+    <a:lumMod val="50000"/>
+  </cs:variation>
+  <cs:variation>
+    <a:lumMod val="70000"/>
+    <a:lumOff val="30000"/>
+  </cs:variation>
+  <cs:variation>
+    <a:lumMod val="70000"/>
+  </cs:variation>
+  <cs:variation>
+    <a:lumMod val="50000"/>
+    <a:lumOff val="50000"/>
+  </cs:variation>
+</cs:colorStyle>
+</file>
+
+<file path=ppt/charts/colors3.xml><?xml version="1.0" encoding="utf-8"?>
 <cs:colorStyle xmlns:cs="http://schemas.microsoft.com/office/drawing/2012/chartStyle" xmlns:a="http://schemas.openxmlformats.org/drawingml/2006/main" meth="cycle" id="10">
   <a:schemeClr val="accent1"/>
   <a:schemeClr val="accent2"/>
@@ -13903,6 +14990,522 @@
 </cs:chartStyle>
 </file>
 
+<file path=ppt/charts/style3.xml><?xml version="1.0" encoding="utf-8"?>
+<cs:chartStyle xmlns:cs="http://schemas.microsoft.com/office/drawing/2012/chartStyle" xmlns:a="http://schemas.openxmlformats.org/drawingml/2006/main" id="227">
+  <cs:axisTitle>
+    <cs:lnRef idx="0"/>
+    <cs:fillRef idx="0"/>
+    <cs:effectRef idx="0"/>
+    <cs:fontRef idx="minor">
+      <a:schemeClr val="tx1">
+        <a:lumMod val="65000"/>
+        <a:lumOff val="35000"/>
+      </a:schemeClr>
+    </cs:fontRef>
+    <cs:defRPr sz="1000" kern="1200"/>
+  </cs:axisTitle>
+  <cs:categoryAxis>
+    <cs:lnRef idx="0"/>
+    <cs:fillRef idx="0"/>
+    <cs:effectRef idx="0"/>
+    <cs:fontRef idx="minor">
+      <a:schemeClr val="tx1">
+        <a:lumMod val="65000"/>
+        <a:lumOff val="35000"/>
+      </a:schemeClr>
+    </cs:fontRef>
+    <cs:spPr>
+      <a:ln w="9525" cap="flat" cmpd="sng" algn="ctr">
+        <a:solidFill>
+          <a:schemeClr val="tx1">
+            <a:lumMod val="15000"/>
+            <a:lumOff val="85000"/>
+          </a:schemeClr>
+        </a:solidFill>
+        <a:round/>
+      </a:ln>
+    </cs:spPr>
+    <cs:defRPr sz="900" kern="1200"/>
+  </cs:categoryAxis>
+  <cs:chartArea mods="allowNoFillOverride allowNoLineOverride">
+    <cs:lnRef idx="0"/>
+    <cs:fillRef idx="0"/>
+    <cs:effectRef idx="0"/>
+    <cs:fontRef idx="minor">
+      <a:schemeClr val="tx1"/>
+    </cs:fontRef>
+    <cs:spPr>
+      <a:solidFill>
+        <a:schemeClr val="bg1"/>
+      </a:solidFill>
+      <a:ln w="9525" cap="flat" cmpd="sng" algn="ctr">
+        <a:solidFill>
+          <a:schemeClr val="tx1">
+            <a:lumMod val="15000"/>
+            <a:lumOff val="85000"/>
+          </a:schemeClr>
+        </a:solidFill>
+        <a:round/>
+      </a:ln>
+    </cs:spPr>
+    <cs:defRPr sz="1000" kern="1200"/>
+  </cs:chartArea>
+  <cs:dataLabel>
+    <cs:lnRef idx="0"/>
+    <cs:fillRef idx="0"/>
+    <cs:effectRef idx="0"/>
+    <cs:fontRef idx="minor">
+      <a:schemeClr val="tx1">
+        <a:lumMod val="75000"/>
+        <a:lumOff val="25000"/>
+      </a:schemeClr>
+    </cs:fontRef>
+    <cs:defRPr sz="900" kern="1200"/>
+  </cs:dataLabel>
+  <cs:dataLabelCallout>
+    <cs:lnRef idx="0"/>
+    <cs:fillRef idx="0"/>
+    <cs:effectRef idx="0"/>
+    <cs:fontRef idx="minor">
+      <a:schemeClr val="dk1">
+        <a:lumMod val="65000"/>
+        <a:lumOff val="35000"/>
+      </a:schemeClr>
+    </cs:fontRef>
+    <cs:spPr>
+      <a:solidFill>
+        <a:schemeClr val="lt1"/>
+      </a:solidFill>
+      <a:ln>
+        <a:solidFill>
+          <a:schemeClr val="dk1">
+            <a:lumMod val="25000"/>
+            <a:lumOff val="75000"/>
+          </a:schemeClr>
+        </a:solidFill>
+      </a:ln>
+    </cs:spPr>
+    <cs:defRPr sz="900" kern="1200"/>
+    <cs:bodyPr rot="0" spcFirstLastPara="1" vertOverflow="clip" horzOverflow="clip" vert="horz" wrap="square" lIns="36576" tIns="18288" rIns="36576" bIns="18288" anchor="ctr" anchorCtr="1">
+      <a:spAutoFit/>
+    </cs:bodyPr>
+  </cs:dataLabelCallout>
+  <cs:dataPoint>
+    <cs:lnRef idx="0"/>
+    <cs:fillRef idx="1">
+      <cs:styleClr val="auto"/>
+    </cs:fillRef>
+    <cs:effectRef idx="0"/>
+    <cs:fontRef idx="minor">
+      <a:schemeClr val="tx1"/>
+    </cs:fontRef>
+    <cs:spPr>
+      <a:solidFill>
+        <a:schemeClr val="phClr"/>
+      </a:solidFill>
+    </cs:spPr>
+  </cs:dataPoint>
+  <cs:dataPoint3D>
+    <cs:lnRef idx="0"/>
+    <cs:fillRef idx="1">
+      <cs:styleClr val="auto"/>
+    </cs:fillRef>
+    <cs:effectRef idx="0"/>
+    <cs:fontRef idx="minor">
+      <a:schemeClr val="tx1"/>
+    </cs:fontRef>
+    <cs:spPr>
+      <a:solidFill>
+        <a:schemeClr val="phClr"/>
+      </a:solidFill>
+    </cs:spPr>
+  </cs:dataPoint3D>
+  <cs:dataPointLine>
+    <cs:lnRef idx="0">
+      <cs:styleClr val="auto"/>
+    </cs:lnRef>
+    <cs:fillRef idx="1"/>
+    <cs:effectRef idx="0"/>
+    <cs:fontRef idx="minor">
+      <a:schemeClr val="tx1"/>
+    </cs:fontRef>
+    <cs:spPr>
+      <a:ln w="28575" cap="rnd">
+        <a:solidFill>
+          <a:schemeClr val="phClr"/>
+        </a:solidFill>
+        <a:round/>
+      </a:ln>
+    </cs:spPr>
+  </cs:dataPointLine>
+  <cs:dataPointMarker>
+    <cs:lnRef idx="0">
+      <cs:styleClr val="auto"/>
+    </cs:lnRef>
+    <cs:fillRef idx="1">
+      <cs:styleClr val="auto"/>
+    </cs:fillRef>
+    <cs:effectRef idx="0"/>
+    <cs:fontRef idx="minor">
+      <a:schemeClr val="tx1"/>
+    </cs:fontRef>
+    <cs:spPr>
+      <a:solidFill>
+        <a:schemeClr val="phClr"/>
+      </a:solidFill>
+      <a:ln w="9525">
+        <a:solidFill>
+          <a:schemeClr val="phClr"/>
+        </a:solidFill>
+      </a:ln>
+    </cs:spPr>
+  </cs:dataPointMarker>
+  <cs:dataPointMarkerLayout symbol="circle" size="5"/>
+  <cs:dataPointWireframe>
+    <cs:lnRef idx="0">
+      <cs:styleClr val="auto"/>
+    </cs:lnRef>
+    <cs:fillRef idx="1"/>
+    <cs:effectRef idx="0"/>
+    <cs:fontRef idx="minor">
+      <a:schemeClr val="tx1"/>
+    </cs:fontRef>
+    <cs:spPr>
+      <a:ln w="9525" cap="rnd">
+        <a:solidFill>
+          <a:schemeClr val="phClr"/>
+        </a:solidFill>
+        <a:round/>
+      </a:ln>
+    </cs:spPr>
+  </cs:dataPointWireframe>
+  <cs:dataTable>
+    <cs:lnRef idx="0"/>
+    <cs:fillRef idx="0"/>
+    <cs:effectRef idx="0"/>
+    <cs:fontRef idx="minor">
+      <a:schemeClr val="tx1">
+        <a:lumMod val="65000"/>
+        <a:lumOff val="35000"/>
+      </a:schemeClr>
+    </cs:fontRef>
+    <cs:spPr>
+      <a:noFill/>
+      <a:ln w="9525" cap="flat" cmpd="sng" algn="ctr">
+        <a:solidFill>
+          <a:schemeClr val="tx1">
+            <a:lumMod val="15000"/>
+            <a:lumOff val="85000"/>
+          </a:schemeClr>
+        </a:solidFill>
+        <a:round/>
+      </a:ln>
+    </cs:spPr>
+    <cs:defRPr sz="900" kern="1200"/>
+  </cs:dataTable>
+  <cs:downBar>
+    <cs:lnRef idx="0"/>
+    <cs:fillRef idx="0"/>
+    <cs:effectRef idx="0"/>
+    <cs:fontRef idx="minor">
+      <a:schemeClr val="dk1"/>
+    </cs:fontRef>
+    <cs:spPr>
+      <a:solidFill>
+        <a:schemeClr val="dk1">
+          <a:lumMod val="65000"/>
+          <a:lumOff val="35000"/>
+        </a:schemeClr>
+      </a:solidFill>
+      <a:ln w="9525">
+        <a:solidFill>
+          <a:schemeClr val="tx1">
+            <a:lumMod val="65000"/>
+            <a:lumOff val="35000"/>
+          </a:schemeClr>
+        </a:solidFill>
+      </a:ln>
+    </cs:spPr>
+  </cs:downBar>
+  <cs:dropLine>
+    <cs:lnRef idx="0"/>
+    <cs:fillRef idx="0"/>
+    <cs:effectRef idx="0"/>
+    <cs:fontRef idx="minor">
+      <a:schemeClr val="tx1"/>
+    </cs:fontRef>
+    <cs:spPr>
+      <a:ln w="9525" cap="flat" cmpd="sng" algn="ctr">
+        <a:solidFill>
+          <a:schemeClr val="tx1">
+            <a:lumMod val="35000"/>
+            <a:lumOff val="65000"/>
+          </a:schemeClr>
+        </a:solidFill>
+        <a:round/>
+      </a:ln>
+    </cs:spPr>
+  </cs:dropLine>
+  <cs:errorBar>
+    <cs:lnRef idx="0"/>
+    <cs:fillRef idx="0"/>
+    <cs:effectRef idx="0"/>
+    <cs:fontRef idx="minor">
+      <a:schemeClr val="tx1"/>
+    </cs:fontRef>
+    <cs:spPr>
+      <a:ln w="9525" cap="flat" cmpd="sng" algn="ctr">
+        <a:solidFill>
+          <a:schemeClr val="tx1">
+            <a:lumMod val="65000"/>
+            <a:lumOff val="35000"/>
+          </a:schemeClr>
+        </a:solidFill>
+        <a:round/>
+      </a:ln>
+    </cs:spPr>
+  </cs:errorBar>
+  <cs:floor>
+    <cs:lnRef idx="0"/>
+    <cs:fillRef idx="0"/>
+    <cs:effectRef idx="0"/>
+    <cs:fontRef idx="minor">
+      <a:schemeClr val="tx1"/>
+    </cs:fontRef>
+    <cs:spPr>
+      <a:noFill/>
+      <a:ln>
+        <a:noFill/>
+      </a:ln>
+    </cs:spPr>
+  </cs:floor>
+  <cs:gridlineMajor>
+    <cs:lnRef idx="0"/>
+    <cs:fillRef idx="0"/>
+    <cs:effectRef idx="0"/>
+    <cs:fontRef idx="minor">
+      <a:schemeClr val="tx1"/>
+    </cs:fontRef>
+    <cs:spPr>
+      <a:ln w="9525" cap="flat" cmpd="sng" algn="ctr">
+        <a:solidFill>
+          <a:schemeClr val="tx1">
+            <a:lumMod val="15000"/>
+            <a:lumOff val="85000"/>
+          </a:schemeClr>
+        </a:solidFill>
+        <a:round/>
+      </a:ln>
+    </cs:spPr>
+  </cs:gridlineMajor>
+  <cs:gridlineMinor>
+    <cs:lnRef idx="0"/>
+    <cs:fillRef idx="0"/>
+    <cs:effectRef idx="0"/>
+    <cs:fontRef idx="minor">
+      <a:schemeClr val="tx1"/>
+    </cs:fontRef>
+    <cs:spPr>
+      <a:ln w="9525" cap="flat" cmpd="sng" algn="ctr">
+        <a:solidFill>
+          <a:schemeClr val="tx1">
+            <a:lumMod val="5000"/>
+            <a:lumOff val="95000"/>
+          </a:schemeClr>
+        </a:solidFill>
+        <a:round/>
+      </a:ln>
+    </cs:spPr>
+  </cs:gridlineMinor>
+  <cs:hiLoLine>
+    <cs:lnRef idx="0"/>
+    <cs:fillRef idx="0"/>
+    <cs:effectRef idx="0"/>
+    <cs:fontRef idx="minor">
+      <a:schemeClr val="tx1"/>
+    </cs:fontRef>
+    <cs:spPr>
+      <a:ln w="9525" cap="flat" cmpd="sng" algn="ctr">
+        <a:solidFill>
+          <a:schemeClr val="tx1">
+            <a:lumMod val="75000"/>
+            <a:lumOff val="25000"/>
+          </a:schemeClr>
+        </a:solidFill>
+        <a:round/>
+      </a:ln>
+    </cs:spPr>
+  </cs:hiLoLine>
+  <cs:leaderLine>
+    <cs:lnRef idx="0"/>
+    <cs:fillRef idx="0"/>
+    <cs:effectRef idx="0"/>
+    <cs:fontRef idx="minor">
+      <a:schemeClr val="tx1"/>
+    </cs:fontRef>
+    <cs:spPr>
+      <a:ln w="9525" cap="flat" cmpd="sng" algn="ctr">
+        <a:solidFill>
+          <a:schemeClr val="tx1">
+            <a:lumMod val="35000"/>
+            <a:lumOff val="65000"/>
+          </a:schemeClr>
+        </a:solidFill>
+        <a:round/>
+      </a:ln>
+    </cs:spPr>
+  </cs:leaderLine>
+  <cs:legend>
+    <cs:lnRef idx="0"/>
+    <cs:fillRef idx="0"/>
+    <cs:effectRef idx="0"/>
+    <cs:fontRef idx="minor">
+      <a:schemeClr val="tx1">
+        <a:lumMod val="65000"/>
+        <a:lumOff val="35000"/>
+      </a:schemeClr>
+    </cs:fontRef>
+    <cs:defRPr sz="900" kern="1200"/>
+  </cs:legend>
+  <cs:plotArea mods="allowNoFillOverride allowNoLineOverride">
+    <cs:lnRef idx="0"/>
+    <cs:fillRef idx="0"/>
+    <cs:effectRef idx="0"/>
+    <cs:fontRef idx="minor">
+      <a:schemeClr val="tx1"/>
+    </cs:fontRef>
+  </cs:plotArea>
+  <cs:plotArea3D mods="allowNoFillOverride allowNoLineOverride">
+    <cs:lnRef idx="0"/>
+    <cs:fillRef idx="0"/>
+    <cs:effectRef idx="0"/>
+    <cs:fontRef idx="minor">
+      <a:schemeClr val="tx1"/>
+    </cs:fontRef>
+  </cs:plotArea3D>
+  <cs:seriesAxis>
+    <cs:lnRef idx="0"/>
+    <cs:fillRef idx="0"/>
+    <cs:effectRef idx="0"/>
+    <cs:fontRef idx="minor">
+      <a:schemeClr val="tx1">
+        <a:lumMod val="65000"/>
+        <a:lumOff val="35000"/>
+      </a:schemeClr>
+    </cs:fontRef>
+    <cs:defRPr sz="900" kern="1200"/>
+  </cs:seriesAxis>
+  <cs:seriesLine>
+    <cs:lnRef idx="0"/>
+    <cs:fillRef idx="0"/>
+    <cs:effectRef idx="0"/>
+    <cs:fontRef idx="minor">
+      <a:schemeClr val="tx1"/>
+    </cs:fontRef>
+    <cs:spPr>
+      <a:ln w="9525" cap="flat" cmpd="sng" algn="ctr">
+        <a:solidFill>
+          <a:schemeClr val="tx1">
+            <a:lumMod val="35000"/>
+            <a:lumOff val="65000"/>
+          </a:schemeClr>
+        </a:solidFill>
+        <a:round/>
+      </a:ln>
+    </cs:spPr>
+  </cs:seriesLine>
+  <cs:title>
+    <cs:lnRef idx="0"/>
+    <cs:fillRef idx="0"/>
+    <cs:effectRef idx="0"/>
+    <cs:fontRef idx="minor">
+      <a:schemeClr val="tx1">
+        <a:lumMod val="65000"/>
+        <a:lumOff val="35000"/>
+      </a:schemeClr>
+    </cs:fontRef>
+    <cs:defRPr sz="1400" b="0" kern="1200" spc="0" baseline="0"/>
+  </cs:title>
+  <cs:trendline>
+    <cs:lnRef idx="0">
+      <cs:styleClr val="auto"/>
+    </cs:lnRef>
+    <cs:fillRef idx="0"/>
+    <cs:effectRef idx="0"/>
+    <cs:fontRef idx="minor">
+      <a:schemeClr val="tx1"/>
+    </cs:fontRef>
+    <cs:spPr>
+      <a:ln w="19050" cap="rnd">
+        <a:solidFill>
+          <a:schemeClr val="phClr"/>
+        </a:solidFill>
+        <a:prstDash val="sysDot"/>
+      </a:ln>
+    </cs:spPr>
+  </cs:trendline>
+  <cs:trendlineLabel>
+    <cs:lnRef idx="0"/>
+    <cs:fillRef idx="0"/>
+    <cs:effectRef idx="0"/>
+    <cs:fontRef idx="minor">
+      <a:schemeClr val="tx1">
+        <a:lumMod val="65000"/>
+        <a:lumOff val="35000"/>
+      </a:schemeClr>
+    </cs:fontRef>
+    <cs:defRPr sz="900" kern="1200"/>
+  </cs:trendlineLabel>
+  <cs:upBar>
+    <cs:lnRef idx="0"/>
+    <cs:fillRef idx="0"/>
+    <cs:effectRef idx="0"/>
+    <cs:fontRef idx="minor">
+      <a:schemeClr val="dk1"/>
+    </cs:fontRef>
+    <cs:spPr>
+      <a:solidFill>
+        <a:schemeClr val="lt1"/>
+      </a:solidFill>
+      <a:ln w="9525">
+        <a:solidFill>
+          <a:schemeClr val="tx1">
+            <a:lumMod val="15000"/>
+            <a:lumOff val="85000"/>
+          </a:schemeClr>
+        </a:solidFill>
+      </a:ln>
+    </cs:spPr>
+  </cs:upBar>
+  <cs:valueAxis>
+    <cs:lnRef idx="0"/>
+    <cs:fillRef idx="0"/>
+    <cs:effectRef idx="0"/>
+    <cs:fontRef idx="minor">
+      <a:schemeClr val="tx1">
+        <a:lumMod val="65000"/>
+        <a:lumOff val="35000"/>
+      </a:schemeClr>
+    </cs:fontRef>
+    <cs:defRPr sz="900" kern="1200"/>
+  </cs:valueAxis>
+  <cs:wall>
+    <cs:lnRef idx="0"/>
+    <cs:fillRef idx="0"/>
+    <cs:effectRef idx="0"/>
+    <cs:fontRef idx="minor">
+      <a:schemeClr val="tx1"/>
+    </cs:fontRef>
+    <cs:spPr>
+      <a:noFill/>
+      <a:ln>
+        <a:noFill/>
+      </a:ln>
+    </cs:spPr>
+  </cs:wall>
+</cs:chartStyle>
+</file>
+
 <file path=ppt/drawings/drawing1.xml><?xml version="1.0" encoding="utf-8"?>
 <c:userShapes xmlns:c="http://schemas.openxmlformats.org/drawingml/2006/chart">
   <cdr:relSizeAnchor xmlns:cdr="http://schemas.openxmlformats.org/drawingml/2006/chartDrawing">
@@ -14341,7 +15944,7 @@
           <a:p>
             <a:fld id="{2A844B6E-13D7-45EE-A349-87AD0FAFCC0F}" type="datetimeFigureOut">
               <a:rPr lang="en-GB" smtClean="0"/>
-              <a:t>12/03/2021</a:t>
+              <a:t>13/03/2021</a:t>
             </a:fld>
             <a:endParaRPr lang="en-GB"/>
           </a:p>
@@ -14541,7 +16144,7 @@
           <a:p>
             <a:fld id="{2A844B6E-13D7-45EE-A349-87AD0FAFCC0F}" type="datetimeFigureOut">
               <a:rPr lang="en-GB" smtClean="0"/>
-              <a:t>12/03/2021</a:t>
+              <a:t>13/03/2021</a:t>
             </a:fld>
             <a:endParaRPr lang="en-GB"/>
           </a:p>
@@ -14751,7 +16354,7 @@
           <a:p>
             <a:fld id="{2A844B6E-13D7-45EE-A349-87AD0FAFCC0F}" type="datetimeFigureOut">
               <a:rPr lang="en-GB" smtClean="0"/>
-              <a:t>12/03/2021</a:t>
+              <a:t>13/03/2021</a:t>
             </a:fld>
             <a:endParaRPr lang="en-GB"/>
           </a:p>
@@ -14951,7 +16554,7 @@
           <a:p>
             <a:fld id="{2A844B6E-13D7-45EE-A349-87AD0FAFCC0F}" type="datetimeFigureOut">
               <a:rPr lang="en-GB" smtClean="0"/>
-              <a:t>12/03/2021</a:t>
+              <a:t>13/03/2021</a:t>
             </a:fld>
             <a:endParaRPr lang="en-GB"/>
           </a:p>
@@ -15227,7 +16830,7 @@
           <a:p>
             <a:fld id="{2A844B6E-13D7-45EE-A349-87AD0FAFCC0F}" type="datetimeFigureOut">
               <a:rPr lang="en-GB" smtClean="0"/>
-              <a:t>12/03/2021</a:t>
+              <a:t>13/03/2021</a:t>
             </a:fld>
             <a:endParaRPr lang="en-GB"/>
           </a:p>
@@ -15495,7 +17098,7 @@
           <a:p>
             <a:fld id="{2A844B6E-13D7-45EE-A349-87AD0FAFCC0F}" type="datetimeFigureOut">
               <a:rPr lang="en-GB" smtClean="0"/>
-              <a:t>12/03/2021</a:t>
+              <a:t>13/03/2021</a:t>
             </a:fld>
             <a:endParaRPr lang="en-GB"/>
           </a:p>
@@ -15910,7 +17513,7 @@
           <a:p>
             <a:fld id="{2A844B6E-13D7-45EE-A349-87AD0FAFCC0F}" type="datetimeFigureOut">
               <a:rPr lang="en-GB" smtClean="0"/>
-              <a:t>12/03/2021</a:t>
+              <a:t>13/03/2021</a:t>
             </a:fld>
             <a:endParaRPr lang="en-GB"/>
           </a:p>
@@ -16052,7 +17655,7 @@
           <a:p>
             <a:fld id="{2A844B6E-13D7-45EE-A349-87AD0FAFCC0F}" type="datetimeFigureOut">
               <a:rPr lang="en-GB" smtClean="0"/>
-              <a:t>12/03/2021</a:t>
+              <a:t>13/03/2021</a:t>
             </a:fld>
             <a:endParaRPr lang="en-GB"/>
           </a:p>
@@ -16165,7 +17768,7 @@
           <a:p>
             <a:fld id="{2A844B6E-13D7-45EE-A349-87AD0FAFCC0F}" type="datetimeFigureOut">
               <a:rPr lang="en-GB" smtClean="0"/>
-              <a:t>12/03/2021</a:t>
+              <a:t>13/03/2021</a:t>
             </a:fld>
             <a:endParaRPr lang="en-GB"/>
           </a:p>
@@ -16478,7 +18081,7 @@
           <a:p>
             <a:fld id="{2A844B6E-13D7-45EE-A349-87AD0FAFCC0F}" type="datetimeFigureOut">
               <a:rPr lang="en-GB" smtClean="0"/>
-              <a:t>12/03/2021</a:t>
+              <a:t>13/03/2021</a:t>
             </a:fld>
             <a:endParaRPr lang="en-GB"/>
           </a:p>
@@ -16767,7 +18370,7 @@
           <a:p>
             <a:fld id="{2A844B6E-13D7-45EE-A349-87AD0FAFCC0F}" type="datetimeFigureOut">
               <a:rPr lang="en-GB" smtClean="0"/>
-              <a:t>12/03/2021</a:t>
+              <a:t>13/03/2021</a:t>
             </a:fld>
             <a:endParaRPr lang="en-GB"/>
           </a:p>
@@ -17010,7 +18613,7 @@
           <a:p>
             <a:fld id="{2A844B6E-13D7-45EE-A349-87AD0FAFCC0F}" type="datetimeFigureOut">
               <a:rPr lang="en-GB" smtClean="0"/>
-              <a:t>12/03/2021</a:t>
+              <a:t>13/03/2021</a:t>
             </a:fld>
             <a:endParaRPr lang="en-GB"/>
           </a:p>
@@ -18954,6 +20557,66 @@
 </p:sld>
 </file>
 
+<file path=ppt/slides/slide3.xml><?xml version="1.0" encoding="utf-8"?>
+<p:sld xmlns:a="http://schemas.openxmlformats.org/drawingml/2006/main" xmlns:r="http://schemas.openxmlformats.org/officeDocument/2006/relationships" xmlns:p="http://schemas.openxmlformats.org/presentationml/2006/main">
+  <p:cSld>
+    <p:spTree>
+      <p:nvGrpSpPr>
+        <p:cNvPr id="1" name=""/>
+        <p:cNvGrpSpPr/>
+        <p:nvPr/>
+      </p:nvGrpSpPr>
+      <p:grpSpPr>
+        <a:xfrm>
+          <a:off x="0" y="0"/>
+          <a:ext cx="0" cy="0"/>
+          <a:chOff x="0" y="0"/>
+          <a:chExt cx="0" cy="0"/>
+        </a:xfrm>
+      </p:grpSpPr>
+      <p:graphicFrame>
+        <p:nvGraphicFramePr>
+          <p:cNvPr id="4" name="Chart 3">
+            <a:extLst>
+              <a:ext uri="{FF2B5EF4-FFF2-40B4-BE49-F238E27FC236}">
+                <a16:creationId xmlns:a16="http://schemas.microsoft.com/office/drawing/2014/main" id="{4121B1E3-73B2-4B43-9322-BB6B2E5C5FB0}"/>
+              </a:ext>
+            </a:extLst>
+          </p:cNvPr>
+          <p:cNvGraphicFramePr>
+            <a:graphicFrameLocks/>
+          </p:cNvGraphicFramePr>
+          <p:nvPr>
+            <p:extLst>
+              <p:ext uri="{D42A27DB-BD31-4B8C-83A1-F6EECF244321}">
+                <p14:modId xmlns:p14="http://schemas.microsoft.com/office/powerpoint/2010/main" val="1088196280"/>
+              </p:ext>
+            </p:extLst>
+          </p:nvPr>
+        </p:nvGraphicFramePr>
+        <p:xfrm>
+          <a:off x="2018264" y="965131"/>
+          <a:ext cx="7419975" cy="4391025"/>
+        </p:xfrm>
+        <a:graphic>
+          <a:graphicData uri="http://schemas.openxmlformats.org/drawingml/2006/chart">
+            <c:chart xmlns:c="http://schemas.openxmlformats.org/drawingml/2006/chart" xmlns:r="http://schemas.openxmlformats.org/officeDocument/2006/relationships" r:id="rId2"/>
+          </a:graphicData>
+        </a:graphic>
+      </p:graphicFrame>
+    </p:spTree>
+    <p:extLst>
+      <p:ext uri="{BB962C8B-B14F-4D97-AF65-F5344CB8AC3E}">
+        <p14:creationId xmlns:p14="http://schemas.microsoft.com/office/powerpoint/2010/main" val="3169335352"/>
+      </p:ext>
+    </p:extLst>
+  </p:cSld>
+  <p:clrMapOvr>
+    <a:masterClrMapping/>
+  </p:clrMapOvr>
+</p:sld>
+</file>
+
 <file path=ppt/theme/theme1.xml><?xml version="1.0" encoding="utf-8"?>
 <a:theme xmlns:a="http://schemas.openxmlformats.org/drawingml/2006/main" name="Office Theme">
   <a:themeElements>

--- a/doc/figures/digrams.pptx
+++ b/doc/figures/digrams.pptx
@@ -8,6 +8,7 @@
     <p:sldId id="257" r:id="rId2"/>
     <p:sldId id="258" r:id="rId3"/>
     <p:sldId id="259" r:id="rId4"/>
+    <p:sldId id="260" r:id="rId5"/>
   </p:sldIdLst>
   <p:sldSz cx="12192000" cy="6858000"/>
   <p:notesSz cx="6858000" cy="9144000"/>
@@ -15944,7 +15945,7 @@
           <a:p>
             <a:fld id="{2A844B6E-13D7-45EE-A349-87AD0FAFCC0F}" type="datetimeFigureOut">
               <a:rPr lang="en-GB" smtClean="0"/>
-              <a:t>13/03/2021</a:t>
+              <a:t>15/03/2021</a:t>
             </a:fld>
             <a:endParaRPr lang="en-GB"/>
           </a:p>
@@ -16144,7 +16145,7 @@
           <a:p>
             <a:fld id="{2A844B6E-13D7-45EE-A349-87AD0FAFCC0F}" type="datetimeFigureOut">
               <a:rPr lang="en-GB" smtClean="0"/>
-              <a:t>13/03/2021</a:t>
+              <a:t>15/03/2021</a:t>
             </a:fld>
             <a:endParaRPr lang="en-GB"/>
           </a:p>
@@ -16354,7 +16355,7 @@
           <a:p>
             <a:fld id="{2A844B6E-13D7-45EE-A349-87AD0FAFCC0F}" type="datetimeFigureOut">
               <a:rPr lang="en-GB" smtClean="0"/>
-              <a:t>13/03/2021</a:t>
+              <a:t>15/03/2021</a:t>
             </a:fld>
             <a:endParaRPr lang="en-GB"/>
           </a:p>
@@ -16554,7 +16555,7 @@
           <a:p>
             <a:fld id="{2A844B6E-13D7-45EE-A349-87AD0FAFCC0F}" type="datetimeFigureOut">
               <a:rPr lang="en-GB" smtClean="0"/>
-              <a:t>13/03/2021</a:t>
+              <a:t>15/03/2021</a:t>
             </a:fld>
             <a:endParaRPr lang="en-GB"/>
           </a:p>
@@ -16830,7 +16831,7 @@
           <a:p>
             <a:fld id="{2A844B6E-13D7-45EE-A349-87AD0FAFCC0F}" type="datetimeFigureOut">
               <a:rPr lang="en-GB" smtClean="0"/>
-              <a:t>13/03/2021</a:t>
+              <a:t>15/03/2021</a:t>
             </a:fld>
             <a:endParaRPr lang="en-GB"/>
           </a:p>
@@ -17098,7 +17099,7 @@
           <a:p>
             <a:fld id="{2A844B6E-13D7-45EE-A349-87AD0FAFCC0F}" type="datetimeFigureOut">
               <a:rPr lang="en-GB" smtClean="0"/>
-              <a:t>13/03/2021</a:t>
+              <a:t>15/03/2021</a:t>
             </a:fld>
             <a:endParaRPr lang="en-GB"/>
           </a:p>
@@ -17513,7 +17514,7 @@
           <a:p>
             <a:fld id="{2A844B6E-13D7-45EE-A349-87AD0FAFCC0F}" type="datetimeFigureOut">
               <a:rPr lang="en-GB" smtClean="0"/>
-              <a:t>13/03/2021</a:t>
+              <a:t>15/03/2021</a:t>
             </a:fld>
             <a:endParaRPr lang="en-GB"/>
           </a:p>
@@ -17655,7 +17656,7 @@
           <a:p>
             <a:fld id="{2A844B6E-13D7-45EE-A349-87AD0FAFCC0F}" type="datetimeFigureOut">
               <a:rPr lang="en-GB" smtClean="0"/>
-              <a:t>13/03/2021</a:t>
+              <a:t>15/03/2021</a:t>
             </a:fld>
             <a:endParaRPr lang="en-GB"/>
           </a:p>
@@ -17768,7 +17769,7 @@
           <a:p>
             <a:fld id="{2A844B6E-13D7-45EE-A349-87AD0FAFCC0F}" type="datetimeFigureOut">
               <a:rPr lang="en-GB" smtClean="0"/>
-              <a:t>13/03/2021</a:t>
+              <a:t>15/03/2021</a:t>
             </a:fld>
             <a:endParaRPr lang="en-GB"/>
           </a:p>
@@ -18081,7 +18082,7 @@
           <a:p>
             <a:fld id="{2A844B6E-13D7-45EE-A349-87AD0FAFCC0F}" type="datetimeFigureOut">
               <a:rPr lang="en-GB" smtClean="0"/>
-              <a:t>13/03/2021</a:t>
+              <a:t>15/03/2021</a:t>
             </a:fld>
             <a:endParaRPr lang="en-GB"/>
           </a:p>
@@ -18370,7 +18371,7 @@
           <a:p>
             <a:fld id="{2A844B6E-13D7-45EE-A349-87AD0FAFCC0F}" type="datetimeFigureOut">
               <a:rPr lang="en-GB" smtClean="0"/>
-              <a:t>13/03/2021</a:t>
+              <a:t>15/03/2021</a:t>
             </a:fld>
             <a:endParaRPr lang="en-GB"/>
           </a:p>
@@ -18613,7 +18614,7 @@
           <a:p>
             <a:fld id="{2A844B6E-13D7-45EE-A349-87AD0FAFCC0F}" type="datetimeFigureOut">
               <a:rPr lang="en-GB" smtClean="0"/>
-              <a:t>13/03/2021</a:t>
+              <a:t>15/03/2021</a:t>
             </a:fld>
             <a:endParaRPr lang="en-GB"/>
           </a:p>
@@ -20617,6 +20618,2272 @@
 </p:sld>
 </file>
 
+<file path=ppt/slides/slide4.xml><?xml version="1.0" encoding="utf-8"?>
+<p:sld xmlns:a="http://schemas.openxmlformats.org/drawingml/2006/main" xmlns:r="http://schemas.openxmlformats.org/officeDocument/2006/relationships" xmlns:p="http://schemas.openxmlformats.org/presentationml/2006/main">
+  <p:cSld>
+    <p:spTree>
+      <p:nvGrpSpPr>
+        <p:cNvPr id="1" name=""/>
+        <p:cNvGrpSpPr/>
+        <p:nvPr/>
+      </p:nvGrpSpPr>
+      <p:grpSpPr>
+        <a:xfrm>
+          <a:off x="0" y="0"/>
+          <a:ext cx="0" cy="0"/>
+          <a:chOff x="0" y="0"/>
+          <a:chExt cx="0" cy="0"/>
+        </a:xfrm>
+      </p:grpSpPr>
+      <p:grpSp>
+        <p:nvGrpSpPr>
+          <p:cNvPr id="20" name="Group 19">
+            <a:extLst>
+              <a:ext uri="{FF2B5EF4-FFF2-40B4-BE49-F238E27FC236}">
+                <a16:creationId xmlns:a16="http://schemas.microsoft.com/office/drawing/2014/main" id="{9CB4A4FB-04BA-4CD9-976B-29759275A918}"/>
+              </a:ext>
+            </a:extLst>
+          </p:cNvPr>
+          <p:cNvGrpSpPr/>
+          <p:nvPr/>
+        </p:nvGrpSpPr>
+        <p:grpSpPr>
+          <a:xfrm>
+            <a:off x="2019533" y="975968"/>
+            <a:ext cx="4499956" cy="4816277"/>
+            <a:chOff x="2188499" y="1174750"/>
+            <a:chExt cx="4499956" cy="4816277"/>
+          </a:xfrm>
+        </p:grpSpPr>
+        <p:sp>
+          <p:nvSpPr>
+            <p:cNvPr id="11" name="Rectangle 10">
+              <a:extLst>
+                <a:ext uri="{FF2B5EF4-FFF2-40B4-BE49-F238E27FC236}">
+                  <a16:creationId xmlns:a16="http://schemas.microsoft.com/office/drawing/2014/main" id="{EF223C68-6068-4E2E-AFB4-0AC0B3A32046}"/>
+                </a:ext>
+              </a:extLst>
+            </p:cNvPr>
+            <p:cNvSpPr/>
+            <p:nvPr/>
+          </p:nvSpPr>
+          <p:spPr>
+            <a:xfrm>
+              <a:off x="2188499" y="1657351"/>
+              <a:ext cx="4499956" cy="229724"/>
+            </a:xfrm>
+            <a:prstGeom prst="rect">
+              <a:avLst/>
+            </a:prstGeom>
+            <a:solidFill>
+              <a:schemeClr val="bg1">
+                <a:lumMod val="85000"/>
+              </a:schemeClr>
+            </a:solidFill>
+            <a:ln>
+              <a:noFill/>
+            </a:ln>
+          </p:spPr>
+          <p:style>
+            <a:lnRef idx="2">
+              <a:schemeClr val="accent1">
+                <a:shade val="50000"/>
+              </a:schemeClr>
+            </a:lnRef>
+            <a:fillRef idx="1">
+              <a:schemeClr val="accent1"/>
+            </a:fillRef>
+            <a:effectRef idx="0">
+              <a:schemeClr val="accent1"/>
+            </a:effectRef>
+            <a:fontRef idx="minor">
+              <a:schemeClr val="lt1"/>
+            </a:fontRef>
+          </p:style>
+          <p:txBody>
+            <a:bodyPr rtlCol="0" anchor="ctr"/>
+            <a:lstStyle/>
+            <a:p>
+              <a:pPr algn="ctr"/>
+              <a:endParaRPr lang="en-GB"/>
+            </a:p>
+          </p:txBody>
+        </p:sp>
+        <p:sp>
+          <p:nvSpPr>
+            <p:cNvPr id="5" name="Rectangle 4">
+              <a:extLst>
+                <a:ext uri="{FF2B5EF4-FFF2-40B4-BE49-F238E27FC236}">
+                  <a16:creationId xmlns:a16="http://schemas.microsoft.com/office/drawing/2014/main" id="{6EC54350-8B79-43B6-B237-1DAFD59C8EA7}"/>
+                </a:ext>
+              </a:extLst>
+            </p:cNvPr>
+            <p:cNvSpPr/>
+            <p:nvPr/>
+          </p:nvSpPr>
+          <p:spPr>
+            <a:xfrm>
+              <a:off x="2188500" y="1657350"/>
+              <a:ext cx="523702" cy="229725"/>
+            </a:xfrm>
+            <a:prstGeom prst="rect">
+              <a:avLst/>
+            </a:prstGeom>
+            <a:solidFill>
+              <a:schemeClr val="tx1">
+                <a:lumMod val="50000"/>
+                <a:lumOff val="50000"/>
+              </a:schemeClr>
+            </a:solidFill>
+            <a:ln>
+              <a:noFill/>
+            </a:ln>
+          </p:spPr>
+          <p:style>
+            <a:lnRef idx="2">
+              <a:schemeClr val="accent1">
+                <a:shade val="50000"/>
+              </a:schemeClr>
+            </a:lnRef>
+            <a:fillRef idx="1">
+              <a:schemeClr val="accent1"/>
+            </a:fillRef>
+            <a:effectRef idx="0">
+              <a:schemeClr val="accent1"/>
+            </a:effectRef>
+            <a:fontRef idx="minor">
+              <a:schemeClr val="lt1"/>
+            </a:fontRef>
+          </p:style>
+          <p:txBody>
+            <a:bodyPr rtlCol="0" anchor="ctr"/>
+            <a:lstStyle/>
+            <a:p>
+              <a:pPr algn="ctr"/>
+              <a:endParaRPr lang="en-GB"/>
+            </a:p>
+          </p:txBody>
+        </p:sp>
+        <p:sp>
+          <p:nvSpPr>
+            <p:cNvPr id="6" name="Rectangle 5">
+              <a:extLst>
+                <a:ext uri="{FF2B5EF4-FFF2-40B4-BE49-F238E27FC236}">
+                  <a16:creationId xmlns:a16="http://schemas.microsoft.com/office/drawing/2014/main" id="{9AC6F14A-60BE-46F7-A916-A6B926E34C7A}"/>
+                </a:ext>
+              </a:extLst>
+            </p:cNvPr>
+            <p:cNvSpPr/>
+            <p:nvPr/>
+          </p:nvSpPr>
+          <p:spPr>
+            <a:xfrm>
+              <a:off x="3643226" y="1657350"/>
+              <a:ext cx="1590504" cy="229725"/>
+            </a:xfrm>
+            <a:prstGeom prst="rect">
+              <a:avLst/>
+            </a:prstGeom>
+            <a:solidFill>
+              <a:schemeClr val="tx1">
+                <a:lumMod val="50000"/>
+                <a:lumOff val="50000"/>
+              </a:schemeClr>
+            </a:solidFill>
+            <a:ln>
+              <a:noFill/>
+            </a:ln>
+          </p:spPr>
+          <p:style>
+            <a:lnRef idx="2">
+              <a:schemeClr val="accent1">
+                <a:shade val="50000"/>
+              </a:schemeClr>
+            </a:lnRef>
+            <a:fillRef idx="1">
+              <a:schemeClr val="accent1"/>
+            </a:fillRef>
+            <a:effectRef idx="0">
+              <a:schemeClr val="accent1"/>
+            </a:effectRef>
+            <a:fontRef idx="minor">
+              <a:schemeClr val="lt1"/>
+            </a:fontRef>
+          </p:style>
+          <p:txBody>
+            <a:bodyPr rtlCol="0" anchor="ctr"/>
+            <a:lstStyle/>
+            <a:p>
+              <a:pPr algn="ctr"/>
+              <a:endParaRPr lang="en-GB"/>
+            </a:p>
+          </p:txBody>
+        </p:sp>
+        <p:sp>
+          <p:nvSpPr>
+            <p:cNvPr id="7" name="Rectangle 6">
+              <a:extLst>
+                <a:ext uri="{FF2B5EF4-FFF2-40B4-BE49-F238E27FC236}">
+                  <a16:creationId xmlns:a16="http://schemas.microsoft.com/office/drawing/2014/main" id="{2D3BBD6D-DD99-4150-8FD5-1EC50E7B038D}"/>
+                </a:ext>
+              </a:extLst>
+            </p:cNvPr>
+            <p:cNvSpPr/>
+            <p:nvPr/>
+          </p:nvSpPr>
+          <p:spPr>
+            <a:xfrm>
+              <a:off x="6164752" y="1657351"/>
+              <a:ext cx="523703" cy="229723"/>
+            </a:xfrm>
+            <a:prstGeom prst="rect">
+              <a:avLst/>
+            </a:prstGeom>
+            <a:solidFill>
+              <a:schemeClr val="tx1">
+                <a:lumMod val="50000"/>
+                <a:lumOff val="50000"/>
+              </a:schemeClr>
+            </a:solidFill>
+            <a:ln>
+              <a:noFill/>
+            </a:ln>
+          </p:spPr>
+          <p:style>
+            <a:lnRef idx="2">
+              <a:schemeClr val="accent1">
+                <a:shade val="50000"/>
+              </a:schemeClr>
+            </a:lnRef>
+            <a:fillRef idx="1">
+              <a:schemeClr val="accent1"/>
+            </a:fillRef>
+            <a:effectRef idx="0">
+              <a:schemeClr val="accent1"/>
+            </a:effectRef>
+            <a:fontRef idx="minor">
+              <a:schemeClr val="lt1"/>
+            </a:fontRef>
+          </p:style>
+          <p:txBody>
+            <a:bodyPr rtlCol="0" anchor="ctr"/>
+            <a:lstStyle/>
+            <a:p>
+              <a:pPr algn="ctr"/>
+              <a:endParaRPr lang="en-GB"/>
+            </a:p>
+          </p:txBody>
+        </p:sp>
+        <p:sp>
+          <p:nvSpPr>
+            <p:cNvPr id="8" name="Rectangle 7">
+              <a:extLst>
+                <a:ext uri="{FF2B5EF4-FFF2-40B4-BE49-F238E27FC236}">
+                  <a16:creationId xmlns:a16="http://schemas.microsoft.com/office/drawing/2014/main" id="{E5EA2C05-B497-4424-A31D-CAB61AD464BA}"/>
+                </a:ext>
+              </a:extLst>
+            </p:cNvPr>
+            <p:cNvSpPr/>
+            <p:nvPr/>
+          </p:nvSpPr>
+          <p:spPr>
+            <a:xfrm>
+              <a:off x="2849892" y="1483033"/>
+              <a:ext cx="649950" cy="401869"/>
+            </a:xfrm>
+            <a:prstGeom prst="rect">
+              <a:avLst/>
+            </a:prstGeom>
+            <a:solidFill>
+              <a:srgbClr val="0070C0"/>
+            </a:solidFill>
+            <a:ln>
+              <a:noFill/>
+            </a:ln>
+          </p:spPr>
+          <p:style>
+            <a:lnRef idx="2">
+              <a:schemeClr val="accent1">
+                <a:shade val="50000"/>
+              </a:schemeClr>
+            </a:lnRef>
+            <a:fillRef idx="1">
+              <a:schemeClr val="accent1"/>
+            </a:fillRef>
+            <a:effectRef idx="0">
+              <a:schemeClr val="accent1"/>
+            </a:effectRef>
+            <a:fontRef idx="minor">
+              <a:schemeClr val="lt1"/>
+            </a:fontRef>
+          </p:style>
+          <p:txBody>
+            <a:bodyPr rtlCol="0" anchor="ctr"/>
+            <a:lstStyle/>
+            <a:p>
+              <a:pPr algn="ctr"/>
+              <a:endParaRPr lang="en-GB"/>
+            </a:p>
+          </p:txBody>
+        </p:sp>
+        <p:sp>
+          <p:nvSpPr>
+            <p:cNvPr id="9" name="Rectangle 8">
+              <a:extLst>
+                <a:ext uri="{FF2B5EF4-FFF2-40B4-BE49-F238E27FC236}">
+                  <a16:creationId xmlns:a16="http://schemas.microsoft.com/office/drawing/2014/main" id="{F56B11C3-9F00-4CA4-9203-FCCFB194D489}"/>
+                </a:ext>
+              </a:extLst>
+            </p:cNvPr>
+            <p:cNvSpPr/>
+            <p:nvPr/>
+          </p:nvSpPr>
+          <p:spPr>
+            <a:xfrm>
+              <a:off x="5374266" y="1485205"/>
+              <a:ext cx="649950" cy="401869"/>
+            </a:xfrm>
+            <a:prstGeom prst="rect">
+              <a:avLst/>
+            </a:prstGeom>
+            <a:solidFill>
+              <a:srgbClr val="0070C0"/>
+            </a:solidFill>
+            <a:ln>
+              <a:noFill/>
+            </a:ln>
+          </p:spPr>
+          <p:style>
+            <a:lnRef idx="2">
+              <a:schemeClr val="accent1">
+                <a:shade val="50000"/>
+              </a:schemeClr>
+            </a:lnRef>
+            <a:fillRef idx="1">
+              <a:schemeClr val="accent1"/>
+            </a:fillRef>
+            <a:effectRef idx="0">
+              <a:schemeClr val="accent1"/>
+            </a:effectRef>
+            <a:fontRef idx="minor">
+              <a:schemeClr val="lt1"/>
+            </a:fontRef>
+          </p:style>
+          <p:txBody>
+            <a:bodyPr rtlCol="0" anchor="ctr"/>
+            <a:lstStyle/>
+            <a:p>
+              <a:pPr algn="ctr"/>
+              <a:endParaRPr lang="en-GB"/>
+            </a:p>
+          </p:txBody>
+        </p:sp>
+        <p:sp>
+          <p:nvSpPr>
+            <p:cNvPr id="10" name="Rectangle 9">
+              <a:extLst>
+                <a:ext uri="{FF2B5EF4-FFF2-40B4-BE49-F238E27FC236}">
+                  <a16:creationId xmlns:a16="http://schemas.microsoft.com/office/drawing/2014/main" id="{BA62C67F-8091-47A5-A43A-54A003B52D10}"/>
+                </a:ext>
+              </a:extLst>
+            </p:cNvPr>
+            <p:cNvSpPr/>
+            <p:nvPr/>
+          </p:nvSpPr>
+          <p:spPr>
+            <a:xfrm>
+              <a:off x="2188499" y="5683250"/>
+              <a:ext cx="4499956" cy="307777"/>
+            </a:xfrm>
+            <a:prstGeom prst="rect">
+              <a:avLst/>
+            </a:prstGeom>
+            <a:solidFill>
+              <a:schemeClr val="tx1">
+                <a:lumMod val="50000"/>
+                <a:lumOff val="50000"/>
+              </a:schemeClr>
+            </a:solidFill>
+            <a:ln>
+              <a:noFill/>
+            </a:ln>
+          </p:spPr>
+          <p:style>
+            <a:lnRef idx="2">
+              <a:schemeClr val="accent1">
+                <a:shade val="50000"/>
+              </a:schemeClr>
+            </a:lnRef>
+            <a:fillRef idx="1">
+              <a:schemeClr val="accent1"/>
+            </a:fillRef>
+            <a:effectRef idx="0">
+              <a:schemeClr val="accent1"/>
+            </a:effectRef>
+            <a:fontRef idx="minor">
+              <a:schemeClr val="lt1"/>
+            </a:fontRef>
+          </p:style>
+          <p:txBody>
+            <a:bodyPr rtlCol="0" anchor="ctr"/>
+            <a:lstStyle/>
+            <a:p>
+              <a:pPr algn="ctr"/>
+              <a:endParaRPr lang="en-GB"/>
+            </a:p>
+          </p:txBody>
+        </p:sp>
+        <p:sp>
+          <p:nvSpPr>
+            <p:cNvPr id="12" name="Rectangle 11">
+              <a:extLst>
+                <a:ext uri="{FF2B5EF4-FFF2-40B4-BE49-F238E27FC236}">
+                  <a16:creationId xmlns:a16="http://schemas.microsoft.com/office/drawing/2014/main" id="{0DA43FF9-C5CE-4F6E-B786-5D66C6902922}"/>
+                </a:ext>
+              </a:extLst>
+            </p:cNvPr>
+            <p:cNvSpPr/>
+            <p:nvPr/>
+          </p:nvSpPr>
+          <p:spPr>
+            <a:xfrm>
+              <a:off x="2188499" y="1174750"/>
+              <a:ext cx="262601" cy="712324"/>
+            </a:xfrm>
+            <a:prstGeom prst="rect">
+              <a:avLst/>
+            </a:prstGeom>
+            <a:solidFill>
+              <a:schemeClr val="tx1">
+                <a:lumMod val="50000"/>
+                <a:lumOff val="50000"/>
+              </a:schemeClr>
+            </a:solidFill>
+            <a:ln>
+              <a:noFill/>
+            </a:ln>
+          </p:spPr>
+          <p:style>
+            <a:lnRef idx="2">
+              <a:schemeClr val="accent1">
+                <a:shade val="50000"/>
+              </a:schemeClr>
+            </a:lnRef>
+            <a:fillRef idx="1">
+              <a:schemeClr val="accent1"/>
+            </a:fillRef>
+            <a:effectRef idx="0">
+              <a:schemeClr val="accent1"/>
+            </a:effectRef>
+            <a:fontRef idx="minor">
+              <a:schemeClr val="lt1"/>
+            </a:fontRef>
+          </p:style>
+          <p:txBody>
+            <a:bodyPr rtlCol="0" anchor="ctr"/>
+            <a:lstStyle/>
+            <a:p>
+              <a:pPr algn="ctr"/>
+              <a:endParaRPr lang="en-GB"/>
+            </a:p>
+          </p:txBody>
+        </p:sp>
+        <p:sp>
+          <p:nvSpPr>
+            <p:cNvPr id="13" name="Rectangle 12">
+              <a:extLst>
+                <a:ext uri="{FF2B5EF4-FFF2-40B4-BE49-F238E27FC236}">
+                  <a16:creationId xmlns:a16="http://schemas.microsoft.com/office/drawing/2014/main" id="{D4EB8E14-B51C-47A3-A262-26A16FF725D3}"/>
+                </a:ext>
+              </a:extLst>
+            </p:cNvPr>
+            <p:cNvSpPr/>
+            <p:nvPr/>
+          </p:nvSpPr>
+          <p:spPr>
+            <a:xfrm>
+              <a:off x="6425105" y="1174750"/>
+              <a:ext cx="262601" cy="701326"/>
+            </a:xfrm>
+            <a:prstGeom prst="rect">
+              <a:avLst/>
+            </a:prstGeom>
+            <a:solidFill>
+              <a:schemeClr val="tx1">
+                <a:lumMod val="50000"/>
+                <a:lumOff val="50000"/>
+              </a:schemeClr>
+            </a:solidFill>
+            <a:ln>
+              <a:noFill/>
+            </a:ln>
+          </p:spPr>
+          <p:style>
+            <a:lnRef idx="2">
+              <a:schemeClr val="accent1">
+                <a:shade val="50000"/>
+              </a:schemeClr>
+            </a:lnRef>
+            <a:fillRef idx="1">
+              <a:schemeClr val="accent1"/>
+            </a:fillRef>
+            <a:effectRef idx="0">
+              <a:schemeClr val="accent1"/>
+            </a:effectRef>
+            <a:fontRef idx="minor">
+              <a:schemeClr val="lt1"/>
+            </a:fontRef>
+          </p:style>
+          <p:txBody>
+            <a:bodyPr rtlCol="0" anchor="ctr"/>
+            <a:lstStyle/>
+            <a:p>
+              <a:pPr algn="ctr"/>
+              <a:endParaRPr lang="en-GB"/>
+            </a:p>
+          </p:txBody>
+        </p:sp>
+        <p:cxnSp>
+          <p:nvCxnSpPr>
+            <p:cNvPr id="17" name="Straight Arrow Connector 16">
+              <a:extLst>
+                <a:ext uri="{FF2B5EF4-FFF2-40B4-BE49-F238E27FC236}">
+                  <a16:creationId xmlns:a16="http://schemas.microsoft.com/office/drawing/2014/main" id="{39D87EB7-7AA9-48E6-A58C-7CA9CC50398E}"/>
+                </a:ext>
+              </a:extLst>
+            </p:cNvPr>
+            <p:cNvCxnSpPr>
+              <a:cxnSpLocks/>
+              <a:stCxn id="10" idx="0"/>
+              <a:endCxn id="9" idx="2"/>
+            </p:cNvCxnSpPr>
+            <p:nvPr/>
+          </p:nvCxnSpPr>
+          <p:spPr>
+            <a:xfrm flipV="1">
+              <a:off x="4438477" y="1887074"/>
+              <a:ext cx="1260764" cy="3796176"/>
+            </a:xfrm>
+            <a:prstGeom prst="straightConnector1">
+              <a:avLst/>
+            </a:prstGeom>
+            <a:ln w="38100" cap="rnd">
+              <a:solidFill>
+                <a:schemeClr val="accent1">
+                  <a:lumMod val="60000"/>
+                  <a:lumOff val="40000"/>
+                </a:schemeClr>
+              </a:solidFill>
+              <a:tailEnd type="triangle" w="lg" len="lg"/>
+            </a:ln>
+          </p:spPr>
+          <p:style>
+            <a:lnRef idx="1">
+              <a:schemeClr val="accent1"/>
+            </a:lnRef>
+            <a:fillRef idx="0">
+              <a:schemeClr val="accent1"/>
+            </a:fillRef>
+            <a:effectRef idx="0">
+              <a:schemeClr val="accent1"/>
+            </a:effectRef>
+            <a:fontRef idx="minor">
+              <a:schemeClr val="tx1"/>
+            </a:fontRef>
+          </p:style>
+        </p:cxnSp>
+        <p:cxnSp>
+          <p:nvCxnSpPr>
+            <p:cNvPr id="15" name="Straight Arrow Connector 14">
+              <a:extLst>
+                <a:ext uri="{FF2B5EF4-FFF2-40B4-BE49-F238E27FC236}">
+                  <a16:creationId xmlns:a16="http://schemas.microsoft.com/office/drawing/2014/main" id="{167E5B22-6A25-46F1-8F63-FA64671DD3BC}"/>
+                </a:ext>
+              </a:extLst>
+            </p:cNvPr>
+            <p:cNvCxnSpPr>
+              <a:cxnSpLocks/>
+              <a:stCxn id="8" idx="2"/>
+              <a:endCxn id="10" idx="0"/>
+            </p:cNvCxnSpPr>
+            <p:nvPr/>
+          </p:nvCxnSpPr>
+          <p:spPr>
+            <a:xfrm>
+              <a:off x="3174867" y="1884902"/>
+              <a:ext cx="1263610" cy="3798348"/>
+            </a:xfrm>
+            <a:prstGeom prst="straightConnector1">
+              <a:avLst/>
+            </a:prstGeom>
+            <a:ln w="38100" cap="rnd">
+              <a:solidFill>
+                <a:schemeClr val="accent1">
+                  <a:lumMod val="60000"/>
+                  <a:lumOff val="40000"/>
+                </a:schemeClr>
+              </a:solidFill>
+              <a:tailEnd type="none"/>
+            </a:ln>
+          </p:spPr>
+          <p:style>
+            <a:lnRef idx="1">
+              <a:schemeClr val="accent1"/>
+            </a:lnRef>
+            <a:fillRef idx="0">
+              <a:schemeClr val="accent1"/>
+            </a:fillRef>
+            <a:effectRef idx="0">
+              <a:schemeClr val="accent1"/>
+            </a:effectRef>
+            <a:fontRef idx="minor">
+              <a:schemeClr val="tx1"/>
+            </a:fontRef>
+          </p:style>
+        </p:cxnSp>
+      </p:grpSp>
+      <p:sp>
+        <p:nvSpPr>
+          <p:cNvPr id="22" name="Arc 21">
+            <a:extLst>
+              <a:ext uri="{FF2B5EF4-FFF2-40B4-BE49-F238E27FC236}">
+                <a16:creationId xmlns:a16="http://schemas.microsoft.com/office/drawing/2014/main" id="{EF2A2868-A1F9-4D02-B150-2C611C75473A}"/>
+              </a:ext>
+            </a:extLst>
+          </p:cNvPr>
+          <p:cNvSpPr/>
+          <p:nvPr/>
+        </p:nvSpPr>
+        <p:spPr>
+          <a:xfrm rot="4517899">
+            <a:off x="2898666" y="1567905"/>
+            <a:ext cx="366201" cy="362610"/>
+          </a:xfrm>
+          <a:prstGeom prst="arc">
+            <a:avLst/>
+          </a:prstGeom>
+          <a:ln w="19050">
+            <a:solidFill>
+              <a:srgbClr val="FF0000"/>
+            </a:solidFill>
+          </a:ln>
+        </p:spPr>
+        <p:style>
+          <a:lnRef idx="1">
+            <a:schemeClr val="accent1"/>
+          </a:lnRef>
+          <a:fillRef idx="0">
+            <a:schemeClr val="accent1"/>
+          </a:fillRef>
+          <a:effectRef idx="0">
+            <a:schemeClr val="accent1"/>
+          </a:effectRef>
+          <a:fontRef idx="minor">
+            <a:schemeClr val="tx1"/>
+          </a:fontRef>
+        </p:style>
+        <p:txBody>
+          <a:bodyPr rtlCol="0" anchor="ctr"/>
+          <a:lstStyle/>
+          <a:p>
+            <a:pPr algn="ctr"/>
+            <a:endParaRPr lang="en-GB"/>
+          </a:p>
+        </p:txBody>
+      </p:sp>
+      <p:cxnSp>
+        <p:nvCxnSpPr>
+          <p:cNvPr id="24" name="Straight Arrow Connector 23">
+            <a:extLst>
+              <a:ext uri="{FF2B5EF4-FFF2-40B4-BE49-F238E27FC236}">
+                <a16:creationId xmlns:a16="http://schemas.microsoft.com/office/drawing/2014/main" id="{2D6887FA-4EB9-4A83-A566-E08603F332A5}"/>
+              </a:ext>
+            </a:extLst>
+          </p:cNvPr>
+          <p:cNvCxnSpPr>
+            <a:cxnSpLocks/>
+          </p:cNvCxnSpPr>
+          <p:nvPr/>
+        </p:nvCxnSpPr>
+        <p:spPr>
+          <a:xfrm flipH="1">
+            <a:off x="5751070" y="2704120"/>
+            <a:ext cx="905452" cy="0"/>
+          </a:xfrm>
+          <a:prstGeom prst="straightConnector1">
+            <a:avLst/>
+          </a:prstGeom>
+          <a:ln w="76200">
+            <a:solidFill>
+              <a:schemeClr val="accent6">
+                <a:lumMod val="60000"/>
+                <a:lumOff val="40000"/>
+              </a:schemeClr>
+            </a:solidFill>
+            <a:tailEnd type="triangle"/>
+          </a:ln>
+        </p:spPr>
+        <p:style>
+          <a:lnRef idx="1">
+            <a:schemeClr val="accent1"/>
+          </a:lnRef>
+          <a:fillRef idx="0">
+            <a:schemeClr val="accent1"/>
+          </a:fillRef>
+          <a:effectRef idx="0">
+            <a:schemeClr val="accent1"/>
+          </a:effectRef>
+          <a:fontRef idx="minor">
+            <a:schemeClr val="tx1"/>
+          </a:fontRef>
+        </p:style>
+      </p:cxnSp>
+      <p:pic>
+        <p:nvPicPr>
+          <p:cNvPr id="27" name="Picture 26">
+            <a:extLst>
+              <a:ext uri="{FF2B5EF4-FFF2-40B4-BE49-F238E27FC236}">
+                <a16:creationId xmlns:a16="http://schemas.microsoft.com/office/drawing/2014/main" id="{A9F7BC4F-A512-4CB8-8F3F-D70070B1D33B}"/>
+              </a:ext>
+            </a:extLst>
+          </p:cNvPr>
+          <p:cNvPicPr>
+            <a:picLocks noChangeAspect="1"/>
+          </p:cNvPicPr>
+          <p:nvPr/>
+        </p:nvPicPr>
+        <p:blipFill>
+          <a:blip r:embed="rId2"/>
+          <a:stretch>
+            <a:fillRect/>
+          </a:stretch>
+        </p:blipFill>
+        <p:spPr>
+          <a:xfrm>
+            <a:off x="7885714" y="401869"/>
+            <a:ext cx="2977071" cy="5484458"/>
+          </a:xfrm>
+          <a:prstGeom prst="rect">
+            <a:avLst/>
+          </a:prstGeom>
+        </p:spPr>
+      </p:pic>
+      <p:sp>
+        <p:nvSpPr>
+          <p:cNvPr id="73" name="TextBox 72">
+            <a:extLst>
+              <a:ext uri="{FF2B5EF4-FFF2-40B4-BE49-F238E27FC236}">
+                <a16:creationId xmlns:a16="http://schemas.microsoft.com/office/drawing/2014/main" id="{CA9A0B21-CF46-41CF-BB01-4F26103A123A}"/>
+              </a:ext>
+            </a:extLst>
+          </p:cNvPr>
+          <p:cNvSpPr txBox="1"/>
+          <p:nvPr/>
+        </p:nvSpPr>
+        <p:spPr>
+          <a:xfrm>
+            <a:off x="5958332" y="2255745"/>
+            <a:ext cx="686406" cy="369332"/>
+          </a:xfrm>
+          <a:prstGeom prst="rect">
+            <a:avLst/>
+          </a:prstGeom>
+          <a:noFill/>
+        </p:spPr>
+        <p:txBody>
+          <a:bodyPr wrap="none" rtlCol="0">
+            <a:spAutoFit/>
+          </a:bodyPr>
+          <a:lstStyle/>
+          <a:p>
+            <a:r>
+              <a:rPr lang="en-GB" dirty="0">
+                <a:solidFill>
+                  <a:schemeClr val="accent6">
+                    <a:lumMod val="75000"/>
+                  </a:schemeClr>
+                </a:solidFill>
+              </a:rPr>
+              <a:t>W</a:t>
+            </a:r>
+            <a:r>
+              <a:rPr lang="en-US" altLang="zh-CN" dirty="0" err="1">
+                <a:solidFill>
+                  <a:schemeClr val="accent6">
+                    <a:lumMod val="75000"/>
+                  </a:schemeClr>
+                </a:solidFill>
+              </a:rPr>
+              <a:t>ind</a:t>
+            </a:r>
+            <a:endParaRPr lang="en-GB" dirty="0">
+              <a:solidFill>
+                <a:schemeClr val="accent6">
+                  <a:lumMod val="75000"/>
+                </a:schemeClr>
+              </a:solidFill>
+            </a:endParaRPr>
+          </a:p>
+        </p:txBody>
+      </p:sp>
+      <p:sp>
+        <p:nvSpPr>
+          <p:cNvPr id="74" name="TextBox 73">
+            <a:extLst>
+              <a:ext uri="{FF2B5EF4-FFF2-40B4-BE49-F238E27FC236}">
+                <a16:creationId xmlns:a16="http://schemas.microsoft.com/office/drawing/2014/main" id="{779397D5-8A60-4B1B-B670-867BAB626E31}"/>
+              </a:ext>
+            </a:extLst>
+          </p:cNvPr>
+          <p:cNvSpPr txBox="1"/>
+          <p:nvPr/>
+        </p:nvSpPr>
+        <p:spPr>
+          <a:xfrm rot="4273891">
+            <a:off x="2817647" y="3100385"/>
+            <a:ext cx="1897256" cy="338554"/>
+          </a:xfrm>
+          <a:prstGeom prst="rect">
+            <a:avLst/>
+          </a:prstGeom>
+          <a:noFill/>
+        </p:spPr>
+        <p:txBody>
+          <a:bodyPr wrap="square" rtlCol="0">
+            <a:spAutoFit/>
+          </a:bodyPr>
+          <a:lstStyle/>
+          <a:p>
+            <a:pPr algn="ctr"/>
+            <a:r>
+              <a:rPr lang="en-GB" sz="1600" dirty="0">
+                <a:solidFill>
+                  <a:schemeClr val="accent1">
+                    <a:lumMod val="75000"/>
+                  </a:schemeClr>
+                </a:solidFill>
+              </a:rPr>
+              <a:t>Sound travel path</a:t>
+            </a:r>
+          </a:p>
+        </p:txBody>
+      </p:sp>
+      <p:sp>
+        <p:nvSpPr>
+          <p:cNvPr id="75" name="TextBox 74">
+            <a:extLst>
+              <a:ext uri="{FF2B5EF4-FFF2-40B4-BE49-F238E27FC236}">
+                <a16:creationId xmlns:a16="http://schemas.microsoft.com/office/drawing/2014/main" id="{4C18AF64-07ED-4753-907D-04A57427764D}"/>
+              </a:ext>
+            </a:extLst>
+          </p:cNvPr>
+          <p:cNvSpPr txBox="1"/>
+          <p:nvPr/>
+        </p:nvSpPr>
+        <p:spPr>
+          <a:xfrm>
+            <a:off x="4948653" y="915234"/>
+            <a:ext cx="1177310" cy="338554"/>
+          </a:xfrm>
+          <a:prstGeom prst="rect">
+            <a:avLst/>
+          </a:prstGeom>
+          <a:noFill/>
+        </p:spPr>
+        <p:txBody>
+          <a:bodyPr wrap="none" rtlCol="0">
+            <a:spAutoFit/>
+          </a:bodyPr>
+          <a:lstStyle/>
+          <a:p>
+            <a:r>
+              <a:rPr lang="en-GB" sz="1600" dirty="0">
+                <a:solidFill>
+                  <a:schemeClr val="accent1">
+                    <a:lumMod val="75000"/>
+                  </a:schemeClr>
+                </a:solidFill>
+              </a:rPr>
+              <a:t>T</a:t>
+            </a:r>
+            <a:r>
+              <a:rPr lang="en-US" altLang="zh-CN" sz="1600" dirty="0" err="1">
+                <a:solidFill>
+                  <a:schemeClr val="accent1">
+                    <a:lumMod val="75000"/>
+                  </a:schemeClr>
+                </a:solidFill>
+              </a:rPr>
+              <a:t>ransducers</a:t>
+            </a:r>
+            <a:endParaRPr lang="en-GB" sz="1600" dirty="0">
+              <a:solidFill>
+                <a:schemeClr val="accent1">
+                  <a:lumMod val="75000"/>
+                </a:schemeClr>
+              </a:solidFill>
+            </a:endParaRPr>
+          </a:p>
+        </p:txBody>
+      </p:sp>
+      <p:cxnSp>
+        <p:nvCxnSpPr>
+          <p:cNvPr id="94" name="Straight Arrow Connector 93">
+            <a:extLst>
+              <a:ext uri="{FF2B5EF4-FFF2-40B4-BE49-F238E27FC236}">
+                <a16:creationId xmlns:a16="http://schemas.microsoft.com/office/drawing/2014/main" id="{3A458F5C-8AB5-4D67-AE60-59140411A12C}"/>
+              </a:ext>
+            </a:extLst>
+          </p:cNvPr>
+          <p:cNvCxnSpPr>
+            <a:cxnSpLocks/>
+          </p:cNvCxnSpPr>
+          <p:nvPr/>
+        </p:nvCxnSpPr>
+        <p:spPr>
+          <a:xfrm flipH="1" flipV="1">
+            <a:off x="6683435" y="1047228"/>
+            <a:ext cx="1539793" cy="478863"/>
+          </a:xfrm>
+          <a:prstGeom prst="straightConnector1">
+            <a:avLst/>
+          </a:prstGeom>
+          <a:ln w="19050" cap="rnd">
+            <a:solidFill>
+              <a:schemeClr val="tx1"/>
+            </a:solidFill>
+            <a:prstDash val="dash"/>
+            <a:tailEnd type="none"/>
+          </a:ln>
+        </p:spPr>
+        <p:style>
+          <a:lnRef idx="1">
+            <a:schemeClr val="accent1"/>
+          </a:lnRef>
+          <a:fillRef idx="0">
+            <a:schemeClr val="accent1"/>
+          </a:fillRef>
+          <a:effectRef idx="0">
+            <a:schemeClr val="accent1"/>
+          </a:effectRef>
+          <a:fontRef idx="minor">
+            <a:schemeClr val="tx1"/>
+          </a:fontRef>
+        </p:style>
+      </p:cxnSp>
+      <p:cxnSp>
+        <p:nvCxnSpPr>
+          <p:cNvPr id="98" name="Straight Arrow Connector 97">
+            <a:extLst>
+              <a:ext uri="{FF2B5EF4-FFF2-40B4-BE49-F238E27FC236}">
+                <a16:creationId xmlns:a16="http://schemas.microsoft.com/office/drawing/2014/main" id="{480A66FD-83C2-4807-B6EC-218B03785392}"/>
+              </a:ext>
+            </a:extLst>
+          </p:cNvPr>
+          <p:cNvCxnSpPr>
+            <a:cxnSpLocks/>
+          </p:cNvCxnSpPr>
+          <p:nvPr/>
+        </p:nvCxnSpPr>
+        <p:spPr>
+          <a:xfrm flipH="1">
+            <a:off x="6813677" y="4442791"/>
+            <a:ext cx="1523302" cy="1195565"/>
+          </a:xfrm>
+          <a:prstGeom prst="straightConnector1">
+            <a:avLst/>
+          </a:prstGeom>
+          <a:ln w="19050" cap="rnd">
+            <a:solidFill>
+              <a:schemeClr val="tx1"/>
+            </a:solidFill>
+            <a:prstDash val="dash"/>
+            <a:tailEnd type="none"/>
+          </a:ln>
+        </p:spPr>
+        <p:style>
+          <a:lnRef idx="1">
+            <a:schemeClr val="accent1"/>
+          </a:lnRef>
+          <a:fillRef idx="0">
+            <a:schemeClr val="accent1"/>
+          </a:fillRef>
+          <a:effectRef idx="0">
+            <a:schemeClr val="accent1"/>
+          </a:effectRef>
+          <a:fontRef idx="minor">
+            <a:schemeClr val="tx1"/>
+          </a:fontRef>
+        </p:style>
+      </p:cxnSp>
+      <mc:AlternateContent xmlns:mc="http://schemas.openxmlformats.org/markup-compatibility/2006">
+        <mc:Choice xmlns:a14="http://schemas.microsoft.com/office/drawing/2010/main" Requires="a14">
+          <p:sp>
+            <p:nvSpPr>
+              <p:cNvPr id="107" name="TextBox 106">
+                <a:extLst>
+                  <a:ext uri="{FF2B5EF4-FFF2-40B4-BE49-F238E27FC236}">
+                    <a16:creationId xmlns:a16="http://schemas.microsoft.com/office/drawing/2014/main" id="{280F75F9-660C-42CC-A713-CF546E3DCA7D}"/>
+                  </a:ext>
+                </a:extLst>
+              </p:cNvPr>
+              <p:cNvSpPr txBox="1"/>
+              <p:nvPr/>
+            </p:nvSpPr>
+            <p:spPr>
+              <a:xfrm>
+                <a:off x="3303605" y="1811188"/>
+                <a:ext cx="219354" cy="307777"/>
+              </a:xfrm>
+              <a:prstGeom prst="rect">
+                <a:avLst/>
+              </a:prstGeom>
+              <a:noFill/>
+            </p:spPr>
+            <p:txBody>
+              <a:bodyPr wrap="none" lIns="0" tIns="0" rIns="0" bIns="0" rtlCol="0">
+                <a:spAutoFit/>
+              </a:bodyPr>
+              <a:lstStyle/>
+              <a:p>
+                <a14:m>
+                  <m:oMathPara xmlns:m="http://schemas.openxmlformats.org/officeDocument/2006/math">
+                    <m:oMathParaPr>
+                      <m:jc m:val="centerGroup"/>
+                    </m:oMathParaPr>
+                    <m:oMath xmlns:m="http://schemas.openxmlformats.org/officeDocument/2006/math">
+                      <m:r>
+                        <a:rPr lang="en-GB" sz="2000" i="1" smtClean="0">
+                          <a:latin typeface="Cambria Math" panose="02040503050406030204" pitchFamily="18" charset="0"/>
+                        </a:rPr>
+                        <m:t>𝛼</m:t>
+                      </m:r>
+                    </m:oMath>
+                  </m:oMathPara>
+                </a14:m>
+                <a:endParaRPr lang="en-GB" dirty="0"/>
+              </a:p>
+            </p:txBody>
+          </p:sp>
+        </mc:Choice>
+        <mc:Fallback>
+          <p:sp>
+            <p:nvSpPr>
+              <p:cNvPr id="107" name="TextBox 106">
+                <a:extLst>
+                  <a:ext uri="{FF2B5EF4-FFF2-40B4-BE49-F238E27FC236}">
+                    <a16:creationId xmlns:a16="http://schemas.microsoft.com/office/drawing/2014/main" id="{280F75F9-660C-42CC-A713-CF546E3DCA7D}"/>
+                  </a:ext>
+                </a:extLst>
+              </p:cNvPr>
+              <p:cNvSpPr txBox="1">
+                <a:spLocks noRot="1" noChangeAspect="1" noMove="1" noResize="1" noEditPoints="1" noAdjustHandles="1" noChangeArrowheads="1" noChangeShapeType="1" noTextEdit="1"/>
+              </p:cNvSpPr>
+              <p:nvPr/>
+            </p:nvSpPr>
+            <p:spPr>
+              <a:xfrm>
+                <a:off x="3303605" y="1811188"/>
+                <a:ext cx="219354" cy="307777"/>
+              </a:xfrm>
+              <a:prstGeom prst="rect">
+                <a:avLst/>
+              </a:prstGeom>
+              <a:blipFill>
+                <a:blip r:embed="rId3"/>
+                <a:stretch>
+                  <a:fillRect l="-16667" r="-11111"/>
+                </a:stretch>
+              </a:blipFill>
+            </p:spPr>
+            <p:txBody>
+              <a:bodyPr/>
+              <a:lstStyle/>
+              <a:p>
+                <a:r>
+                  <a:rPr lang="en-GB">
+                    <a:noFill/>
+                  </a:rPr>
+                  <a:t> </a:t>
+                </a:r>
+              </a:p>
+            </p:txBody>
+          </p:sp>
+        </mc:Fallback>
+      </mc:AlternateContent>
+      <p:sp>
+        <p:nvSpPr>
+          <p:cNvPr id="108" name="TextBox 107">
+            <a:extLst>
+              <a:ext uri="{FF2B5EF4-FFF2-40B4-BE49-F238E27FC236}">
+                <a16:creationId xmlns:a16="http://schemas.microsoft.com/office/drawing/2014/main" id="{1D6176EF-CD3A-4692-B855-4CC1EF2C21EC}"/>
+              </a:ext>
+            </a:extLst>
+          </p:cNvPr>
+          <p:cNvSpPr txBox="1"/>
+          <p:nvPr/>
+        </p:nvSpPr>
+        <p:spPr>
+          <a:xfrm>
+            <a:off x="3430412" y="891116"/>
+            <a:ext cx="1303851" cy="338554"/>
+          </a:xfrm>
+          <a:prstGeom prst="rect">
+            <a:avLst/>
+          </a:prstGeom>
+          <a:noFill/>
+        </p:spPr>
+        <p:txBody>
+          <a:bodyPr wrap="square" rtlCol="0">
+            <a:spAutoFit/>
+          </a:bodyPr>
+          <a:lstStyle/>
+          <a:p>
+            <a:pPr algn="ctr"/>
+            <a:r>
+              <a:rPr lang="en-GB" sz="1600" dirty="0"/>
+              <a:t>Silicone Glue</a:t>
+            </a:r>
+            <a:r>
+              <a:rPr lang="en-GB" sz="1600" dirty="0">
+                <a:solidFill>
+                  <a:schemeClr val="accent1">
+                    <a:lumMod val="75000"/>
+                  </a:schemeClr>
+                </a:solidFill>
+              </a:rPr>
+              <a:t> </a:t>
+            </a:r>
+          </a:p>
+        </p:txBody>
+      </p:sp>
+      <p:cxnSp>
+        <p:nvCxnSpPr>
+          <p:cNvPr id="110" name="Straight Arrow Connector 109">
+            <a:extLst>
+              <a:ext uri="{FF2B5EF4-FFF2-40B4-BE49-F238E27FC236}">
+                <a16:creationId xmlns:a16="http://schemas.microsoft.com/office/drawing/2014/main" id="{CDAB72E2-2EE4-42DE-9B41-2B46132E496E}"/>
+              </a:ext>
+            </a:extLst>
+          </p:cNvPr>
+          <p:cNvCxnSpPr>
+            <a:cxnSpLocks/>
+          </p:cNvCxnSpPr>
+          <p:nvPr/>
+        </p:nvCxnSpPr>
+        <p:spPr>
+          <a:xfrm flipH="1">
+            <a:off x="3420774" y="1164109"/>
+            <a:ext cx="195808" cy="259879"/>
+          </a:xfrm>
+          <a:prstGeom prst="straightConnector1">
+            <a:avLst/>
+          </a:prstGeom>
+          <a:ln w="12700">
+            <a:solidFill>
+              <a:schemeClr val="tx1"/>
+            </a:solidFill>
+            <a:headEnd type="none"/>
+            <a:tailEnd type="triangle"/>
+          </a:ln>
+        </p:spPr>
+        <p:style>
+          <a:lnRef idx="1">
+            <a:schemeClr val="accent1"/>
+          </a:lnRef>
+          <a:fillRef idx="0">
+            <a:schemeClr val="accent1"/>
+          </a:fillRef>
+          <a:effectRef idx="0">
+            <a:schemeClr val="accent1"/>
+          </a:effectRef>
+          <a:fontRef idx="minor">
+            <a:schemeClr val="tx1"/>
+          </a:fontRef>
+        </p:style>
+      </p:cxnSp>
+      <p:sp>
+        <p:nvSpPr>
+          <p:cNvPr id="114" name="TextBox 113">
+            <a:extLst>
+              <a:ext uri="{FF2B5EF4-FFF2-40B4-BE49-F238E27FC236}">
+                <a16:creationId xmlns:a16="http://schemas.microsoft.com/office/drawing/2014/main" id="{8916EAD5-ABF4-451C-8850-69B9E382CEC1}"/>
+              </a:ext>
+            </a:extLst>
+          </p:cNvPr>
+          <p:cNvSpPr txBox="1"/>
+          <p:nvPr/>
+        </p:nvSpPr>
+        <p:spPr>
+          <a:xfrm>
+            <a:off x="3001842" y="5162632"/>
+            <a:ext cx="1303851" cy="338554"/>
+          </a:xfrm>
+          <a:prstGeom prst="rect">
+            <a:avLst/>
+          </a:prstGeom>
+          <a:noFill/>
+        </p:spPr>
+        <p:txBody>
+          <a:bodyPr wrap="square" rtlCol="0">
+            <a:spAutoFit/>
+          </a:bodyPr>
+          <a:lstStyle/>
+          <a:p>
+            <a:pPr algn="ctr"/>
+            <a:r>
+              <a:rPr lang="en-GB" sz="1600" dirty="0"/>
+              <a:t>Reflector</a:t>
+            </a:r>
+            <a:endParaRPr lang="en-GB" sz="1600" dirty="0">
+              <a:solidFill>
+                <a:schemeClr val="accent1">
+                  <a:lumMod val="75000"/>
+                </a:schemeClr>
+              </a:solidFill>
+            </a:endParaRPr>
+          </a:p>
+        </p:txBody>
+      </p:sp>
+      <p:grpSp>
+        <p:nvGrpSpPr>
+          <p:cNvPr id="133" name="Group 132">
+            <a:extLst>
+              <a:ext uri="{FF2B5EF4-FFF2-40B4-BE49-F238E27FC236}">
+                <a16:creationId xmlns:a16="http://schemas.microsoft.com/office/drawing/2014/main" id="{7DE99337-4E72-4618-A046-55545CD98662}"/>
+              </a:ext>
+            </a:extLst>
+          </p:cNvPr>
+          <p:cNvGrpSpPr/>
+          <p:nvPr/>
+        </p:nvGrpSpPr>
+        <p:grpSpPr>
+          <a:xfrm>
+            <a:off x="5304971" y="3047467"/>
+            <a:ext cx="1897256" cy="2033176"/>
+            <a:chOff x="4990028" y="3283803"/>
+            <a:chExt cx="1897256" cy="2033176"/>
+          </a:xfrm>
+        </p:grpSpPr>
+        <p:sp>
+          <p:nvSpPr>
+            <p:cNvPr id="77" name="TextBox 76">
+              <a:extLst>
+                <a:ext uri="{FF2B5EF4-FFF2-40B4-BE49-F238E27FC236}">
+                  <a16:creationId xmlns:a16="http://schemas.microsoft.com/office/drawing/2014/main" id="{30901D10-9256-4964-9393-5380C02B78E5}"/>
+                </a:ext>
+              </a:extLst>
+            </p:cNvPr>
+            <p:cNvSpPr txBox="1"/>
+            <p:nvPr/>
+          </p:nvSpPr>
+          <p:spPr>
+            <a:xfrm>
+              <a:off x="4990028" y="5009202"/>
+              <a:ext cx="1897256" cy="307777"/>
+            </a:xfrm>
+            <a:prstGeom prst="rect">
+              <a:avLst/>
+            </a:prstGeom>
+            <a:noFill/>
+          </p:spPr>
+          <p:txBody>
+            <a:bodyPr wrap="square" rtlCol="0">
+              <a:spAutoFit/>
+            </a:bodyPr>
+            <a:lstStyle/>
+            <a:p>
+              <a:pPr algn="ctr"/>
+              <a:r>
+                <a:rPr lang="en-GB" sz="1400" dirty="0"/>
+                <a:t>Composition of motion</a:t>
+              </a:r>
+            </a:p>
+          </p:txBody>
+        </p:sp>
+        <p:grpSp>
+          <p:nvGrpSpPr>
+            <p:cNvPr id="117" name="Group 116">
+              <a:extLst>
+                <a:ext uri="{FF2B5EF4-FFF2-40B4-BE49-F238E27FC236}">
+                  <a16:creationId xmlns:a16="http://schemas.microsoft.com/office/drawing/2014/main" id="{41056653-5A74-49B6-AA01-994B61C54A79}"/>
+                </a:ext>
+              </a:extLst>
+            </p:cNvPr>
+            <p:cNvGrpSpPr/>
+            <p:nvPr/>
+          </p:nvGrpSpPr>
+          <p:grpSpPr>
+            <a:xfrm>
+              <a:off x="5305609" y="3319735"/>
+              <a:ext cx="1525637" cy="1804329"/>
+              <a:chOff x="5639347" y="3356271"/>
+              <a:chExt cx="1168486" cy="1490704"/>
+            </a:xfrm>
+          </p:grpSpPr>
+          <p:grpSp>
+            <p:nvGrpSpPr>
+              <p:cNvPr id="80" name="Group 79">
+                <a:extLst>
+                  <a:ext uri="{FF2B5EF4-FFF2-40B4-BE49-F238E27FC236}">
+                    <a16:creationId xmlns:a16="http://schemas.microsoft.com/office/drawing/2014/main" id="{72E95656-F992-41FE-8F71-C53553619930}"/>
+                  </a:ext>
+                </a:extLst>
+              </p:cNvPr>
+              <p:cNvGrpSpPr/>
+              <p:nvPr/>
+            </p:nvGrpSpPr>
+            <p:grpSpPr>
+              <a:xfrm>
+                <a:off x="5824462" y="3557138"/>
+                <a:ext cx="808029" cy="1071563"/>
+                <a:chOff x="5466706" y="3543300"/>
+                <a:chExt cx="808029" cy="1071563"/>
+              </a:xfrm>
+            </p:grpSpPr>
+            <p:cxnSp>
+              <p:nvCxnSpPr>
+                <p:cNvPr id="32" name="Straight Arrow Connector 31">
+                  <a:extLst>
+                    <a:ext uri="{FF2B5EF4-FFF2-40B4-BE49-F238E27FC236}">
+                      <a16:creationId xmlns:a16="http://schemas.microsoft.com/office/drawing/2014/main" id="{976C7AD0-6A66-4982-BB12-09E48D105D4F}"/>
+                    </a:ext>
+                  </a:extLst>
+                </p:cNvPr>
+                <p:cNvCxnSpPr>
+                  <a:cxnSpLocks/>
+                </p:cNvCxnSpPr>
+                <p:nvPr/>
+              </p:nvCxnSpPr>
+              <p:spPr>
+                <a:xfrm flipH="1" flipV="1">
+                  <a:off x="5823470" y="3544600"/>
+                  <a:ext cx="451265" cy="1"/>
+                </a:xfrm>
+                <a:prstGeom prst="straightConnector1">
+                  <a:avLst/>
+                </a:prstGeom>
+                <a:ln w="19050" cap="rnd">
+                  <a:solidFill>
+                    <a:schemeClr val="accent6">
+                      <a:lumMod val="60000"/>
+                      <a:lumOff val="40000"/>
+                    </a:schemeClr>
+                  </a:solidFill>
+                  <a:tailEnd type="triangle"/>
+                </a:ln>
+              </p:spPr>
+              <p:style>
+                <a:lnRef idx="1">
+                  <a:schemeClr val="accent1"/>
+                </a:lnRef>
+                <a:fillRef idx="0">
+                  <a:schemeClr val="accent1"/>
+                </a:fillRef>
+                <a:effectRef idx="0">
+                  <a:schemeClr val="accent1"/>
+                </a:effectRef>
+                <a:fontRef idx="minor">
+                  <a:schemeClr val="tx1"/>
+                </a:fontRef>
+              </p:style>
+            </p:cxnSp>
+            <p:cxnSp>
+              <p:nvCxnSpPr>
+                <p:cNvPr id="40" name="Straight Arrow Connector 39">
+                  <a:extLst>
+                    <a:ext uri="{FF2B5EF4-FFF2-40B4-BE49-F238E27FC236}">
+                      <a16:creationId xmlns:a16="http://schemas.microsoft.com/office/drawing/2014/main" id="{481E6D78-B3FA-41C8-9B81-693954DDB684}"/>
+                    </a:ext>
+                  </a:extLst>
+                </p:cNvPr>
+                <p:cNvCxnSpPr>
+                  <a:cxnSpLocks/>
+                </p:cNvCxnSpPr>
+                <p:nvPr/>
+              </p:nvCxnSpPr>
+              <p:spPr>
+                <a:xfrm flipV="1">
+                  <a:off x="5466706" y="3543300"/>
+                  <a:ext cx="356764" cy="1071563"/>
+                </a:xfrm>
+                <a:prstGeom prst="straightConnector1">
+                  <a:avLst/>
+                </a:prstGeom>
+                <a:ln w="19050" cap="rnd">
+                  <a:solidFill>
+                    <a:schemeClr val="accent1"/>
+                  </a:solidFill>
+                  <a:tailEnd type="triangle"/>
+                </a:ln>
+              </p:spPr>
+              <p:style>
+                <a:lnRef idx="1">
+                  <a:schemeClr val="accent1"/>
+                </a:lnRef>
+                <a:fillRef idx="0">
+                  <a:schemeClr val="accent1"/>
+                </a:fillRef>
+                <a:effectRef idx="0">
+                  <a:schemeClr val="accent1"/>
+                </a:effectRef>
+                <a:fontRef idx="minor">
+                  <a:schemeClr val="tx1"/>
+                </a:fontRef>
+              </p:style>
+            </p:cxnSp>
+            <p:cxnSp>
+              <p:nvCxnSpPr>
+                <p:cNvPr id="36" name="Straight Arrow Connector 35">
+                  <a:extLst>
+                    <a:ext uri="{FF2B5EF4-FFF2-40B4-BE49-F238E27FC236}">
+                      <a16:creationId xmlns:a16="http://schemas.microsoft.com/office/drawing/2014/main" id="{D79042F7-920C-48D9-A625-360812E4C126}"/>
+                    </a:ext>
+                  </a:extLst>
+                </p:cNvPr>
+                <p:cNvCxnSpPr>
+                  <a:cxnSpLocks/>
+                </p:cNvCxnSpPr>
+                <p:nvPr/>
+              </p:nvCxnSpPr>
+              <p:spPr>
+                <a:xfrm flipV="1">
+                  <a:off x="5466706" y="3543300"/>
+                  <a:ext cx="808029" cy="1069861"/>
+                </a:xfrm>
+                <a:prstGeom prst="straightConnector1">
+                  <a:avLst/>
+                </a:prstGeom>
+                <a:ln w="19050" cap="rnd">
+                  <a:solidFill>
+                    <a:srgbClr val="FF0000"/>
+                  </a:solidFill>
+                  <a:tailEnd type="triangle"/>
+                </a:ln>
+              </p:spPr>
+              <p:style>
+                <a:lnRef idx="1">
+                  <a:schemeClr val="accent1"/>
+                </a:lnRef>
+                <a:fillRef idx="0">
+                  <a:schemeClr val="accent1"/>
+                </a:fillRef>
+                <a:effectRef idx="0">
+                  <a:schemeClr val="accent1"/>
+                </a:effectRef>
+                <a:fontRef idx="minor">
+                  <a:schemeClr val="tx1"/>
+                </a:fontRef>
+              </p:style>
+            </p:cxnSp>
+          </p:grpSp>
+          <mc:AlternateContent xmlns:mc="http://schemas.openxmlformats.org/markup-compatibility/2006">
+            <mc:Choice xmlns:a14="http://schemas.microsoft.com/office/drawing/2010/main" Requires="a14">
+              <p:sp>
+                <p:nvSpPr>
+                  <p:cNvPr id="82" name="TextBox 81">
+                    <a:extLst>
+                      <a:ext uri="{FF2B5EF4-FFF2-40B4-BE49-F238E27FC236}">
+                        <a16:creationId xmlns:a16="http://schemas.microsoft.com/office/drawing/2014/main" id="{8B88EA39-CDBC-4200-85CC-3D908292435E}"/>
+                      </a:ext>
+                    </a:extLst>
+                  </p:cNvPr>
+                  <p:cNvSpPr txBox="1"/>
+                  <p:nvPr/>
+                </p:nvSpPr>
+                <p:spPr>
+                  <a:xfrm>
+                    <a:off x="5639347" y="4539198"/>
+                    <a:ext cx="206659" cy="307777"/>
+                  </a:xfrm>
+                  <a:prstGeom prst="rect">
+                    <a:avLst/>
+                  </a:prstGeom>
+                  <a:noFill/>
+                </p:spPr>
+                <p:txBody>
+                  <a:bodyPr wrap="none" lIns="0" tIns="0" rIns="0" bIns="0" rtlCol="0">
+                    <a:spAutoFit/>
+                  </a:bodyPr>
+                  <a:lstStyle/>
+                  <a:p>
+                    <a14:m>
+                      <m:oMathPara xmlns:m="http://schemas.openxmlformats.org/officeDocument/2006/math">
+                        <m:oMathParaPr>
+                          <m:jc m:val="centerGroup"/>
+                        </m:oMathParaPr>
+                        <m:oMath xmlns:m="http://schemas.openxmlformats.org/officeDocument/2006/math">
+                          <m:r>
+                            <a:rPr lang="en-GB" sz="2000" i="1" smtClean="0">
+                              <a:latin typeface="Cambria Math" panose="02040503050406030204" pitchFamily="18" charset="0"/>
+                            </a:rPr>
+                            <m:t>𝑎</m:t>
+                          </m:r>
+                        </m:oMath>
+                      </m:oMathPara>
+                    </a14:m>
+                    <a:endParaRPr lang="en-GB" dirty="0"/>
+                  </a:p>
+                </p:txBody>
+              </p:sp>
+            </mc:Choice>
+            <mc:Fallback>
+              <p:sp>
+                <p:nvSpPr>
+                  <p:cNvPr id="82" name="TextBox 81">
+                    <a:extLst>
+                      <a:ext uri="{FF2B5EF4-FFF2-40B4-BE49-F238E27FC236}">
+                        <a16:creationId xmlns:a16="http://schemas.microsoft.com/office/drawing/2014/main" id="{8B88EA39-CDBC-4200-85CC-3D908292435E}"/>
+                      </a:ext>
+                    </a:extLst>
+                  </p:cNvPr>
+                  <p:cNvSpPr txBox="1">
+                    <a:spLocks noRot="1" noChangeAspect="1" noMove="1" noResize="1" noEditPoints="1" noAdjustHandles="1" noChangeArrowheads="1" noChangeShapeType="1" noTextEdit="1"/>
+                  </p:cNvSpPr>
+                  <p:nvPr/>
+                </p:nvSpPr>
+                <p:spPr>
+                  <a:xfrm>
+                    <a:off x="5639347" y="4539198"/>
+                    <a:ext cx="206659" cy="307777"/>
+                  </a:xfrm>
+                  <a:prstGeom prst="rect">
+                    <a:avLst/>
+                  </a:prstGeom>
+                  <a:blipFill>
+                    <a:blip r:embed="rId4"/>
+                    <a:stretch>
+                      <a:fillRect/>
+                    </a:stretch>
+                  </a:blipFill>
+                </p:spPr>
+                <p:txBody>
+                  <a:bodyPr/>
+                  <a:lstStyle/>
+                  <a:p>
+                    <a:r>
+                      <a:rPr lang="en-GB">
+                        <a:noFill/>
+                      </a:rPr>
+                      <a:t> </a:t>
+                    </a:r>
+                  </a:p>
+                </p:txBody>
+              </p:sp>
+            </mc:Fallback>
+          </mc:AlternateContent>
+          <mc:AlternateContent xmlns:mc="http://schemas.openxmlformats.org/markup-compatibility/2006">
+            <mc:Choice xmlns:a14="http://schemas.microsoft.com/office/drawing/2010/main" Requires="a14">
+              <p:sp>
+                <p:nvSpPr>
+                  <p:cNvPr id="85" name="TextBox 84">
+                    <a:extLst>
+                      <a:ext uri="{FF2B5EF4-FFF2-40B4-BE49-F238E27FC236}">
+                        <a16:creationId xmlns:a16="http://schemas.microsoft.com/office/drawing/2014/main" id="{96A7425C-6E2E-4D6D-9941-DAA4302A7EC3}"/>
+                      </a:ext>
+                    </a:extLst>
+                  </p:cNvPr>
+                  <p:cNvSpPr txBox="1"/>
+                  <p:nvPr/>
+                </p:nvSpPr>
+                <p:spPr>
+                  <a:xfrm>
+                    <a:off x="6606624" y="3356271"/>
+                    <a:ext cx="201209" cy="307777"/>
+                  </a:xfrm>
+                  <a:prstGeom prst="rect">
+                    <a:avLst/>
+                  </a:prstGeom>
+                  <a:noFill/>
+                </p:spPr>
+                <p:txBody>
+                  <a:bodyPr wrap="none" lIns="0" tIns="0" rIns="0" bIns="0" rtlCol="0">
+                    <a:spAutoFit/>
+                  </a:bodyPr>
+                  <a:lstStyle/>
+                  <a:p>
+                    <a14:m>
+                      <m:oMathPara xmlns:m="http://schemas.openxmlformats.org/officeDocument/2006/math">
+                        <m:oMathParaPr>
+                          <m:jc m:val="centerGroup"/>
+                        </m:oMathParaPr>
+                        <m:oMath xmlns:m="http://schemas.openxmlformats.org/officeDocument/2006/math">
+                          <m:r>
+                            <a:rPr lang="en-GB" sz="2000" i="1" smtClean="0">
+                              <a:latin typeface="Cambria Math" panose="02040503050406030204" pitchFamily="18" charset="0"/>
+                            </a:rPr>
+                            <m:t>𝑏</m:t>
+                          </m:r>
+                        </m:oMath>
+                      </m:oMathPara>
+                    </a14:m>
+                    <a:endParaRPr lang="en-GB" dirty="0"/>
+                  </a:p>
+                </p:txBody>
+              </p:sp>
+            </mc:Choice>
+            <mc:Fallback>
+              <p:sp>
+                <p:nvSpPr>
+                  <p:cNvPr id="85" name="TextBox 84">
+                    <a:extLst>
+                      <a:ext uri="{FF2B5EF4-FFF2-40B4-BE49-F238E27FC236}">
+                        <a16:creationId xmlns:a16="http://schemas.microsoft.com/office/drawing/2014/main" id="{96A7425C-6E2E-4D6D-9941-DAA4302A7EC3}"/>
+                      </a:ext>
+                    </a:extLst>
+                  </p:cNvPr>
+                  <p:cNvSpPr txBox="1">
+                    <a:spLocks noRot="1" noChangeAspect="1" noMove="1" noResize="1" noEditPoints="1" noAdjustHandles="1" noChangeArrowheads="1" noChangeShapeType="1" noTextEdit="1"/>
+                  </p:cNvSpPr>
+                  <p:nvPr/>
+                </p:nvSpPr>
+                <p:spPr>
+                  <a:xfrm>
+                    <a:off x="6606624" y="3356271"/>
+                    <a:ext cx="201209" cy="307777"/>
+                  </a:xfrm>
+                  <a:prstGeom prst="rect">
+                    <a:avLst/>
+                  </a:prstGeom>
+                  <a:blipFill>
+                    <a:blip r:embed="rId5"/>
+                    <a:stretch>
+                      <a:fillRect l="-11628" r="-11628"/>
+                    </a:stretch>
+                  </a:blipFill>
+                </p:spPr>
+                <p:txBody>
+                  <a:bodyPr/>
+                  <a:lstStyle/>
+                  <a:p>
+                    <a:r>
+                      <a:rPr lang="en-GB">
+                        <a:noFill/>
+                      </a:rPr>
+                      <a:t> </a:t>
+                    </a:r>
+                  </a:p>
+                </p:txBody>
+              </p:sp>
+            </mc:Fallback>
+          </mc:AlternateContent>
+          <p:cxnSp>
+            <p:nvCxnSpPr>
+              <p:cNvPr id="86" name="Straight Arrow Connector 85">
+                <a:extLst>
+                  <a:ext uri="{FF2B5EF4-FFF2-40B4-BE49-F238E27FC236}">
+                    <a16:creationId xmlns:a16="http://schemas.microsoft.com/office/drawing/2014/main" id="{FAE5F581-7F79-4231-A27A-0990479A9435}"/>
+                  </a:ext>
+                </a:extLst>
+              </p:cNvPr>
+              <p:cNvCxnSpPr>
+                <a:cxnSpLocks/>
+              </p:cNvCxnSpPr>
+              <p:nvPr/>
+            </p:nvCxnSpPr>
+            <p:spPr>
+              <a:xfrm flipH="1" flipV="1">
+                <a:off x="6172192" y="3561571"/>
+                <a:ext cx="295729" cy="191820"/>
+              </a:xfrm>
+              <a:prstGeom prst="straightConnector1">
+                <a:avLst/>
+              </a:prstGeom>
+              <a:ln w="19050" cap="rnd">
+                <a:solidFill>
+                  <a:schemeClr val="tx1"/>
+                </a:solidFill>
+                <a:prstDash val="sysDash"/>
+                <a:tailEnd type="none"/>
+              </a:ln>
+            </p:spPr>
+            <p:style>
+              <a:lnRef idx="1">
+                <a:schemeClr val="accent1"/>
+              </a:lnRef>
+              <a:fillRef idx="0">
+                <a:schemeClr val="accent1"/>
+              </a:fillRef>
+              <a:effectRef idx="0">
+                <a:schemeClr val="accent1"/>
+              </a:effectRef>
+              <a:fontRef idx="minor">
+                <a:schemeClr val="tx1"/>
+              </a:fontRef>
+            </p:style>
+          </p:cxnSp>
+        </p:grpSp>
+        <mc:AlternateContent xmlns:mc="http://schemas.openxmlformats.org/markup-compatibility/2006">
+          <mc:Choice xmlns:a14="http://schemas.microsoft.com/office/drawing/2010/main" Requires="a14">
+            <p:sp>
+              <p:nvSpPr>
+                <p:cNvPr id="127" name="TextBox 126">
+                  <a:extLst>
+                    <a:ext uri="{FF2B5EF4-FFF2-40B4-BE49-F238E27FC236}">
+                      <a16:creationId xmlns:a16="http://schemas.microsoft.com/office/drawing/2014/main" id="{71E9FB5B-1A53-4CCA-A557-900103640444}"/>
+                    </a:ext>
+                  </a:extLst>
+                </p:cNvPr>
+                <p:cNvSpPr txBox="1"/>
+                <p:nvPr/>
+              </p:nvSpPr>
+              <p:spPr>
+                <a:xfrm>
+                  <a:off x="5922955" y="3283803"/>
+                  <a:ext cx="166006" cy="276999"/>
+                </a:xfrm>
+                <a:prstGeom prst="rect">
+                  <a:avLst/>
+                </a:prstGeom>
+                <a:noFill/>
+              </p:spPr>
+              <p:txBody>
+                <a:bodyPr wrap="none" lIns="0" tIns="0" rIns="0" bIns="0" rtlCol="0">
+                  <a:spAutoFit/>
+                </a:bodyPr>
+                <a:lstStyle/>
+                <a:p>
+                  <a14:m>
+                    <m:oMathPara xmlns:m="http://schemas.openxmlformats.org/officeDocument/2006/math">
+                      <m:oMathParaPr>
+                        <m:jc m:val="centerGroup"/>
+                      </m:oMathParaPr>
+                      <m:oMath xmlns:m="http://schemas.openxmlformats.org/officeDocument/2006/math">
+                        <m:r>
+                          <a:rPr lang="en-GB" b="0" i="1" smtClean="0">
+                            <a:latin typeface="Cambria Math" panose="02040503050406030204" pitchFamily="18" charset="0"/>
+                          </a:rPr>
+                          <m:t>𝑐</m:t>
+                        </m:r>
+                      </m:oMath>
+                    </m:oMathPara>
+                  </a14:m>
+                  <a:endParaRPr lang="en-GB" dirty="0"/>
+                </a:p>
+              </p:txBody>
+            </p:sp>
+          </mc:Choice>
+          <mc:Fallback>
+            <p:sp>
+              <p:nvSpPr>
+                <p:cNvPr id="127" name="TextBox 126">
+                  <a:extLst>
+                    <a:ext uri="{FF2B5EF4-FFF2-40B4-BE49-F238E27FC236}">
+                      <a16:creationId xmlns:a16="http://schemas.microsoft.com/office/drawing/2014/main" id="{71E9FB5B-1A53-4CCA-A557-900103640444}"/>
+                    </a:ext>
+                  </a:extLst>
+                </p:cNvPr>
+                <p:cNvSpPr txBox="1">
+                  <a:spLocks noRot="1" noChangeAspect="1" noMove="1" noResize="1" noEditPoints="1" noAdjustHandles="1" noChangeArrowheads="1" noChangeShapeType="1" noTextEdit="1"/>
+                </p:cNvSpPr>
+                <p:nvPr/>
+              </p:nvSpPr>
+              <p:spPr>
+                <a:xfrm>
+                  <a:off x="5922955" y="3283803"/>
+                  <a:ext cx="166006" cy="276999"/>
+                </a:xfrm>
+                <a:prstGeom prst="rect">
+                  <a:avLst/>
+                </a:prstGeom>
+                <a:blipFill>
+                  <a:blip r:embed="rId6"/>
+                  <a:stretch>
+                    <a:fillRect l="-21429" r="-10714"/>
+                  </a:stretch>
+                </a:blipFill>
+              </p:spPr>
+              <p:txBody>
+                <a:bodyPr/>
+                <a:lstStyle/>
+                <a:p>
+                  <a:r>
+                    <a:rPr lang="en-GB">
+                      <a:noFill/>
+                    </a:rPr>
+                    <a:t> </a:t>
+                  </a:r>
+                </a:p>
+              </p:txBody>
+            </p:sp>
+          </mc:Fallback>
+        </mc:AlternateContent>
+        <mc:AlternateContent xmlns:mc="http://schemas.openxmlformats.org/markup-compatibility/2006">
+          <mc:Choice xmlns:a14="http://schemas.microsoft.com/office/drawing/2010/main" Requires="a14">
+            <p:sp>
+              <p:nvSpPr>
+                <p:cNvPr id="128" name="TextBox 127">
+                  <a:extLst>
+                    <a:ext uri="{FF2B5EF4-FFF2-40B4-BE49-F238E27FC236}">
+                      <a16:creationId xmlns:a16="http://schemas.microsoft.com/office/drawing/2014/main" id="{23AAFC6F-18B3-4334-B0CB-1527BFF1DA87}"/>
+                    </a:ext>
+                  </a:extLst>
+                </p:cNvPr>
+                <p:cNvSpPr txBox="1"/>
+                <p:nvPr/>
+              </p:nvSpPr>
+              <p:spPr>
+                <a:xfrm>
+                  <a:off x="6440876" y="3721253"/>
+                  <a:ext cx="193258" cy="276999"/>
+                </a:xfrm>
+                <a:prstGeom prst="rect">
+                  <a:avLst/>
+                </a:prstGeom>
+                <a:noFill/>
+              </p:spPr>
+              <p:txBody>
+                <a:bodyPr wrap="none" lIns="0" tIns="0" rIns="0" bIns="0" rtlCol="0">
+                  <a:spAutoFit/>
+                </a:bodyPr>
+                <a:lstStyle/>
+                <a:p>
+                  <a14:m>
+                    <m:oMathPara xmlns:m="http://schemas.openxmlformats.org/officeDocument/2006/math">
+                      <m:oMathParaPr>
+                        <m:jc m:val="centerGroup"/>
+                      </m:oMathParaPr>
+                      <m:oMath xmlns:m="http://schemas.openxmlformats.org/officeDocument/2006/math">
+                        <m:r>
+                          <a:rPr lang="en-GB" b="0" i="1" smtClean="0">
+                            <a:latin typeface="Cambria Math" panose="02040503050406030204" pitchFamily="18" charset="0"/>
+                          </a:rPr>
+                          <m:t>𝑑</m:t>
+                        </m:r>
+                      </m:oMath>
+                    </m:oMathPara>
+                  </a14:m>
+                  <a:endParaRPr lang="en-GB" dirty="0"/>
+                </a:p>
+              </p:txBody>
+            </p:sp>
+          </mc:Choice>
+          <mc:Fallback>
+            <p:sp>
+              <p:nvSpPr>
+                <p:cNvPr id="128" name="TextBox 127">
+                  <a:extLst>
+                    <a:ext uri="{FF2B5EF4-FFF2-40B4-BE49-F238E27FC236}">
+                      <a16:creationId xmlns:a16="http://schemas.microsoft.com/office/drawing/2014/main" id="{23AAFC6F-18B3-4334-B0CB-1527BFF1DA87}"/>
+                    </a:ext>
+                  </a:extLst>
+                </p:cNvPr>
+                <p:cNvSpPr txBox="1">
+                  <a:spLocks noRot="1" noChangeAspect="1" noMove="1" noResize="1" noEditPoints="1" noAdjustHandles="1" noChangeArrowheads="1" noChangeShapeType="1" noTextEdit="1"/>
+                </p:cNvSpPr>
+                <p:nvPr/>
+              </p:nvSpPr>
+              <p:spPr>
+                <a:xfrm>
+                  <a:off x="6440876" y="3721253"/>
+                  <a:ext cx="193258" cy="276999"/>
+                </a:xfrm>
+                <a:prstGeom prst="rect">
+                  <a:avLst/>
+                </a:prstGeom>
+                <a:blipFill>
+                  <a:blip r:embed="rId7"/>
+                  <a:stretch>
+                    <a:fillRect l="-31250" r="-25000" b="-8889"/>
+                  </a:stretch>
+                </a:blipFill>
+              </p:spPr>
+              <p:txBody>
+                <a:bodyPr/>
+                <a:lstStyle/>
+                <a:p>
+                  <a:r>
+                    <a:rPr lang="en-GB">
+                      <a:noFill/>
+                    </a:rPr>
+                    <a:t> </a:t>
+                  </a:r>
+                </a:p>
+              </p:txBody>
+            </p:sp>
+          </mc:Fallback>
+        </mc:AlternateContent>
+        <p:sp>
+          <p:nvSpPr>
+            <p:cNvPr id="129" name="Arc 128">
+              <a:extLst>
+                <a:ext uri="{FF2B5EF4-FFF2-40B4-BE49-F238E27FC236}">
+                  <a16:creationId xmlns:a16="http://schemas.microsoft.com/office/drawing/2014/main" id="{A38A63CD-DF11-4B7A-8582-1315C1A6E699}"/>
+                </a:ext>
+              </a:extLst>
+            </p:cNvPr>
+            <p:cNvSpPr/>
+            <p:nvPr/>
+          </p:nvSpPr>
+          <p:spPr>
+            <a:xfrm rot="11167423">
+              <a:off x="5761986" y="3419295"/>
+              <a:ext cx="366201" cy="362610"/>
+            </a:xfrm>
+            <a:prstGeom prst="arc">
+              <a:avLst/>
+            </a:prstGeom>
+            <a:ln w="19050">
+              <a:solidFill>
+                <a:srgbClr val="FF0000"/>
+              </a:solidFill>
+            </a:ln>
+          </p:spPr>
+          <p:style>
+            <a:lnRef idx="1">
+              <a:schemeClr val="accent1"/>
+            </a:lnRef>
+            <a:fillRef idx="0">
+              <a:schemeClr val="accent1"/>
+            </a:fillRef>
+            <a:effectRef idx="0">
+              <a:schemeClr val="accent1"/>
+            </a:effectRef>
+            <a:fontRef idx="minor">
+              <a:schemeClr val="tx1"/>
+            </a:fontRef>
+          </p:style>
+          <p:txBody>
+            <a:bodyPr rtlCol="0" anchor="ctr"/>
+            <a:lstStyle/>
+            <a:p>
+              <a:pPr algn="ctr"/>
+              <a:endParaRPr lang="en-GB"/>
+            </a:p>
+          </p:txBody>
+        </p:sp>
+        <p:cxnSp>
+          <p:nvCxnSpPr>
+            <p:cNvPr id="130" name="Straight Arrow Connector 129">
+              <a:extLst>
+                <a:ext uri="{FF2B5EF4-FFF2-40B4-BE49-F238E27FC236}">
+                  <a16:creationId xmlns:a16="http://schemas.microsoft.com/office/drawing/2014/main" id="{AFC2C7BC-3A29-4794-9FC8-5EFF94683BCA}"/>
+                </a:ext>
+              </a:extLst>
+            </p:cNvPr>
+            <p:cNvCxnSpPr>
+              <a:cxnSpLocks/>
+            </p:cNvCxnSpPr>
+            <p:nvPr/>
+          </p:nvCxnSpPr>
+          <p:spPr>
+            <a:xfrm flipH="1">
+              <a:off x="5471211" y="3568870"/>
+              <a:ext cx="513591" cy="0"/>
+            </a:xfrm>
+            <a:prstGeom prst="straightConnector1">
+              <a:avLst/>
+            </a:prstGeom>
+            <a:ln w="19050" cap="rnd">
+              <a:solidFill>
+                <a:schemeClr val="bg2">
+                  <a:lumMod val="90000"/>
+                </a:schemeClr>
+              </a:solidFill>
+              <a:prstDash val="sysDash"/>
+              <a:tailEnd type="none"/>
+            </a:ln>
+          </p:spPr>
+          <p:style>
+            <a:lnRef idx="1">
+              <a:schemeClr val="accent1"/>
+            </a:lnRef>
+            <a:fillRef idx="0">
+              <a:schemeClr val="accent1"/>
+            </a:fillRef>
+            <a:effectRef idx="0">
+              <a:schemeClr val="accent1"/>
+            </a:effectRef>
+            <a:fontRef idx="minor">
+              <a:schemeClr val="tx1"/>
+            </a:fontRef>
+          </p:style>
+        </p:cxnSp>
+        <mc:AlternateContent xmlns:mc="http://schemas.openxmlformats.org/markup-compatibility/2006">
+          <mc:Choice xmlns:a14="http://schemas.microsoft.com/office/drawing/2010/main" Requires="a14">
+            <p:sp>
+              <p:nvSpPr>
+                <p:cNvPr id="132" name="TextBox 131">
+                  <a:extLst>
+                    <a:ext uri="{FF2B5EF4-FFF2-40B4-BE49-F238E27FC236}">
+                      <a16:creationId xmlns:a16="http://schemas.microsoft.com/office/drawing/2014/main" id="{8BD195AF-AD77-4F8B-A98A-A7F570A5D6EB}"/>
+                    </a:ext>
+                  </a:extLst>
+                </p:cNvPr>
+                <p:cNvSpPr txBox="1"/>
+                <p:nvPr/>
+              </p:nvSpPr>
+              <p:spPr>
+                <a:xfrm>
+                  <a:off x="5543676" y="3622142"/>
+                  <a:ext cx="219354" cy="307777"/>
+                </a:xfrm>
+                <a:prstGeom prst="rect">
+                  <a:avLst/>
+                </a:prstGeom>
+                <a:noFill/>
+              </p:spPr>
+              <p:txBody>
+                <a:bodyPr wrap="none" lIns="0" tIns="0" rIns="0" bIns="0" rtlCol="0">
+                  <a:spAutoFit/>
+                </a:bodyPr>
+                <a:lstStyle/>
+                <a:p>
+                  <a14:m>
+                    <m:oMathPara xmlns:m="http://schemas.openxmlformats.org/officeDocument/2006/math">
+                      <m:oMathParaPr>
+                        <m:jc m:val="centerGroup"/>
+                      </m:oMathParaPr>
+                      <m:oMath xmlns:m="http://schemas.openxmlformats.org/officeDocument/2006/math">
+                        <m:r>
+                          <a:rPr lang="en-GB" sz="2000" i="1" smtClean="0">
+                            <a:latin typeface="Cambria Math" panose="02040503050406030204" pitchFamily="18" charset="0"/>
+                          </a:rPr>
+                          <m:t>𝛼</m:t>
+                        </m:r>
+                      </m:oMath>
+                    </m:oMathPara>
+                  </a14:m>
+                  <a:endParaRPr lang="en-GB" dirty="0"/>
+                </a:p>
+              </p:txBody>
+            </p:sp>
+          </mc:Choice>
+          <mc:Fallback>
+            <p:sp>
+              <p:nvSpPr>
+                <p:cNvPr id="132" name="TextBox 131">
+                  <a:extLst>
+                    <a:ext uri="{FF2B5EF4-FFF2-40B4-BE49-F238E27FC236}">
+                      <a16:creationId xmlns:a16="http://schemas.microsoft.com/office/drawing/2014/main" id="{8BD195AF-AD77-4F8B-A98A-A7F570A5D6EB}"/>
+                    </a:ext>
+                  </a:extLst>
+                </p:cNvPr>
+                <p:cNvSpPr txBox="1">
+                  <a:spLocks noRot="1" noChangeAspect="1" noMove="1" noResize="1" noEditPoints="1" noAdjustHandles="1" noChangeArrowheads="1" noChangeShapeType="1" noTextEdit="1"/>
+                </p:cNvSpPr>
+                <p:nvPr/>
+              </p:nvSpPr>
+              <p:spPr>
+                <a:xfrm>
+                  <a:off x="5543676" y="3622142"/>
+                  <a:ext cx="219354" cy="307777"/>
+                </a:xfrm>
+                <a:prstGeom prst="rect">
+                  <a:avLst/>
+                </a:prstGeom>
+                <a:blipFill>
+                  <a:blip r:embed="rId8"/>
+                  <a:stretch>
+                    <a:fillRect l="-13889" r="-13889"/>
+                  </a:stretch>
+                </a:blipFill>
+              </p:spPr>
+              <p:txBody>
+                <a:bodyPr/>
+                <a:lstStyle/>
+                <a:p>
+                  <a:r>
+                    <a:rPr lang="en-GB">
+                      <a:noFill/>
+                    </a:rPr>
+                    <a:t> </a:t>
+                  </a:r>
+                </a:p>
+              </p:txBody>
+            </p:sp>
+          </mc:Fallback>
+        </mc:AlternateContent>
+      </p:grpSp>
+      <p:cxnSp>
+        <p:nvCxnSpPr>
+          <p:cNvPr id="135" name="Straight Arrow Connector 134">
+            <a:extLst>
+              <a:ext uri="{FF2B5EF4-FFF2-40B4-BE49-F238E27FC236}">
+                <a16:creationId xmlns:a16="http://schemas.microsoft.com/office/drawing/2014/main" id="{4052D784-2B36-4C9A-BA40-1C7FDF0B126C}"/>
+              </a:ext>
+            </a:extLst>
+          </p:cNvPr>
+          <p:cNvCxnSpPr>
+            <a:cxnSpLocks/>
+          </p:cNvCxnSpPr>
+          <p:nvPr/>
+        </p:nvCxnSpPr>
+        <p:spPr>
+          <a:xfrm>
+            <a:off x="2859928" y="1679193"/>
+            <a:ext cx="0" cy="3805275"/>
+          </a:xfrm>
+          <a:prstGeom prst="straightConnector1">
+            <a:avLst/>
+          </a:prstGeom>
+          <a:ln w="19050" cap="rnd">
+            <a:solidFill>
+              <a:schemeClr val="tx1"/>
+            </a:solidFill>
+            <a:headEnd type="arrow"/>
+            <a:tailEnd type="arrow"/>
+          </a:ln>
+        </p:spPr>
+        <p:style>
+          <a:lnRef idx="1">
+            <a:schemeClr val="accent1"/>
+          </a:lnRef>
+          <a:fillRef idx="0">
+            <a:schemeClr val="accent1"/>
+          </a:fillRef>
+          <a:effectRef idx="0">
+            <a:schemeClr val="accent1"/>
+          </a:effectRef>
+          <a:fontRef idx="minor">
+            <a:schemeClr val="tx1"/>
+          </a:fontRef>
+        </p:style>
+      </p:cxnSp>
+      <p:sp>
+        <p:nvSpPr>
+          <p:cNvPr id="141" name="TextBox 140">
+            <a:extLst>
+              <a:ext uri="{FF2B5EF4-FFF2-40B4-BE49-F238E27FC236}">
+                <a16:creationId xmlns:a16="http://schemas.microsoft.com/office/drawing/2014/main" id="{C72BA677-C7F4-4782-86B6-7D7E73892D55}"/>
+              </a:ext>
+            </a:extLst>
+          </p:cNvPr>
+          <p:cNvSpPr txBox="1"/>
+          <p:nvPr/>
+        </p:nvSpPr>
+        <p:spPr>
+          <a:xfrm>
+            <a:off x="1817957" y="3355029"/>
+            <a:ext cx="1303851" cy="584775"/>
+          </a:xfrm>
+          <a:prstGeom prst="rect">
+            <a:avLst/>
+          </a:prstGeom>
+          <a:noFill/>
+        </p:spPr>
+        <p:txBody>
+          <a:bodyPr wrap="square" rtlCol="0">
+            <a:spAutoFit/>
+          </a:bodyPr>
+          <a:lstStyle/>
+          <a:p>
+            <a:pPr algn="ctr"/>
+            <a:r>
+              <a:rPr lang="en-GB" sz="1600" dirty="0"/>
+              <a:t>Height</a:t>
+            </a:r>
+          </a:p>
+          <a:p>
+            <a:pPr algn="ctr"/>
+            <a:r>
+              <a:rPr lang="en-GB" sz="1600" dirty="0"/>
+              <a:t>(H)</a:t>
+            </a:r>
+          </a:p>
+        </p:txBody>
+      </p:sp>
+      <p:cxnSp>
+        <p:nvCxnSpPr>
+          <p:cNvPr id="142" name="Straight Arrow Connector 141">
+            <a:extLst>
+              <a:ext uri="{FF2B5EF4-FFF2-40B4-BE49-F238E27FC236}">
+                <a16:creationId xmlns:a16="http://schemas.microsoft.com/office/drawing/2014/main" id="{0089F2A0-080C-492F-9A43-81EDFEE1739A}"/>
+              </a:ext>
+            </a:extLst>
+          </p:cNvPr>
+          <p:cNvCxnSpPr>
+            <a:cxnSpLocks/>
+          </p:cNvCxnSpPr>
+          <p:nvPr/>
+        </p:nvCxnSpPr>
+        <p:spPr>
+          <a:xfrm>
+            <a:off x="3005901" y="759111"/>
+            <a:ext cx="2524374" cy="0"/>
+          </a:xfrm>
+          <a:prstGeom prst="straightConnector1">
+            <a:avLst/>
+          </a:prstGeom>
+          <a:ln w="19050" cap="rnd">
+            <a:solidFill>
+              <a:schemeClr val="tx1"/>
+            </a:solidFill>
+            <a:headEnd type="arrow"/>
+            <a:tailEnd type="arrow"/>
+          </a:ln>
+        </p:spPr>
+        <p:style>
+          <a:lnRef idx="1">
+            <a:schemeClr val="accent1"/>
+          </a:lnRef>
+          <a:fillRef idx="0">
+            <a:schemeClr val="accent1"/>
+          </a:fillRef>
+          <a:effectRef idx="0">
+            <a:schemeClr val="accent1"/>
+          </a:effectRef>
+          <a:fontRef idx="minor">
+            <a:schemeClr val="tx1"/>
+          </a:fontRef>
+        </p:style>
+      </p:cxnSp>
+      <p:sp>
+        <p:nvSpPr>
+          <p:cNvPr id="146" name="TextBox 145">
+            <a:extLst>
+              <a:ext uri="{FF2B5EF4-FFF2-40B4-BE49-F238E27FC236}">
+                <a16:creationId xmlns:a16="http://schemas.microsoft.com/office/drawing/2014/main" id="{54563BCF-8506-4044-A34A-EC01C433F8D7}"/>
+              </a:ext>
+            </a:extLst>
+          </p:cNvPr>
+          <p:cNvSpPr txBox="1"/>
+          <p:nvPr/>
+        </p:nvSpPr>
+        <p:spPr>
+          <a:xfrm>
+            <a:off x="3596042" y="442741"/>
+            <a:ext cx="1303851" cy="338554"/>
+          </a:xfrm>
+          <a:prstGeom prst="rect">
+            <a:avLst/>
+          </a:prstGeom>
+          <a:noFill/>
+        </p:spPr>
+        <p:txBody>
+          <a:bodyPr wrap="square" rtlCol="0">
+            <a:spAutoFit/>
+          </a:bodyPr>
+          <a:lstStyle/>
+          <a:p>
+            <a:pPr algn="ctr"/>
+            <a:r>
+              <a:rPr lang="en-GB" sz="1600" dirty="0"/>
+              <a:t>Pitch (D)</a:t>
+            </a:r>
+            <a:endParaRPr lang="en-GB" sz="1600" dirty="0">
+              <a:solidFill>
+                <a:schemeClr val="accent1">
+                  <a:lumMod val="75000"/>
+                </a:schemeClr>
+              </a:solidFill>
+            </a:endParaRPr>
+          </a:p>
+        </p:txBody>
+      </p:sp>
+    </p:spTree>
+    <p:extLst>
+      <p:ext uri="{BB962C8B-B14F-4D97-AF65-F5344CB8AC3E}">
+        <p14:creationId xmlns:p14="http://schemas.microsoft.com/office/powerpoint/2010/main" val="1236068219"/>
+      </p:ext>
+    </p:extLst>
+  </p:cSld>
+  <p:clrMapOvr>
+    <a:masterClrMapping/>
+  </p:clrMapOvr>
+</p:sld>
+</file>
+
 <file path=ppt/theme/theme1.xml><?xml version="1.0" encoding="utf-8"?>
 <a:theme xmlns:a="http://schemas.openxmlformats.org/drawingml/2006/main" name="Office Theme">
   <a:themeElements>

--- a/doc/figures/digrams.pptx
+++ b/doc/figures/digrams.pptx
@@ -15945,7 +15945,7 @@
           <a:p>
             <a:fld id="{2A844B6E-13D7-45EE-A349-87AD0FAFCC0F}" type="datetimeFigureOut">
               <a:rPr lang="en-GB" smtClean="0"/>
-              <a:t>15/03/2021</a:t>
+              <a:t>16/03/2021</a:t>
             </a:fld>
             <a:endParaRPr lang="en-GB"/>
           </a:p>
@@ -16145,7 +16145,7 @@
           <a:p>
             <a:fld id="{2A844B6E-13D7-45EE-A349-87AD0FAFCC0F}" type="datetimeFigureOut">
               <a:rPr lang="en-GB" smtClean="0"/>
-              <a:t>15/03/2021</a:t>
+              <a:t>16/03/2021</a:t>
             </a:fld>
             <a:endParaRPr lang="en-GB"/>
           </a:p>
@@ -16355,7 +16355,7 @@
           <a:p>
             <a:fld id="{2A844B6E-13D7-45EE-A349-87AD0FAFCC0F}" type="datetimeFigureOut">
               <a:rPr lang="en-GB" smtClean="0"/>
-              <a:t>15/03/2021</a:t>
+              <a:t>16/03/2021</a:t>
             </a:fld>
             <a:endParaRPr lang="en-GB"/>
           </a:p>
@@ -16555,7 +16555,7 @@
           <a:p>
             <a:fld id="{2A844B6E-13D7-45EE-A349-87AD0FAFCC0F}" type="datetimeFigureOut">
               <a:rPr lang="en-GB" smtClean="0"/>
-              <a:t>15/03/2021</a:t>
+              <a:t>16/03/2021</a:t>
             </a:fld>
             <a:endParaRPr lang="en-GB"/>
           </a:p>
@@ -16831,7 +16831,7 @@
           <a:p>
             <a:fld id="{2A844B6E-13D7-45EE-A349-87AD0FAFCC0F}" type="datetimeFigureOut">
               <a:rPr lang="en-GB" smtClean="0"/>
-              <a:t>15/03/2021</a:t>
+              <a:t>16/03/2021</a:t>
             </a:fld>
             <a:endParaRPr lang="en-GB"/>
           </a:p>
@@ -17099,7 +17099,7 @@
           <a:p>
             <a:fld id="{2A844B6E-13D7-45EE-A349-87AD0FAFCC0F}" type="datetimeFigureOut">
               <a:rPr lang="en-GB" smtClean="0"/>
-              <a:t>15/03/2021</a:t>
+              <a:t>16/03/2021</a:t>
             </a:fld>
             <a:endParaRPr lang="en-GB"/>
           </a:p>
@@ -17514,7 +17514,7 @@
           <a:p>
             <a:fld id="{2A844B6E-13D7-45EE-A349-87AD0FAFCC0F}" type="datetimeFigureOut">
               <a:rPr lang="en-GB" smtClean="0"/>
-              <a:t>15/03/2021</a:t>
+              <a:t>16/03/2021</a:t>
             </a:fld>
             <a:endParaRPr lang="en-GB"/>
           </a:p>
@@ -17656,7 +17656,7 @@
           <a:p>
             <a:fld id="{2A844B6E-13D7-45EE-A349-87AD0FAFCC0F}" type="datetimeFigureOut">
               <a:rPr lang="en-GB" smtClean="0"/>
-              <a:t>15/03/2021</a:t>
+              <a:t>16/03/2021</a:t>
             </a:fld>
             <a:endParaRPr lang="en-GB"/>
           </a:p>
@@ -17769,7 +17769,7 @@
           <a:p>
             <a:fld id="{2A844B6E-13D7-45EE-A349-87AD0FAFCC0F}" type="datetimeFigureOut">
               <a:rPr lang="en-GB" smtClean="0"/>
-              <a:t>15/03/2021</a:t>
+              <a:t>16/03/2021</a:t>
             </a:fld>
             <a:endParaRPr lang="en-GB"/>
           </a:p>
@@ -18082,7 +18082,7 @@
           <a:p>
             <a:fld id="{2A844B6E-13D7-45EE-A349-87AD0FAFCC0F}" type="datetimeFigureOut">
               <a:rPr lang="en-GB" smtClean="0"/>
-              <a:t>15/03/2021</a:t>
+              <a:t>16/03/2021</a:t>
             </a:fld>
             <a:endParaRPr lang="en-GB"/>
           </a:p>
@@ -18371,7 +18371,7 @@
           <a:p>
             <a:fld id="{2A844B6E-13D7-45EE-A349-87AD0FAFCC0F}" type="datetimeFigureOut">
               <a:rPr lang="en-GB" smtClean="0"/>
-              <a:t>15/03/2021</a:t>
+              <a:t>16/03/2021</a:t>
             </a:fld>
             <a:endParaRPr lang="en-GB"/>
           </a:p>
@@ -18614,7 +18614,7 @@
           <a:p>
             <a:fld id="{2A844B6E-13D7-45EE-A349-87AD0FAFCC0F}" type="datetimeFigureOut">
               <a:rPr lang="en-GB" smtClean="0"/>
-              <a:t>15/03/2021</a:t>
+              <a:t>16/03/2021</a:t>
             </a:fld>
             <a:endParaRPr lang="en-GB"/>
           </a:p>
@@ -21616,8 +21616,8 @@
           </a:fontRef>
         </p:style>
       </p:cxnSp>
-      <mc:AlternateContent xmlns:mc="http://schemas.openxmlformats.org/markup-compatibility/2006">
-        <mc:Choice xmlns:a14="http://schemas.microsoft.com/office/drawing/2010/main" Requires="a14">
+      <mc:AlternateContent xmlns:mc="http://schemas.openxmlformats.org/markup-compatibility/2006" xmlns:a14="http://schemas.microsoft.com/office/drawing/2010/main">
+        <mc:Choice Requires="a14">
           <p:sp>
             <p:nvSpPr>
               <p:cNvPr id="107" name="TextBox 106">
@@ -21646,6 +21646,7 @@
               </a:bodyPr>
               <a:lstStyle/>
               <a:p>
+                <a:pPr/>
                 <a14:m>
                   <m:oMathPara xmlns:m="http://schemas.openxmlformats.org/officeDocument/2006/math">
                     <m:oMathParaPr>
@@ -21666,7 +21667,7 @@
             </p:txBody>
           </p:sp>
         </mc:Choice>
-        <mc:Fallback>
+        <mc:Fallback xmlns="">
           <p:sp>
             <p:nvSpPr>
               <p:cNvPr id="107" name="TextBox 106">
@@ -21859,10 +21860,10 @@
         </p:nvGrpSpPr>
         <p:grpSpPr>
           <a:xfrm>
-            <a:off x="5304971" y="3047467"/>
-            <a:ext cx="1897256" cy="2033176"/>
-            <a:chOff x="4990028" y="3283803"/>
-            <a:chExt cx="1897256" cy="2033176"/>
+            <a:off x="5304971" y="3046549"/>
+            <a:ext cx="1897256" cy="2034094"/>
+            <a:chOff x="4990028" y="3282885"/>
+            <a:chExt cx="1897256" cy="2034094"/>
           </a:xfrm>
         </p:grpSpPr>
         <p:sp>
@@ -21915,10 +21916,10 @@
           </p:nvGrpSpPr>
           <p:grpSpPr>
             <a:xfrm>
-              <a:off x="5305609" y="3319735"/>
-              <a:ext cx="1525637" cy="1804329"/>
-              <a:chOff x="5639347" y="3356271"/>
-              <a:chExt cx="1168486" cy="1490704"/>
+              <a:off x="5366390" y="3357559"/>
+              <a:ext cx="1505340" cy="1729834"/>
+              <a:chOff x="5685902" y="3387521"/>
+              <a:chExt cx="1152941" cy="1429158"/>
             </a:xfrm>
           </p:grpSpPr>
           <p:grpSp>
@@ -22093,8 +22094,8 @@
                 </p:nvSpPr>
                 <p:spPr>
                   <a:xfrm>
-                    <a:off x="5639347" y="4539198"/>
-                    <a:ext cx="206659" cy="307777"/>
+                    <a:off x="5685902" y="4562399"/>
+                    <a:ext cx="170116" cy="254280"/>
                   </a:xfrm>
                   <a:prstGeom prst="rect">
                     <a:avLst/>
@@ -22107,6 +22108,7 @@
                   </a:bodyPr>
                   <a:lstStyle/>
                   <a:p>
+                    <a:pPr/>
                     <a14:m>
                       <m:oMathPara xmlns:m="http://schemas.openxmlformats.org/officeDocument/2006/math">
                         <m:oMathParaPr>
@@ -22114,10 +22116,10 @@
                         </m:oMathParaPr>
                         <m:oMath xmlns:m="http://schemas.openxmlformats.org/officeDocument/2006/math">
                           <m:r>
-                            <a:rPr lang="en-GB" sz="2000" i="1" smtClean="0">
+                            <a:rPr lang="en-GB" sz="2000" b="0" i="1" smtClean="0">
                               <a:latin typeface="Cambria Math" panose="02040503050406030204" pitchFamily="18" charset="0"/>
                             </a:rPr>
-                            <m:t>𝑎</m:t>
+                            <m:t>𝐴</m:t>
                           </m:r>
                         </m:oMath>
                       </m:oMathPara>
@@ -22144,8 +22146,8 @@
                 </p:nvSpPr>
                 <p:spPr>
                   <a:xfrm>
-                    <a:off x="5639347" y="4539198"/>
-                    <a:ext cx="206659" cy="307777"/>
+                    <a:off x="5685902" y="4562399"/>
+                    <a:ext cx="170116" cy="254280"/>
                   </a:xfrm>
                   <a:prstGeom prst="rect">
                     <a:avLst/>
@@ -22153,7 +22155,7 @@
                   <a:blipFill>
                     <a:blip r:embed="rId4"/>
                     <a:stretch>
-                      <a:fillRect/>
+                      <a:fillRect l="-27778" r="-27778" b="-5882"/>
                     </a:stretch>
                   </a:blipFill>
                 </p:spPr>
@@ -22188,8 +22190,8 @@
                 </p:nvSpPr>
                 <p:spPr>
                   <a:xfrm>
-                    <a:off x="6606624" y="3356271"/>
-                    <a:ext cx="201209" cy="307777"/>
+                    <a:off x="6660477" y="3387521"/>
+                    <a:ext cx="178366" cy="254280"/>
                   </a:xfrm>
                   <a:prstGeom prst="rect">
                     <a:avLst/>
@@ -22202,6 +22204,7 @@
                   </a:bodyPr>
                   <a:lstStyle/>
                   <a:p>
+                    <a:pPr/>
                     <a14:m>
                       <m:oMathPara xmlns:m="http://schemas.openxmlformats.org/officeDocument/2006/math">
                         <m:oMathParaPr>
@@ -22209,10 +22212,10 @@
                         </m:oMathParaPr>
                         <m:oMath xmlns:m="http://schemas.openxmlformats.org/officeDocument/2006/math">
                           <m:r>
-                            <a:rPr lang="en-GB" sz="2000" i="1" smtClean="0">
+                            <a:rPr lang="en-GB" sz="2000" b="0" i="1" smtClean="0">
                               <a:latin typeface="Cambria Math" panose="02040503050406030204" pitchFamily="18" charset="0"/>
                             </a:rPr>
-                            <m:t>𝑏</m:t>
+                            <m:t>𝐵</m:t>
                           </m:r>
                         </m:oMath>
                       </m:oMathPara>
@@ -22239,8 +22242,8 @@
                 </p:nvSpPr>
                 <p:spPr>
                   <a:xfrm>
-                    <a:off x="6606624" y="3356271"/>
-                    <a:ext cx="201209" cy="307777"/>
+                    <a:off x="6660477" y="3387521"/>
+                    <a:ext cx="178366" cy="254280"/>
                   </a:xfrm>
                   <a:prstGeom prst="rect">
                     <a:avLst/>
@@ -22248,7 +22251,7 @@
                   <a:blipFill>
                     <a:blip r:embed="rId5"/>
                     <a:stretch>
-                      <a:fillRect l="-11628" r="-11628"/>
+                      <a:fillRect l="-26316" r="-23684" b="-5882"/>
                     </a:stretch>
                   </a:blipFill>
                 </p:spPr>
@@ -22329,8 +22332,8 @@
               </p:nvSpPr>
               <p:spPr>
                 <a:xfrm>
-                  <a:off x="5922955" y="3283803"/>
-                  <a:ext cx="166006" cy="276999"/>
+                  <a:off x="5888853" y="3282885"/>
+                  <a:ext cx="200888" cy="276999"/>
                 </a:xfrm>
                 <a:prstGeom prst="rect">
                   <a:avLst/>
@@ -22343,6 +22346,7 @@
                 </a:bodyPr>
                 <a:lstStyle/>
                 <a:p>
+                  <a:pPr/>
                   <a14:m>
                     <m:oMathPara xmlns:m="http://schemas.openxmlformats.org/officeDocument/2006/math">
                       <m:oMathParaPr>
@@ -22353,7 +22357,7 @@
                           <a:rPr lang="en-GB" b="0" i="1" smtClean="0">
                             <a:latin typeface="Cambria Math" panose="02040503050406030204" pitchFamily="18" charset="0"/>
                           </a:rPr>
-                          <m:t>𝑐</m:t>
+                          <m:t>𝐶</m:t>
                         </m:r>
                       </m:oMath>
                     </m:oMathPara>
@@ -22380,8 +22384,8 @@
               </p:nvSpPr>
               <p:spPr>
                 <a:xfrm>
-                  <a:off x="5922955" y="3283803"/>
-                  <a:ext cx="166006" cy="276999"/>
+                  <a:off x="5888853" y="3282885"/>
+                  <a:ext cx="200888" cy="276999"/>
                 </a:xfrm>
                 <a:prstGeom prst="rect">
                   <a:avLst/>
@@ -22389,7 +22393,7 @@
                 <a:blipFill>
                   <a:blip r:embed="rId6"/>
                   <a:stretch>
-                    <a:fillRect l="-21429" r="-10714"/>
+                    <a:fillRect l="-30303" r="-21212" b="-6667"/>
                   </a:stretch>
                 </a:blipFill>
               </p:spPr>
@@ -22425,7 +22429,7 @@
               <p:spPr>
                 <a:xfrm>
                   <a:off x="6440876" y="3721253"/>
-                  <a:ext cx="193258" cy="276999"/>
+                  <a:ext cx="219932" cy="276999"/>
                 </a:xfrm>
                 <a:prstGeom prst="rect">
                   <a:avLst/>
@@ -22438,6 +22442,7 @@
                 </a:bodyPr>
                 <a:lstStyle/>
                 <a:p>
+                  <a:pPr/>
                   <a14:m>
                     <m:oMathPara xmlns:m="http://schemas.openxmlformats.org/officeDocument/2006/math">
                       <m:oMathParaPr>
@@ -22448,7 +22453,7 @@
                           <a:rPr lang="en-GB" b="0" i="1" smtClean="0">
                             <a:latin typeface="Cambria Math" panose="02040503050406030204" pitchFamily="18" charset="0"/>
                           </a:rPr>
-                          <m:t>𝑑</m:t>
+                          <m:t>𝐷</m:t>
                         </m:r>
                       </m:oMath>
                     </m:oMathPara>
@@ -22476,7 +22481,7 @@
               <p:spPr>
                 <a:xfrm>
                   <a:off x="6440876" y="3721253"/>
-                  <a:ext cx="193258" cy="276999"/>
+                  <a:ext cx="219932" cy="276999"/>
                 </a:xfrm>
                 <a:prstGeom prst="rect">
                   <a:avLst/>
@@ -22484,7 +22489,7 @@
                 <a:blipFill>
                   <a:blip r:embed="rId7"/>
                   <a:stretch>
-                    <a:fillRect l="-31250" r="-25000" b="-8889"/>
+                    <a:fillRect l="-25000" r="-22222" b="-6667"/>
                   </a:stretch>
                 </a:blipFill>
               </p:spPr>
@@ -22599,8 +22604,8 @@
             </a:fontRef>
           </p:style>
         </p:cxnSp>
-        <mc:AlternateContent xmlns:mc="http://schemas.openxmlformats.org/markup-compatibility/2006">
-          <mc:Choice xmlns:a14="http://schemas.microsoft.com/office/drawing/2010/main" Requires="a14">
+        <mc:AlternateContent xmlns:mc="http://schemas.openxmlformats.org/markup-compatibility/2006" xmlns:a14="http://schemas.microsoft.com/office/drawing/2010/main">
+          <mc:Choice Requires="a14">
             <p:sp>
               <p:nvSpPr>
                 <p:cNvPr id="132" name="TextBox 131">
@@ -22629,6 +22634,7 @@
                 </a:bodyPr>
                 <a:lstStyle/>
                 <a:p>
+                  <a:pPr/>
                   <a14:m>
                     <m:oMathPara xmlns:m="http://schemas.openxmlformats.org/officeDocument/2006/math">
                       <m:oMathParaPr>
@@ -22649,7 +22655,7 @@
               </p:txBody>
             </p:sp>
           </mc:Choice>
-          <mc:Fallback>
+          <mc:Fallback xmlns="">
             <p:sp>
               <p:nvSpPr>
                 <p:cNvPr id="132" name="TextBox 131">

--- a/doc/figures/digrams.pptx
+++ b/doc/figures/digrams.pptx
@@ -9,6 +9,7 @@
     <p:sldId id="258" r:id="rId3"/>
     <p:sldId id="259" r:id="rId4"/>
     <p:sldId id="260" r:id="rId5"/>
+    <p:sldId id="261" r:id="rId6"/>
   </p:sldIdLst>
   <p:sldSz cx="12192000" cy="6858000"/>
   <p:notesSz cx="6858000" cy="9144000"/>
@@ -15945,7 +15946,7 @@
           <a:p>
             <a:fld id="{2A844B6E-13D7-45EE-A349-87AD0FAFCC0F}" type="datetimeFigureOut">
               <a:rPr lang="en-GB" smtClean="0"/>
-              <a:t>16/03/2021</a:t>
+              <a:t>02/04/2021</a:t>
             </a:fld>
             <a:endParaRPr lang="en-GB"/>
           </a:p>
@@ -16145,7 +16146,7 @@
           <a:p>
             <a:fld id="{2A844B6E-13D7-45EE-A349-87AD0FAFCC0F}" type="datetimeFigureOut">
               <a:rPr lang="en-GB" smtClean="0"/>
-              <a:t>16/03/2021</a:t>
+              <a:t>02/04/2021</a:t>
             </a:fld>
             <a:endParaRPr lang="en-GB"/>
           </a:p>
@@ -16355,7 +16356,7 @@
           <a:p>
             <a:fld id="{2A844B6E-13D7-45EE-A349-87AD0FAFCC0F}" type="datetimeFigureOut">
               <a:rPr lang="en-GB" smtClean="0"/>
-              <a:t>16/03/2021</a:t>
+              <a:t>02/04/2021</a:t>
             </a:fld>
             <a:endParaRPr lang="en-GB"/>
           </a:p>
@@ -16555,7 +16556,7 @@
           <a:p>
             <a:fld id="{2A844B6E-13D7-45EE-A349-87AD0FAFCC0F}" type="datetimeFigureOut">
               <a:rPr lang="en-GB" smtClean="0"/>
-              <a:t>16/03/2021</a:t>
+              <a:t>02/04/2021</a:t>
             </a:fld>
             <a:endParaRPr lang="en-GB"/>
           </a:p>
@@ -16831,7 +16832,7 @@
           <a:p>
             <a:fld id="{2A844B6E-13D7-45EE-A349-87AD0FAFCC0F}" type="datetimeFigureOut">
               <a:rPr lang="en-GB" smtClean="0"/>
-              <a:t>16/03/2021</a:t>
+              <a:t>02/04/2021</a:t>
             </a:fld>
             <a:endParaRPr lang="en-GB"/>
           </a:p>
@@ -17099,7 +17100,7 @@
           <a:p>
             <a:fld id="{2A844B6E-13D7-45EE-A349-87AD0FAFCC0F}" type="datetimeFigureOut">
               <a:rPr lang="en-GB" smtClean="0"/>
-              <a:t>16/03/2021</a:t>
+              <a:t>02/04/2021</a:t>
             </a:fld>
             <a:endParaRPr lang="en-GB"/>
           </a:p>
@@ -17514,7 +17515,7 @@
           <a:p>
             <a:fld id="{2A844B6E-13D7-45EE-A349-87AD0FAFCC0F}" type="datetimeFigureOut">
               <a:rPr lang="en-GB" smtClean="0"/>
-              <a:t>16/03/2021</a:t>
+              <a:t>02/04/2021</a:t>
             </a:fld>
             <a:endParaRPr lang="en-GB"/>
           </a:p>
@@ -17656,7 +17657,7 @@
           <a:p>
             <a:fld id="{2A844B6E-13D7-45EE-A349-87AD0FAFCC0F}" type="datetimeFigureOut">
               <a:rPr lang="en-GB" smtClean="0"/>
-              <a:t>16/03/2021</a:t>
+              <a:t>02/04/2021</a:t>
             </a:fld>
             <a:endParaRPr lang="en-GB"/>
           </a:p>
@@ -17769,7 +17770,7 @@
           <a:p>
             <a:fld id="{2A844B6E-13D7-45EE-A349-87AD0FAFCC0F}" type="datetimeFigureOut">
               <a:rPr lang="en-GB" smtClean="0"/>
-              <a:t>16/03/2021</a:t>
+              <a:t>02/04/2021</a:t>
             </a:fld>
             <a:endParaRPr lang="en-GB"/>
           </a:p>
@@ -18082,7 +18083,7 @@
           <a:p>
             <a:fld id="{2A844B6E-13D7-45EE-A349-87AD0FAFCC0F}" type="datetimeFigureOut">
               <a:rPr lang="en-GB" smtClean="0"/>
-              <a:t>16/03/2021</a:t>
+              <a:t>02/04/2021</a:t>
             </a:fld>
             <a:endParaRPr lang="en-GB"/>
           </a:p>
@@ -18371,7 +18372,7 @@
           <a:p>
             <a:fld id="{2A844B6E-13D7-45EE-A349-87AD0FAFCC0F}" type="datetimeFigureOut">
               <a:rPr lang="en-GB" smtClean="0"/>
-              <a:t>16/03/2021</a:t>
+              <a:t>02/04/2021</a:t>
             </a:fld>
             <a:endParaRPr lang="en-GB"/>
           </a:p>
@@ -18614,7 +18615,7 @@
           <a:p>
             <a:fld id="{2A844B6E-13D7-45EE-A349-87AD0FAFCC0F}" type="datetimeFigureOut">
               <a:rPr lang="en-GB" smtClean="0"/>
-              <a:t>16/03/2021</a:t>
+              <a:t>02/04/2021</a:t>
             </a:fld>
             <a:endParaRPr lang="en-GB"/>
           </a:p>
@@ -22078,8 +22079,8 @@
               </p:style>
             </p:cxnSp>
           </p:grpSp>
-          <mc:AlternateContent xmlns:mc="http://schemas.openxmlformats.org/markup-compatibility/2006">
-            <mc:Choice xmlns:a14="http://schemas.microsoft.com/office/drawing/2010/main" Requires="a14">
+          <mc:AlternateContent xmlns:mc="http://schemas.openxmlformats.org/markup-compatibility/2006" xmlns:a14="http://schemas.microsoft.com/office/drawing/2010/main">
+            <mc:Choice Requires="a14">
               <p:sp>
                 <p:nvSpPr>
                   <p:cNvPr id="82" name="TextBox 81">
@@ -22129,7 +22130,7 @@
                 </p:txBody>
               </p:sp>
             </mc:Choice>
-            <mc:Fallback>
+            <mc:Fallback xmlns="">
               <p:sp>
                 <p:nvSpPr>
                   <p:cNvPr id="82" name="TextBox 81">
@@ -22174,8 +22175,8 @@
               </p:sp>
             </mc:Fallback>
           </mc:AlternateContent>
-          <mc:AlternateContent xmlns:mc="http://schemas.openxmlformats.org/markup-compatibility/2006">
-            <mc:Choice xmlns:a14="http://schemas.microsoft.com/office/drawing/2010/main" Requires="a14">
+          <mc:AlternateContent xmlns:mc="http://schemas.openxmlformats.org/markup-compatibility/2006" xmlns:a14="http://schemas.microsoft.com/office/drawing/2010/main">
+            <mc:Choice Requires="a14">
               <p:sp>
                 <p:nvSpPr>
                   <p:cNvPr id="85" name="TextBox 84">
@@ -22225,7 +22226,7 @@
                 </p:txBody>
               </p:sp>
             </mc:Choice>
-            <mc:Fallback>
+            <mc:Fallback xmlns="">
               <p:sp>
                 <p:nvSpPr>
                   <p:cNvPr id="85" name="TextBox 84">
@@ -22316,8 +22317,8 @@
             </p:style>
           </p:cxnSp>
         </p:grpSp>
-        <mc:AlternateContent xmlns:mc="http://schemas.openxmlformats.org/markup-compatibility/2006">
-          <mc:Choice xmlns:a14="http://schemas.microsoft.com/office/drawing/2010/main" Requires="a14">
+        <mc:AlternateContent xmlns:mc="http://schemas.openxmlformats.org/markup-compatibility/2006" xmlns:a14="http://schemas.microsoft.com/office/drawing/2010/main">
+          <mc:Choice Requires="a14">
             <p:sp>
               <p:nvSpPr>
                 <p:cNvPr id="127" name="TextBox 126">
@@ -22367,7 +22368,7 @@
               </p:txBody>
             </p:sp>
           </mc:Choice>
-          <mc:Fallback>
+          <mc:Fallback xmlns="">
             <p:sp>
               <p:nvSpPr>
                 <p:cNvPr id="127" name="TextBox 126">
@@ -22412,8 +22413,8 @@
             </p:sp>
           </mc:Fallback>
         </mc:AlternateContent>
-        <mc:AlternateContent xmlns:mc="http://schemas.openxmlformats.org/markup-compatibility/2006">
-          <mc:Choice xmlns:a14="http://schemas.microsoft.com/office/drawing/2010/main" Requires="a14">
+        <mc:AlternateContent xmlns:mc="http://schemas.openxmlformats.org/markup-compatibility/2006" xmlns:a14="http://schemas.microsoft.com/office/drawing/2010/main">
+          <mc:Choice Requires="a14">
             <p:sp>
               <p:nvSpPr>
                 <p:cNvPr id="128" name="TextBox 127">
@@ -22463,7 +22464,7 @@
               </p:txBody>
             </p:sp>
           </mc:Choice>
-          <mc:Fallback>
+          <mc:Fallback xmlns="">
             <p:sp>
               <p:nvSpPr>
                 <p:cNvPr id="128" name="TextBox 127">
@@ -22890,6 +22891,926 @@
 </p:sld>
 </file>
 
+<file path=ppt/slides/slide5.xml><?xml version="1.0" encoding="utf-8"?>
+<p:sld xmlns:a="http://schemas.openxmlformats.org/drawingml/2006/main" xmlns:r="http://schemas.openxmlformats.org/officeDocument/2006/relationships" xmlns:p="http://schemas.openxmlformats.org/presentationml/2006/main">
+  <p:cSld>
+    <p:spTree>
+      <p:nvGrpSpPr>
+        <p:cNvPr id="1" name=""/>
+        <p:cNvGrpSpPr/>
+        <p:nvPr/>
+      </p:nvGrpSpPr>
+      <p:grpSpPr>
+        <a:xfrm>
+          <a:off x="0" y="0"/>
+          <a:ext cx="0" cy="0"/>
+          <a:chOff x="0" y="0"/>
+          <a:chExt cx="0" cy="0"/>
+        </a:xfrm>
+      </p:grpSpPr>
+      <p:pic>
+        <p:nvPicPr>
+          <p:cNvPr id="5" name="Picture 4" descr="Chart, histogram&#10;&#10;Description automatically generated">
+            <a:extLst>
+              <a:ext uri="{FF2B5EF4-FFF2-40B4-BE49-F238E27FC236}">
+                <a16:creationId xmlns:a16="http://schemas.microsoft.com/office/drawing/2014/main" id="{BEAFF1D8-1D9F-4179-8C93-0FF82337F73C}"/>
+              </a:ext>
+            </a:extLst>
+          </p:cNvPr>
+          <p:cNvPicPr>
+            <a:picLocks noChangeAspect="1"/>
+          </p:cNvPicPr>
+          <p:nvPr/>
+        </p:nvPicPr>
+        <p:blipFill>
+          <a:blip r:embed="rId2">
+            <a:extLst>
+              <a:ext uri="{28A0092B-C50C-407E-A947-70E740481C1C}">
+                <a14:useLocalDpi xmlns:a14="http://schemas.microsoft.com/office/drawing/2010/main" val="0"/>
+              </a:ext>
+            </a:extLst>
+          </a:blip>
+          <a:stretch>
+            <a:fillRect/>
+          </a:stretch>
+        </p:blipFill>
+        <p:spPr>
+          <a:xfrm>
+            <a:off x="580072" y="397193"/>
+            <a:ext cx="10457001" cy="5676658"/>
+          </a:xfrm>
+          <a:prstGeom prst="rect">
+            <a:avLst/>
+          </a:prstGeom>
+        </p:spPr>
+      </p:pic>
+      <p:cxnSp>
+        <p:nvCxnSpPr>
+          <p:cNvPr id="13" name="Straight Arrow Connector 12">
+            <a:extLst>
+              <a:ext uri="{FF2B5EF4-FFF2-40B4-BE49-F238E27FC236}">
+                <a16:creationId xmlns:a16="http://schemas.microsoft.com/office/drawing/2014/main" id="{2007051B-9112-4584-9144-1E2D03C94187}"/>
+              </a:ext>
+            </a:extLst>
+          </p:cNvPr>
+          <p:cNvCxnSpPr>
+            <a:cxnSpLocks/>
+          </p:cNvCxnSpPr>
+          <p:nvPr/>
+        </p:nvCxnSpPr>
+        <p:spPr>
+          <a:xfrm>
+            <a:off x="4785360" y="1552575"/>
+            <a:ext cx="1470660" cy="0"/>
+          </a:xfrm>
+          <a:prstGeom prst="straightConnector1">
+            <a:avLst/>
+          </a:prstGeom>
+          <a:ln w="28575">
+            <a:solidFill>
+              <a:srgbClr val="FF0000"/>
+            </a:solidFill>
+            <a:headEnd type="triangle"/>
+            <a:tailEnd type="triangle"/>
+          </a:ln>
+        </p:spPr>
+        <p:style>
+          <a:lnRef idx="1">
+            <a:schemeClr val="accent1"/>
+          </a:lnRef>
+          <a:fillRef idx="0">
+            <a:schemeClr val="accent1"/>
+          </a:fillRef>
+          <a:effectRef idx="0">
+            <a:schemeClr val="accent1"/>
+          </a:effectRef>
+          <a:fontRef idx="minor">
+            <a:schemeClr val="tx1"/>
+          </a:fontRef>
+        </p:style>
+      </p:cxnSp>
+      <p:sp>
+        <p:nvSpPr>
+          <p:cNvPr id="16" name="TextBox 15">
+            <a:extLst>
+              <a:ext uri="{FF2B5EF4-FFF2-40B4-BE49-F238E27FC236}">
+                <a16:creationId xmlns:a16="http://schemas.microsoft.com/office/drawing/2014/main" id="{BA621941-D4ED-4A9A-992C-094DB93C421E}"/>
+              </a:ext>
+            </a:extLst>
+          </p:cNvPr>
+          <p:cNvSpPr txBox="1"/>
+          <p:nvPr/>
+        </p:nvSpPr>
+        <p:spPr>
+          <a:xfrm>
+            <a:off x="6730991" y="2174141"/>
+            <a:ext cx="955711" cy="338554"/>
+          </a:xfrm>
+          <a:prstGeom prst="rect">
+            <a:avLst/>
+          </a:prstGeom>
+          <a:noFill/>
+        </p:spPr>
+        <p:txBody>
+          <a:bodyPr wrap="none" rtlCol="0">
+            <a:spAutoFit/>
+          </a:bodyPr>
+          <a:lstStyle/>
+          <a:p>
+            <a:r>
+              <a:rPr lang="en-GB" sz="1600" dirty="0"/>
+              <a:t>2nd echo</a:t>
+            </a:r>
+          </a:p>
+        </p:txBody>
+      </p:sp>
+      <p:sp>
+        <p:nvSpPr>
+          <p:cNvPr id="17" name="TextBox 16">
+            <a:extLst>
+              <a:ext uri="{FF2B5EF4-FFF2-40B4-BE49-F238E27FC236}">
+                <a16:creationId xmlns:a16="http://schemas.microsoft.com/office/drawing/2014/main" id="{ACF21100-5C35-42E5-B948-0A02E69B37D9}"/>
+              </a:ext>
+            </a:extLst>
+          </p:cNvPr>
+          <p:cNvSpPr txBox="1"/>
+          <p:nvPr/>
+        </p:nvSpPr>
+        <p:spPr>
+          <a:xfrm>
+            <a:off x="5076850" y="1214021"/>
+            <a:ext cx="887679" cy="338554"/>
+          </a:xfrm>
+          <a:prstGeom prst="rect">
+            <a:avLst/>
+          </a:prstGeom>
+          <a:noFill/>
+        </p:spPr>
+        <p:txBody>
+          <a:bodyPr wrap="none" rtlCol="0">
+            <a:spAutoFit/>
+          </a:bodyPr>
+          <a:lstStyle/>
+          <a:p>
+            <a:r>
+              <a:rPr lang="en-GB" sz="1600" dirty="0"/>
+              <a:t>1st echo</a:t>
+            </a:r>
+          </a:p>
+        </p:txBody>
+      </p:sp>
+      <p:sp>
+        <p:nvSpPr>
+          <p:cNvPr id="18" name="TextBox 17">
+            <a:extLst>
+              <a:ext uri="{FF2B5EF4-FFF2-40B4-BE49-F238E27FC236}">
+                <a16:creationId xmlns:a16="http://schemas.microsoft.com/office/drawing/2014/main" id="{3A17F393-17D4-4E90-9184-78B2034B0236}"/>
+              </a:ext>
+            </a:extLst>
+          </p:cNvPr>
+          <p:cNvSpPr txBox="1"/>
+          <p:nvPr/>
+        </p:nvSpPr>
+        <p:spPr>
+          <a:xfrm>
+            <a:off x="8018771" y="2669441"/>
+            <a:ext cx="917624" cy="338554"/>
+          </a:xfrm>
+          <a:prstGeom prst="rect">
+            <a:avLst/>
+          </a:prstGeom>
+          <a:noFill/>
+        </p:spPr>
+        <p:txBody>
+          <a:bodyPr wrap="none" rtlCol="0">
+            <a:spAutoFit/>
+          </a:bodyPr>
+          <a:lstStyle/>
+          <a:p>
+            <a:r>
+              <a:rPr lang="en-GB" sz="1600" dirty="0"/>
+              <a:t>3rd echo</a:t>
+            </a:r>
+          </a:p>
+        </p:txBody>
+      </p:sp>
+      <p:sp>
+        <p:nvSpPr>
+          <p:cNvPr id="19" name="TextBox 18">
+            <a:extLst>
+              <a:ext uri="{FF2B5EF4-FFF2-40B4-BE49-F238E27FC236}">
+                <a16:creationId xmlns:a16="http://schemas.microsoft.com/office/drawing/2014/main" id="{52FD4BC1-ED37-4A2E-88CB-A88B97ADCCD4}"/>
+              </a:ext>
+            </a:extLst>
+          </p:cNvPr>
+          <p:cNvSpPr txBox="1"/>
+          <p:nvPr/>
+        </p:nvSpPr>
+        <p:spPr>
+          <a:xfrm>
+            <a:off x="1807870" y="1214021"/>
+            <a:ext cx="287258" cy="338554"/>
+          </a:xfrm>
+          <a:prstGeom prst="rect">
+            <a:avLst/>
+          </a:prstGeom>
+          <a:noFill/>
+        </p:spPr>
+        <p:txBody>
+          <a:bodyPr wrap="none" rtlCol="0">
+            <a:spAutoFit/>
+          </a:bodyPr>
+          <a:lstStyle/>
+          <a:p>
+            <a:r>
+              <a:rPr lang="en-GB" sz="1600" dirty="0">
+                <a:solidFill>
+                  <a:srgbClr val="FF0000"/>
+                </a:solidFill>
+              </a:rPr>
+              <a:t>+</a:t>
+            </a:r>
+          </a:p>
+        </p:txBody>
+      </p:sp>
+      <p:sp>
+        <p:nvSpPr>
+          <p:cNvPr id="20" name="TextBox 18">
+            <a:extLst>
+              <a:ext uri="{FF2B5EF4-FFF2-40B4-BE49-F238E27FC236}">
+                <a16:creationId xmlns:a16="http://schemas.microsoft.com/office/drawing/2014/main" id="{52FD4BC1-ED37-4A2E-88CB-A88B97ADCCD4}"/>
+              </a:ext>
+            </a:extLst>
+          </p:cNvPr>
+          <p:cNvSpPr txBox="1"/>
+          <p:nvPr/>
+        </p:nvSpPr>
+        <p:spPr>
+          <a:xfrm>
+            <a:off x="2095128" y="1214021"/>
+            <a:ext cx="287258" cy="338554"/>
+          </a:xfrm>
+          <a:prstGeom prst="rect">
+            <a:avLst/>
+          </a:prstGeom>
+          <a:noFill/>
+        </p:spPr>
+        <p:txBody>
+          <a:bodyPr wrap="none" rtlCol="0">
+            <a:spAutoFit/>
+          </a:bodyPr>
+          <a:lstStyle>
+            <a:defPPr>
+              <a:defRPr lang="en-US"/>
+            </a:defPPr>
+            <a:lvl1pPr marL="0" algn="l" defTabSz="914400" rtl="0" eaLnBrk="1" latinLnBrk="0" hangingPunct="1">
+              <a:defRPr sz="1800" kern="1200">
+                <a:solidFill>
+                  <a:schemeClr val="tx1"/>
+                </a:solidFill>
+                <a:latin typeface="+mn-lt"/>
+                <a:ea typeface="+mn-ea"/>
+                <a:cs typeface="+mn-cs"/>
+              </a:defRPr>
+            </a:lvl1pPr>
+            <a:lvl2pPr marL="457200" algn="l" defTabSz="914400" rtl="0" eaLnBrk="1" latinLnBrk="0" hangingPunct="1">
+              <a:defRPr sz="1800" kern="1200">
+                <a:solidFill>
+                  <a:schemeClr val="tx1"/>
+                </a:solidFill>
+                <a:latin typeface="+mn-lt"/>
+                <a:ea typeface="+mn-ea"/>
+                <a:cs typeface="+mn-cs"/>
+              </a:defRPr>
+            </a:lvl2pPr>
+            <a:lvl3pPr marL="914400" algn="l" defTabSz="914400" rtl="0" eaLnBrk="1" latinLnBrk="0" hangingPunct="1">
+              <a:defRPr sz="1800" kern="1200">
+                <a:solidFill>
+                  <a:schemeClr val="tx1"/>
+                </a:solidFill>
+                <a:latin typeface="+mn-lt"/>
+                <a:ea typeface="+mn-ea"/>
+                <a:cs typeface="+mn-cs"/>
+              </a:defRPr>
+            </a:lvl3pPr>
+            <a:lvl4pPr marL="1371600" algn="l" defTabSz="914400" rtl="0" eaLnBrk="1" latinLnBrk="0" hangingPunct="1">
+              <a:defRPr sz="1800" kern="1200">
+                <a:solidFill>
+                  <a:schemeClr val="tx1"/>
+                </a:solidFill>
+                <a:latin typeface="+mn-lt"/>
+                <a:ea typeface="+mn-ea"/>
+                <a:cs typeface="+mn-cs"/>
+              </a:defRPr>
+            </a:lvl4pPr>
+            <a:lvl5pPr marL="1828800" algn="l" defTabSz="914400" rtl="0" eaLnBrk="1" latinLnBrk="0" hangingPunct="1">
+              <a:defRPr sz="1800" kern="1200">
+                <a:solidFill>
+                  <a:schemeClr val="tx1"/>
+                </a:solidFill>
+                <a:latin typeface="+mn-lt"/>
+                <a:ea typeface="+mn-ea"/>
+                <a:cs typeface="+mn-cs"/>
+              </a:defRPr>
+            </a:lvl5pPr>
+            <a:lvl6pPr marL="2286000" algn="l" defTabSz="914400" rtl="0" eaLnBrk="1" latinLnBrk="0" hangingPunct="1">
+              <a:defRPr sz="1800" kern="1200">
+                <a:solidFill>
+                  <a:schemeClr val="tx1"/>
+                </a:solidFill>
+                <a:latin typeface="+mn-lt"/>
+                <a:ea typeface="+mn-ea"/>
+                <a:cs typeface="+mn-cs"/>
+              </a:defRPr>
+            </a:lvl6pPr>
+            <a:lvl7pPr marL="2743200" algn="l" defTabSz="914400" rtl="0" eaLnBrk="1" latinLnBrk="0" hangingPunct="1">
+              <a:defRPr sz="1800" kern="1200">
+                <a:solidFill>
+                  <a:schemeClr val="tx1"/>
+                </a:solidFill>
+                <a:latin typeface="+mn-lt"/>
+                <a:ea typeface="+mn-ea"/>
+                <a:cs typeface="+mn-cs"/>
+              </a:defRPr>
+            </a:lvl7pPr>
+            <a:lvl8pPr marL="3200400" algn="l" defTabSz="914400" rtl="0" eaLnBrk="1" latinLnBrk="0" hangingPunct="1">
+              <a:defRPr sz="1800" kern="1200">
+                <a:solidFill>
+                  <a:schemeClr val="tx1"/>
+                </a:solidFill>
+                <a:latin typeface="+mn-lt"/>
+                <a:ea typeface="+mn-ea"/>
+                <a:cs typeface="+mn-cs"/>
+              </a:defRPr>
+            </a:lvl8pPr>
+            <a:lvl9pPr marL="3657600" algn="l" defTabSz="914400" rtl="0" eaLnBrk="1" latinLnBrk="0" hangingPunct="1">
+              <a:defRPr sz="1800" kern="1200">
+                <a:solidFill>
+                  <a:schemeClr val="tx1"/>
+                </a:solidFill>
+                <a:latin typeface="+mn-lt"/>
+                <a:ea typeface="+mn-ea"/>
+                <a:cs typeface="+mn-cs"/>
+              </a:defRPr>
+            </a:lvl9pPr>
+          </a:lstStyle>
+          <a:p>
+            <a:r>
+              <a:rPr lang="en-GB" sz="1600" dirty="0">
+                <a:solidFill>
+                  <a:srgbClr val="FF0000"/>
+                </a:solidFill>
+              </a:rPr>
+              <a:t>+</a:t>
+            </a:r>
+          </a:p>
+        </p:txBody>
+      </p:sp>
+      <p:sp>
+        <p:nvSpPr>
+          <p:cNvPr id="21" name="TextBox 18">
+            <a:extLst>
+              <a:ext uri="{FF2B5EF4-FFF2-40B4-BE49-F238E27FC236}">
+                <a16:creationId xmlns:a16="http://schemas.microsoft.com/office/drawing/2014/main" id="{52FD4BC1-ED37-4A2E-88CB-A88B97ADCCD4}"/>
+              </a:ext>
+            </a:extLst>
+          </p:cNvPr>
+          <p:cNvSpPr txBox="1"/>
+          <p:nvPr/>
+        </p:nvSpPr>
+        <p:spPr>
+          <a:xfrm>
+            <a:off x="2382386" y="1214021"/>
+            <a:ext cx="287258" cy="338554"/>
+          </a:xfrm>
+          <a:prstGeom prst="rect">
+            <a:avLst/>
+          </a:prstGeom>
+          <a:noFill/>
+        </p:spPr>
+        <p:txBody>
+          <a:bodyPr wrap="none" rtlCol="0">
+            <a:spAutoFit/>
+          </a:bodyPr>
+          <a:lstStyle>
+            <a:defPPr>
+              <a:defRPr lang="en-US"/>
+            </a:defPPr>
+            <a:lvl1pPr marL="0" algn="l" defTabSz="914400" rtl="0" eaLnBrk="1" latinLnBrk="0" hangingPunct="1">
+              <a:defRPr sz="1800" kern="1200">
+                <a:solidFill>
+                  <a:schemeClr val="tx1"/>
+                </a:solidFill>
+                <a:latin typeface="+mn-lt"/>
+                <a:ea typeface="+mn-ea"/>
+                <a:cs typeface="+mn-cs"/>
+              </a:defRPr>
+            </a:lvl1pPr>
+            <a:lvl2pPr marL="457200" algn="l" defTabSz="914400" rtl="0" eaLnBrk="1" latinLnBrk="0" hangingPunct="1">
+              <a:defRPr sz="1800" kern="1200">
+                <a:solidFill>
+                  <a:schemeClr val="tx1"/>
+                </a:solidFill>
+                <a:latin typeface="+mn-lt"/>
+                <a:ea typeface="+mn-ea"/>
+                <a:cs typeface="+mn-cs"/>
+              </a:defRPr>
+            </a:lvl2pPr>
+            <a:lvl3pPr marL="914400" algn="l" defTabSz="914400" rtl="0" eaLnBrk="1" latinLnBrk="0" hangingPunct="1">
+              <a:defRPr sz="1800" kern="1200">
+                <a:solidFill>
+                  <a:schemeClr val="tx1"/>
+                </a:solidFill>
+                <a:latin typeface="+mn-lt"/>
+                <a:ea typeface="+mn-ea"/>
+                <a:cs typeface="+mn-cs"/>
+              </a:defRPr>
+            </a:lvl3pPr>
+            <a:lvl4pPr marL="1371600" algn="l" defTabSz="914400" rtl="0" eaLnBrk="1" latinLnBrk="0" hangingPunct="1">
+              <a:defRPr sz="1800" kern="1200">
+                <a:solidFill>
+                  <a:schemeClr val="tx1"/>
+                </a:solidFill>
+                <a:latin typeface="+mn-lt"/>
+                <a:ea typeface="+mn-ea"/>
+                <a:cs typeface="+mn-cs"/>
+              </a:defRPr>
+            </a:lvl4pPr>
+            <a:lvl5pPr marL="1828800" algn="l" defTabSz="914400" rtl="0" eaLnBrk="1" latinLnBrk="0" hangingPunct="1">
+              <a:defRPr sz="1800" kern="1200">
+                <a:solidFill>
+                  <a:schemeClr val="tx1"/>
+                </a:solidFill>
+                <a:latin typeface="+mn-lt"/>
+                <a:ea typeface="+mn-ea"/>
+                <a:cs typeface="+mn-cs"/>
+              </a:defRPr>
+            </a:lvl5pPr>
+            <a:lvl6pPr marL="2286000" algn="l" defTabSz="914400" rtl="0" eaLnBrk="1" latinLnBrk="0" hangingPunct="1">
+              <a:defRPr sz="1800" kern="1200">
+                <a:solidFill>
+                  <a:schemeClr val="tx1"/>
+                </a:solidFill>
+                <a:latin typeface="+mn-lt"/>
+                <a:ea typeface="+mn-ea"/>
+                <a:cs typeface="+mn-cs"/>
+              </a:defRPr>
+            </a:lvl6pPr>
+            <a:lvl7pPr marL="2743200" algn="l" defTabSz="914400" rtl="0" eaLnBrk="1" latinLnBrk="0" hangingPunct="1">
+              <a:defRPr sz="1800" kern="1200">
+                <a:solidFill>
+                  <a:schemeClr val="tx1"/>
+                </a:solidFill>
+                <a:latin typeface="+mn-lt"/>
+                <a:ea typeface="+mn-ea"/>
+                <a:cs typeface="+mn-cs"/>
+              </a:defRPr>
+            </a:lvl7pPr>
+            <a:lvl8pPr marL="3200400" algn="l" defTabSz="914400" rtl="0" eaLnBrk="1" latinLnBrk="0" hangingPunct="1">
+              <a:defRPr sz="1800" kern="1200">
+                <a:solidFill>
+                  <a:schemeClr val="tx1"/>
+                </a:solidFill>
+                <a:latin typeface="+mn-lt"/>
+                <a:ea typeface="+mn-ea"/>
+                <a:cs typeface="+mn-cs"/>
+              </a:defRPr>
+            </a:lvl8pPr>
+            <a:lvl9pPr marL="3657600" algn="l" defTabSz="914400" rtl="0" eaLnBrk="1" latinLnBrk="0" hangingPunct="1">
+              <a:defRPr sz="1800" kern="1200">
+                <a:solidFill>
+                  <a:schemeClr val="tx1"/>
+                </a:solidFill>
+                <a:latin typeface="+mn-lt"/>
+                <a:ea typeface="+mn-ea"/>
+                <a:cs typeface="+mn-cs"/>
+              </a:defRPr>
+            </a:lvl9pPr>
+          </a:lstStyle>
+          <a:p>
+            <a:r>
+              <a:rPr lang="en-GB" sz="1600" dirty="0">
+                <a:solidFill>
+                  <a:srgbClr val="FF0000"/>
+                </a:solidFill>
+              </a:rPr>
+              <a:t>+</a:t>
+            </a:r>
+          </a:p>
+        </p:txBody>
+      </p:sp>
+      <p:sp>
+        <p:nvSpPr>
+          <p:cNvPr id="22" name="TextBox 18">
+            <a:extLst>
+              <a:ext uri="{FF2B5EF4-FFF2-40B4-BE49-F238E27FC236}">
+                <a16:creationId xmlns:a16="http://schemas.microsoft.com/office/drawing/2014/main" id="{52FD4BC1-ED37-4A2E-88CB-A88B97ADCCD4}"/>
+              </a:ext>
+            </a:extLst>
+          </p:cNvPr>
+          <p:cNvSpPr txBox="1"/>
+          <p:nvPr/>
+        </p:nvSpPr>
+        <p:spPr>
+          <a:xfrm>
+            <a:off x="2878728" y="1018906"/>
+            <a:ext cx="247184" cy="338554"/>
+          </a:xfrm>
+          <a:prstGeom prst="rect">
+            <a:avLst/>
+          </a:prstGeom>
+          <a:noFill/>
+        </p:spPr>
+        <p:txBody>
+          <a:bodyPr wrap="none" rtlCol="0">
+            <a:spAutoFit/>
+          </a:bodyPr>
+          <a:lstStyle>
+            <a:defPPr>
+              <a:defRPr lang="en-US"/>
+            </a:defPPr>
+            <a:lvl1pPr marL="0" algn="l" defTabSz="914400" rtl="0" eaLnBrk="1" latinLnBrk="0" hangingPunct="1">
+              <a:defRPr sz="1800" kern="1200">
+                <a:solidFill>
+                  <a:schemeClr val="tx1"/>
+                </a:solidFill>
+                <a:latin typeface="+mn-lt"/>
+                <a:ea typeface="+mn-ea"/>
+                <a:cs typeface="+mn-cs"/>
+              </a:defRPr>
+            </a:lvl1pPr>
+            <a:lvl2pPr marL="457200" algn="l" defTabSz="914400" rtl="0" eaLnBrk="1" latinLnBrk="0" hangingPunct="1">
+              <a:defRPr sz="1800" kern="1200">
+                <a:solidFill>
+                  <a:schemeClr val="tx1"/>
+                </a:solidFill>
+                <a:latin typeface="+mn-lt"/>
+                <a:ea typeface="+mn-ea"/>
+                <a:cs typeface="+mn-cs"/>
+              </a:defRPr>
+            </a:lvl2pPr>
+            <a:lvl3pPr marL="914400" algn="l" defTabSz="914400" rtl="0" eaLnBrk="1" latinLnBrk="0" hangingPunct="1">
+              <a:defRPr sz="1800" kern="1200">
+                <a:solidFill>
+                  <a:schemeClr val="tx1"/>
+                </a:solidFill>
+                <a:latin typeface="+mn-lt"/>
+                <a:ea typeface="+mn-ea"/>
+                <a:cs typeface="+mn-cs"/>
+              </a:defRPr>
+            </a:lvl3pPr>
+            <a:lvl4pPr marL="1371600" algn="l" defTabSz="914400" rtl="0" eaLnBrk="1" latinLnBrk="0" hangingPunct="1">
+              <a:defRPr sz="1800" kern="1200">
+                <a:solidFill>
+                  <a:schemeClr val="tx1"/>
+                </a:solidFill>
+                <a:latin typeface="+mn-lt"/>
+                <a:ea typeface="+mn-ea"/>
+                <a:cs typeface="+mn-cs"/>
+              </a:defRPr>
+            </a:lvl4pPr>
+            <a:lvl5pPr marL="1828800" algn="l" defTabSz="914400" rtl="0" eaLnBrk="1" latinLnBrk="0" hangingPunct="1">
+              <a:defRPr sz="1800" kern="1200">
+                <a:solidFill>
+                  <a:schemeClr val="tx1"/>
+                </a:solidFill>
+                <a:latin typeface="+mn-lt"/>
+                <a:ea typeface="+mn-ea"/>
+                <a:cs typeface="+mn-cs"/>
+              </a:defRPr>
+            </a:lvl5pPr>
+            <a:lvl6pPr marL="2286000" algn="l" defTabSz="914400" rtl="0" eaLnBrk="1" latinLnBrk="0" hangingPunct="1">
+              <a:defRPr sz="1800" kern="1200">
+                <a:solidFill>
+                  <a:schemeClr val="tx1"/>
+                </a:solidFill>
+                <a:latin typeface="+mn-lt"/>
+                <a:ea typeface="+mn-ea"/>
+                <a:cs typeface="+mn-cs"/>
+              </a:defRPr>
+            </a:lvl6pPr>
+            <a:lvl7pPr marL="2743200" algn="l" defTabSz="914400" rtl="0" eaLnBrk="1" latinLnBrk="0" hangingPunct="1">
+              <a:defRPr sz="1800" kern="1200">
+                <a:solidFill>
+                  <a:schemeClr val="tx1"/>
+                </a:solidFill>
+                <a:latin typeface="+mn-lt"/>
+                <a:ea typeface="+mn-ea"/>
+                <a:cs typeface="+mn-cs"/>
+              </a:defRPr>
+            </a:lvl7pPr>
+            <a:lvl8pPr marL="3200400" algn="l" defTabSz="914400" rtl="0" eaLnBrk="1" latinLnBrk="0" hangingPunct="1">
+              <a:defRPr sz="1800" kern="1200">
+                <a:solidFill>
+                  <a:schemeClr val="tx1"/>
+                </a:solidFill>
+                <a:latin typeface="+mn-lt"/>
+                <a:ea typeface="+mn-ea"/>
+                <a:cs typeface="+mn-cs"/>
+              </a:defRPr>
+            </a:lvl8pPr>
+            <a:lvl9pPr marL="3657600" algn="l" defTabSz="914400" rtl="0" eaLnBrk="1" latinLnBrk="0" hangingPunct="1">
+              <a:defRPr sz="1800" kern="1200">
+                <a:solidFill>
+                  <a:schemeClr val="tx1"/>
+                </a:solidFill>
+                <a:latin typeface="+mn-lt"/>
+                <a:ea typeface="+mn-ea"/>
+                <a:cs typeface="+mn-cs"/>
+              </a:defRPr>
+            </a:lvl9pPr>
+          </a:lstStyle>
+          <a:p>
+            <a:r>
+              <a:rPr lang="en-GB" sz="1600" dirty="0">
+                <a:solidFill>
+                  <a:srgbClr val="FF0000"/>
+                </a:solidFill>
+              </a:rPr>
+              <a:t>-</a:t>
+            </a:r>
+          </a:p>
+        </p:txBody>
+      </p:sp>
+      <p:sp>
+        <p:nvSpPr>
+          <p:cNvPr id="23" name="TextBox 18">
+            <a:extLst>
+              <a:ext uri="{FF2B5EF4-FFF2-40B4-BE49-F238E27FC236}">
+                <a16:creationId xmlns:a16="http://schemas.microsoft.com/office/drawing/2014/main" id="{7B9843E1-4ECC-4D7A-882B-3EFB70CE9A86}"/>
+              </a:ext>
+            </a:extLst>
+          </p:cNvPr>
+          <p:cNvSpPr txBox="1"/>
+          <p:nvPr/>
+        </p:nvSpPr>
+        <p:spPr>
+          <a:xfrm>
+            <a:off x="2669644" y="875467"/>
+            <a:ext cx="247184" cy="338554"/>
+          </a:xfrm>
+          <a:prstGeom prst="rect">
+            <a:avLst/>
+          </a:prstGeom>
+          <a:noFill/>
+        </p:spPr>
+        <p:txBody>
+          <a:bodyPr wrap="none" rtlCol="0">
+            <a:spAutoFit/>
+          </a:bodyPr>
+          <a:lstStyle>
+            <a:defPPr>
+              <a:defRPr lang="en-US"/>
+            </a:defPPr>
+            <a:lvl1pPr marL="0" algn="l" defTabSz="914400" rtl="0" eaLnBrk="1" latinLnBrk="0" hangingPunct="1">
+              <a:defRPr sz="1800" kern="1200">
+                <a:solidFill>
+                  <a:schemeClr val="tx1"/>
+                </a:solidFill>
+                <a:latin typeface="+mn-lt"/>
+                <a:ea typeface="+mn-ea"/>
+                <a:cs typeface="+mn-cs"/>
+              </a:defRPr>
+            </a:lvl1pPr>
+            <a:lvl2pPr marL="457200" algn="l" defTabSz="914400" rtl="0" eaLnBrk="1" latinLnBrk="0" hangingPunct="1">
+              <a:defRPr sz="1800" kern="1200">
+                <a:solidFill>
+                  <a:schemeClr val="tx1"/>
+                </a:solidFill>
+                <a:latin typeface="+mn-lt"/>
+                <a:ea typeface="+mn-ea"/>
+                <a:cs typeface="+mn-cs"/>
+              </a:defRPr>
+            </a:lvl2pPr>
+            <a:lvl3pPr marL="914400" algn="l" defTabSz="914400" rtl="0" eaLnBrk="1" latinLnBrk="0" hangingPunct="1">
+              <a:defRPr sz="1800" kern="1200">
+                <a:solidFill>
+                  <a:schemeClr val="tx1"/>
+                </a:solidFill>
+                <a:latin typeface="+mn-lt"/>
+                <a:ea typeface="+mn-ea"/>
+                <a:cs typeface="+mn-cs"/>
+              </a:defRPr>
+            </a:lvl3pPr>
+            <a:lvl4pPr marL="1371600" algn="l" defTabSz="914400" rtl="0" eaLnBrk="1" latinLnBrk="0" hangingPunct="1">
+              <a:defRPr sz="1800" kern="1200">
+                <a:solidFill>
+                  <a:schemeClr val="tx1"/>
+                </a:solidFill>
+                <a:latin typeface="+mn-lt"/>
+                <a:ea typeface="+mn-ea"/>
+                <a:cs typeface="+mn-cs"/>
+              </a:defRPr>
+            </a:lvl4pPr>
+            <a:lvl5pPr marL="1828800" algn="l" defTabSz="914400" rtl="0" eaLnBrk="1" latinLnBrk="0" hangingPunct="1">
+              <a:defRPr sz="1800" kern="1200">
+                <a:solidFill>
+                  <a:schemeClr val="tx1"/>
+                </a:solidFill>
+                <a:latin typeface="+mn-lt"/>
+                <a:ea typeface="+mn-ea"/>
+                <a:cs typeface="+mn-cs"/>
+              </a:defRPr>
+            </a:lvl5pPr>
+            <a:lvl6pPr marL="2286000" algn="l" defTabSz="914400" rtl="0" eaLnBrk="1" latinLnBrk="0" hangingPunct="1">
+              <a:defRPr sz="1800" kern="1200">
+                <a:solidFill>
+                  <a:schemeClr val="tx1"/>
+                </a:solidFill>
+                <a:latin typeface="+mn-lt"/>
+                <a:ea typeface="+mn-ea"/>
+                <a:cs typeface="+mn-cs"/>
+              </a:defRPr>
+            </a:lvl6pPr>
+            <a:lvl7pPr marL="2743200" algn="l" defTabSz="914400" rtl="0" eaLnBrk="1" latinLnBrk="0" hangingPunct="1">
+              <a:defRPr sz="1800" kern="1200">
+                <a:solidFill>
+                  <a:schemeClr val="tx1"/>
+                </a:solidFill>
+                <a:latin typeface="+mn-lt"/>
+                <a:ea typeface="+mn-ea"/>
+                <a:cs typeface="+mn-cs"/>
+              </a:defRPr>
+            </a:lvl7pPr>
+            <a:lvl8pPr marL="3200400" algn="l" defTabSz="914400" rtl="0" eaLnBrk="1" latinLnBrk="0" hangingPunct="1">
+              <a:defRPr sz="1800" kern="1200">
+                <a:solidFill>
+                  <a:schemeClr val="tx1"/>
+                </a:solidFill>
+                <a:latin typeface="+mn-lt"/>
+                <a:ea typeface="+mn-ea"/>
+                <a:cs typeface="+mn-cs"/>
+              </a:defRPr>
+            </a:lvl8pPr>
+            <a:lvl9pPr marL="3657600" algn="l" defTabSz="914400" rtl="0" eaLnBrk="1" latinLnBrk="0" hangingPunct="1">
+              <a:defRPr sz="1800" kern="1200">
+                <a:solidFill>
+                  <a:schemeClr val="tx1"/>
+                </a:solidFill>
+                <a:latin typeface="+mn-lt"/>
+                <a:ea typeface="+mn-ea"/>
+                <a:cs typeface="+mn-cs"/>
+              </a:defRPr>
+            </a:lvl9pPr>
+          </a:lstStyle>
+          <a:p>
+            <a:r>
+              <a:rPr lang="en-GB" sz="1600" dirty="0">
+                <a:solidFill>
+                  <a:srgbClr val="FF0000"/>
+                </a:solidFill>
+              </a:rPr>
+              <a:t>-</a:t>
+            </a:r>
+          </a:p>
+        </p:txBody>
+      </p:sp>
+      <p:sp>
+        <p:nvSpPr>
+          <p:cNvPr id="24" name="TextBox 18">
+            <a:extLst>
+              <a:ext uri="{FF2B5EF4-FFF2-40B4-BE49-F238E27FC236}">
+                <a16:creationId xmlns:a16="http://schemas.microsoft.com/office/drawing/2014/main" id="{9CB3A1AB-1A8B-4471-B884-6DCE1C174A2F}"/>
+              </a:ext>
+            </a:extLst>
+          </p:cNvPr>
+          <p:cNvSpPr txBox="1"/>
+          <p:nvPr/>
+        </p:nvSpPr>
+        <p:spPr>
+          <a:xfrm>
+            <a:off x="3095432" y="1128887"/>
+            <a:ext cx="247184" cy="338554"/>
+          </a:xfrm>
+          <a:prstGeom prst="rect">
+            <a:avLst/>
+          </a:prstGeom>
+          <a:noFill/>
+        </p:spPr>
+        <p:txBody>
+          <a:bodyPr wrap="none" rtlCol="0">
+            <a:spAutoFit/>
+          </a:bodyPr>
+          <a:lstStyle>
+            <a:defPPr>
+              <a:defRPr lang="en-US"/>
+            </a:defPPr>
+            <a:lvl1pPr marL="0" algn="l" defTabSz="914400" rtl="0" eaLnBrk="1" latinLnBrk="0" hangingPunct="1">
+              <a:defRPr sz="1800" kern="1200">
+                <a:solidFill>
+                  <a:schemeClr val="tx1"/>
+                </a:solidFill>
+                <a:latin typeface="+mn-lt"/>
+                <a:ea typeface="+mn-ea"/>
+                <a:cs typeface="+mn-cs"/>
+              </a:defRPr>
+            </a:lvl1pPr>
+            <a:lvl2pPr marL="457200" algn="l" defTabSz="914400" rtl="0" eaLnBrk="1" latinLnBrk="0" hangingPunct="1">
+              <a:defRPr sz="1800" kern="1200">
+                <a:solidFill>
+                  <a:schemeClr val="tx1"/>
+                </a:solidFill>
+                <a:latin typeface="+mn-lt"/>
+                <a:ea typeface="+mn-ea"/>
+                <a:cs typeface="+mn-cs"/>
+              </a:defRPr>
+            </a:lvl2pPr>
+            <a:lvl3pPr marL="914400" algn="l" defTabSz="914400" rtl="0" eaLnBrk="1" latinLnBrk="0" hangingPunct="1">
+              <a:defRPr sz="1800" kern="1200">
+                <a:solidFill>
+                  <a:schemeClr val="tx1"/>
+                </a:solidFill>
+                <a:latin typeface="+mn-lt"/>
+                <a:ea typeface="+mn-ea"/>
+                <a:cs typeface="+mn-cs"/>
+              </a:defRPr>
+            </a:lvl3pPr>
+            <a:lvl4pPr marL="1371600" algn="l" defTabSz="914400" rtl="0" eaLnBrk="1" latinLnBrk="0" hangingPunct="1">
+              <a:defRPr sz="1800" kern="1200">
+                <a:solidFill>
+                  <a:schemeClr val="tx1"/>
+                </a:solidFill>
+                <a:latin typeface="+mn-lt"/>
+                <a:ea typeface="+mn-ea"/>
+                <a:cs typeface="+mn-cs"/>
+              </a:defRPr>
+            </a:lvl4pPr>
+            <a:lvl5pPr marL="1828800" algn="l" defTabSz="914400" rtl="0" eaLnBrk="1" latinLnBrk="0" hangingPunct="1">
+              <a:defRPr sz="1800" kern="1200">
+                <a:solidFill>
+                  <a:schemeClr val="tx1"/>
+                </a:solidFill>
+                <a:latin typeface="+mn-lt"/>
+                <a:ea typeface="+mn-ea"/>
+                <a:cs typeface="+mn-cs"/>
+              </a:defRPr>
+            </a:lvl5pPr>
+            <a:lvl6pPr marL="2286000" algn="l" defTabSz="914400" rtl="0" eaLnBrk="1" latinLnBrk="0" hangingPunct="1">
+              <a:defRPr sz="1800" kern="1200">
+                <a:solidFill>
+                  <a:schemeClr val="tx1"/>
+                </a:solidFill>
+                <a:latin typeface="+mn-lt"/>
+                <a:ea typeface="+mn-ea"/>
+                <a:cs typeface="+mn-cs"/>
+              </a:defRPr>
+            </a:lvl6pPr>
+            <a:lvl7pPr marL="2743200" algn="l" defTabSz="914400" rtl="0" eaLnBrk="1" latinLnBrk="0" hangingPunct="1">
+              <a:defRPr sz="1800" kern="1200">
+                <a:solidFill>
+                  <a:schemeClr val="tx1"/>
+                </a:solidFill>
+                <a:latin typeface="+mn-lt"/>
+                <a:ea typeface="+mn-ea"/>
+                <a:cs typeface="+mn-cs"/>
+              </a:defRPr>
+            </a:lvl7pPr>
+            <a:lvl8pPr marL="3200400" algn="l" defTabSz="914400" rtl="0" eaLnBrk="1" latinLnBrk="0" hangingPunct="1">
+              <a:defRPr sz="1800" kern="1200">
+                <a:solidFill>
+                  <a:schemeClr val="tx1"/>
+                </a:solidFill>
+                <a:latin typeface="+mn-lt"/>
+                <a:ea typeface="+mn-ea"/>
+                <a:cs typeface="+mn-cs"/>
+              </a:defRPr>
+            </a:lvl8pPr>
+            <a:lvl9pPr marL="3657600" algn="l" defTabSz="914400" rtl="0" eaLnBrk="1" latinLnBrk="0" hangingPunct="1">
+              <a:defRPr sz="1800" kern="1200">
+                <a:solidFill>
+                  <a:schemeClr val="tx1"/>
+                </a:solidFill>
+                <a:latin typeface="+mn-lt"/>
+                <a:ea typeface="+mn-ea"/>
+                <a:cs typeface="+mn-cs"/>
+              </a:defRPr>
+            </a:lvl9pPr>
+          </a:lstStyle>
+          <a:p>
+            <a:r>
+              <a:rPr lang="en-GB" sz="1600" dirty="0">
+                <a:solidFill>
+                  <a:srgbClr val="FF0000"/>
+                </a:solidFill>
+              </a:rPr>
+              <a:t>-</a:t>
+            </a:r>
+          </a:p>
+        </p:txBody>
+      </p:sp>
+    </p:spTree>
+    <p:extLst>
+      <p:ext uri="{BB962C8B-B14F-4D97-AF65-F5344CB8AC3E}">
+        <p14:creationId xmlns:p14="http://schemas.microsoft.com/office/powerpoint/2010/main" val="1589991352"/>
+      </p:ext>
+    </p:extLst>
+  </p:cSld>
+  <p:clrMapOvr>
+    <a:masterClrMapping/>
+  </p:clrMapOvr>
+</p:sld>
+</file>
+
 <file path=ppt/theme/theme1.xml><?xml version="1.0" encoding="utf-8"?>
 <a:theme xmlns:a="http://schemas.openxmlformats.org/drawingml/2006/main" name="Office Theme">
   <a:themeElements>

--- a/doc/figures/digrams.pptx
+++ b/doc/figures/digrams.pptx
@@ -10,6 +10,7 @@
     <p:sldId id="259" r:id="rId4"/>
     <p:sldId id="260" r:id="rId5"/>
     <p:sldId id="261" r:id="rId6"/>
+    <p:sldId id="262" r:id="rId7"/>
   </p:sldIdLst>
   <p:sldSz cx="12192000" cy="6858000"/>
   <p:notesSz cx="6858000" cy="9144000"/>
@@ -15946,7 +15947,7 @@
           <a:p>
             <a:fld id="{2A844B6E-13D7-45EE-A349-87AD0FAFCC0F}" type="datetimeFigureOut">
               <a:rPr lang="en-GB" smtClean="0"/>
-              <a:t>02/04/2021</a:t>
+              <a:t>03/04/2021</a:t>
             </a:fld>
             <a:endParaRPr lang="en-GB"/>
           </a:p>
@@ -16146,7 +16147,7 @@
           <a:p>
             <a:fld id="{2A844B6E-13D7-45EE-A349-87AD0FAFCC0F}" type="datetimeFigureOut">
               <a:rPr lang="en-GB" smtClean="0"/>
-              <a:t>02/04/2021</a:t>
+              <a:t>03/04/2021</a:t>
             </a:fld>
             <a:endParaRPr lang="en-GB"/>
           </a:p>
@@ -16356,7 +16357,7 @@
           <a:p>
             <a:fld id="{2A844B6E-13D7-45EE-A349-87AD0FAFCC0F}" type="datetimeFigureOut">
               <a:rPr lang="en-GB" smtClean="0"/>
-              <a:t>02/04/2021</a:t>
+              <a:t>03/04/2021</a:t>
             </a:fld>
             <a:endParaRPr lang="en-GB"/>
           </a:p>
@@ -16556,7 +16557,7 @@
           <a:p>
             <a:fld id="{2A844B6E-13D7-45EE-A349-87AD0FAFCC0F}" type="datetimeFigureOut">
               <a:rPr lang="en-GB" smtClean="0"/>
-              <a:t>02/04/2021</a:t>
+              <a:t>03/04/2021</a:t>
             </a:fld>
             <a:endParaRPr lang="en-GB"/>
           </a:p>
@@ -16832,7 +16833,7 @@
           <a:p>
             <a:fld id="{2A844B6E-13D7-45EE-A349-87AD0FAFCC0F}" type="datetimeFigureOut">
               <a:rPr lang="en-GB" smtClean="0"/>
-              <a:t>02/04/2021</a:t>
+              <a:t>03/04/2021</a:t>
             </a:fld>
             <a:endParaRPr lang="en-GB"/>
           </a:p>
@@ -17100,7 +17101,7 @@
           <a:p>
             <a:fld id="{2A844B6E-13D7-45EE-A349-87AD0FAFCC0F}" type="datetimeFigureOut">
               <a:rPr lang="en-GB" smtClean="0"/>
-              <a:t>02/04/2021</a:t>
+              <a:t>03/04/2021</a:t>
             </a:fld>
             <a:endParaRPr lang="en-GB"/>
           </a:p>
@@ -17515,7 +17516,7 @@
           <a:p>
             <a:fld id="{2A844B6E-13D7-45EE-A349-87AD0FAFCC0F}" type="datetimeFigureOut">
               <a:rPr lang="en-GB" smtClean="0"/>
-              <a:t>02/04/2021</a:t>
+              <a:t>03/04/2021</a:t>
             </a:fld>
             <a:endParaRPr lang="en-GB"/>
           </a:p>
@@ -17657,7 +17658,7 @@
           <a:p>
             <a:fld id="{2A844B6E-13D7-45EE-A349-87AD0FAFCC0F}" type="datetimeFigureOut">
               <a:rPr lang="en-GB" smtClean="0"/>
-              <a:t>02/04/2021</a:t>
+              <a:t>03/04/2021</a:t>
             </a:fld>
             <a:endParaRPr lang="en-GB"/>
           </a:p>
@@ -17770,7 +17771,7 @@
           <a:p>
             <a:fld id="{2A844B6E-13D7-45EE-A349-87AD0FAFCC0F}" type="datetimeFigureOut">
               <a:rPr lang="en-GB" smtClean="0"/>
-              <a:t>02/04/2021</a:t>
+              <a:t>03/04/2021</a:t>
             </a:fld>
             <a:endParaRPr lang="en-GB"/>
           </a:p>
@@ -18083,7 +18084,7 @@
           <a:p>
             <a:fld id="{2A844B6E-13D7-45EE-A349-87AD0FAFCC0F}" type="datetimeFigureOut">
               <a:rPr lang="en-GB" smtClean="0"/>
-              <a:t>02/04/2021</a:t>
+              <a:t>03/04/2021</a:t>
             </a:fld>
             <a:endParaRPr lang="en-GB"/>
           </a:p>
@@ -18372,7 +18373,7 @@
           <a:p>
             <a:fld id="{2A844B6E-13D7-45EE-A349-87AD0FAFCC0F}" type="datetimeFigureOut">
               <a:rPr lang="en-GB" smtClean="0"/>
-              <a:t>02/04/2021</a:t>
+              <a:t>03/04/2021</a:t>
             </a:fld>
             <a:endParaRPr lang="en-GB"/>
           </a:p>
@@ -18615,7 +18616,7 @@
           <a:p>
             <a:fld id="{2A844B6E-13D7-45EE-A349-87AD0FAFCC0F}" type="datetimeFigureOut">
               <a:rPr lang="en-GB" smtClean="0"/>
-              <a:t>02/04/2021</a:t>
+              <a:t>03/04/2021</a:t>
             </a:fld>
             <a:endParaRPr lang="en-GB"/>
           </a:p>
@@ -23811,6 +23812,142 @@
 </p:sld>
 </file>
 
+<file path=ppt/slides/slide6.xml><?xml version="1.0" encoding="utf-8"?>
+<p:sld xmlns:a="http://schemas.openxmlformats.org/drawingml/2006/main" xmlns:r="http://schemas.openxmlformats.org/officeDocument/2006/relationships" xmlns:p="http://schemas.openxmlformats.org/presentationml/2006/main">
+  <p:cSld>
+    <p:spTree>
+      <p:nvGrpSpPr>
+        <p:cNvPr id="1" name=""/>
+        <p:cNvGrpSpPr/>
+        <p:nvPr/>
+      </p:nvGrpSpPr>
+      <p:grpSpPr>
+        <a:xfrm>
+          <a:off x="0" y="0"/>
+          <a:ext cx="0" cy="0"/>
+          <a:chOff x="0" y="0"/>
+          <a:chExt cx="0" cy="0"/>
+        </a:xfrm>
+      </p:grpSpPr>
+      <p:pic>
+        <p:nvPicPr>
+          <p:cNvPr id="11" name="Picture 10">
+            <a:extLst>
+              <a:ext uri="{FF2B5EF4-FFF2-40B4-BE49-F238E27FC236}">
+                <a16:creationId xmlns:a16="http://schemas.microsoft.com/office/drawing/2014/main" id="{8D6E9EA5-071C-4183-8291-B352B3B019ED}"/>
+              </a:ext>
+            </a:extLst>
+          </p:cNvPr>
+          <p:cNvPicPr>
+            <a:picLocks noChangeAspect="1"/>
+          </p:cNvPicPr>
+          <p:nvPr/>
+        </p:nvPicPr>
+        <p:blipFill>
+          <a:blip r:embed="rId2"/>
+          <a:stretch>
+            <a:fillRect/>
+          </a:stretch>
+        </p:blipFill>
+        <p:spPr>
+          <a:xfrm>
+            <a:off x="1424571" y="1029000"/>
+            <a:ext cx="9342857" cy="4800000"/>
+          </a:xfrm>
+          <a:prstGeom prst="rect">
+            <a:avLst/>
+          </a:prstGeom>
+        </p:spPr>
+      </p:pic>
+      <p:pic>
+        <p:nvPicPr>
+          <p:cNvPr id="6" name="Picture 5">
+            <a:extLst>
+              <a:ext uri="{FF2B5EF4-FFF2-40B4-BE49-F238E27FC236}">
+                <a16:creationId xmlns:a16="http://schemas.microsoft.com/office/drawing/2014/main" id="{77215AA2-08FC-44BD-9E54-7FDF42789E60}"/>
+              </a:ext>
+            </a:extLst>
+          </p:cNvPr>
+          <p:cNvPicPr>
+            <a:picLocks noChangeAspect="1"/>
+          </p:cNvPicPr>
+          <p:nvPr/>
+        </p:nvPicPr>
+        <p:blipFill>
+          <a:blip r:embed="rId3"/>
+          <a:stretch>
+            <a:fillRect/>
+          </a:stretch>
+        </p:blipFill>
+        <p:spPr>
+          <a:xfrm>
+            <a:off x="6612649" y="3183352"/>
+            <a:ext cx="2924755" cy="1786695"/>
+          </a:xfrm>
+          <a:prstGeom prst="rect">
+            <a:avLst/>
+          </a:prstGeom>
+        </p:spPr>
+      </p:pic>
+      <p:cxnSp>
+        <p:nvCxnSpPr>
+          <p:cNvPr id="9" name="Straight Arrow Connector 8">
+            <a:extLst>
+              <a:ext uri="{FF2B5EF4-FFF2-40B4-BE49-F238E27FC236}">
+                <a16:creationId xmlns:a16="http://schemas.microsoft.com/office/drawing/2014/main" id="{114D4EDE-0AE9-40F7-AE6D-B2F36701BFF6}"/>
+              </a:ext>
+            </a:extLst>
+          </p:cNvPr>
+          <p:cNvCxnSpPr>
+            <a:cxnSpLocks/>
+          </p:cNvCxnSpPr>
+          <p:nvPr/>
+        </p:nvCxnSpPr>
+        <p:spPr>
+          <a:xfrm>
+            <a:off x="5204460" y="3337560"/>
+            <a:ext cx="2720340" cy="739139"/>
+          </a:xfrm>
+          <a:prstGeom prst="straightConnector1">
+            <a:avLst/>
+          </a:prstGeom>
+          <a:ln w="38100">
+            <a:solidFill>
+              <a:srgbClr val="FF0000">
+                <a:alpha val="54000"/>
+              </a:srgbClr>
+            </a:solidFill>
+            <a:tailEnd type="triangle"/>
+          </a:ln>
+        </p:spPr>
+        <p:style>
+          <a:lnRef idx="1">
+            <a:schemeClr val="accent1"/>
+          </a:lnRef>
+          <a:fillRef idx="0">
+            <a:schemeClr val="accent1"/>
+          </a:fillRef>
+          <a:effectRef idx="0">
+            <a:schemeClr val="accent1"/>
+          </a:effectRef>
+          <a:fontRef idx="minor">
+            <a:schemeClr val="tx1"/>
+          </a:fontRef>
+        </p:style>
+      </p:cxnSp>
+    </p:spTree>
+    <p:extLst>
+      <p:ext uri="{BB962C8B-B14F-4D97-AF65-F5344CB8AC3E}">
+        <p14:creationId xmlns:p14="http://schemas.microsoft.com/office/powerpoint/2010/main" val="1536830187"/>
+      </p:ext>
+    </p:extLst>
+  </p:cSld>
+  <p:clrMapOvr>
+    <a:masterClrMapping/>
+  </p:clrMapOvr>
+</p:sld>
+</file>
+
 <file path=ppt/theme/theme1.xml><?xml version="1.0" encoding="utf-8"?>
 <a:theme xmlns:a="http://schemas.openxmlformats.org/drawingml/2006/main" name="Office Theme">
   <a:themeElements>

--- a/doc/figures/digrams.pptx
+++ b/doc/figures/digrams.pptx
@@ -9,8 +9,9 @@
     <p:sldId id="258" r:id="rId3"/>
     <p:sldId id="259" r:id="rId4"/>
     <p:sldId id="260" r:id="rId5"/>
-    <p:sldId id="261" r:id="rId6"/>
-    <p:sldId id="262" r:id="rId7"/>
+    <p:sldId id="263" r:id="rId6"/>
+    <p:sldId id="261" r:id="rId7"/>
+    <p:sldId id="262" r:id="rId8"/>
   </p:sldIdLst>
   <p:sldSz cx="12192000" cy="6858000"/>
   <p:notesSz cx="6858000" cy="9144000"/>
@@ -15947,7 +15948,7 @@
           <a:p>
             <a:fld id="{2A844B6E-13D7-45EE-A349-87AD0FAFCC0F}" type="datetimeFigureOut">
               <a:rPr lang="en-GB" smtClean="0"/>
-              <a:t>03/04/2021</a:t>
+              <a:t>05/04/2021</a:t>
             </a:fld>
             <a:endParaRPr lang="en-GB"/>
           </a:p>
@@ -16147,7 +16148,7 @@
           <a:p>
             <a:fld id="{2A844B6E-13D7-45EE-A349-87AD0FAFCC0F}" type="datetimeFigureOut">
               <a:rPr lang="en-GB" smtClean="0"/>
-              <a:t>03/04/2021</a:t>
+              <a:t>05/04/2021</a:t>
             </a:fld>
             <a:endParaRPr lang="en-GB"/>
           </a:p>
@@ -16357,7 +16358,7 @@
           <a:p>
             <a:fld id="{2A844B6E-13D7-45EE-A349-87AD0FAFCC0F}" type="datetimeFigureOut">
               <a:rPr lang="en-GB" smtClean="0"/>
-              <a:t>03/04/2021</a:t>
+              <a:t>05/04/2021</a:t>
             </a:fld>
             <a:endParaRPr lang="en-GB"/>
           </a:p>
@@ -16557,7 +16558,7 @@
           <a:p>
             <a:fld id="{2A844B6E-13D7-45EE-A349-87AD0FAFCC0F}" type="datetimeFigureOut">
               <a:rPr lang="en-GB" smtClean="0"/>
-              <a:t>03/04/2021</a:t>
+              <a:t>05/04/2021</a:t>
             </a:fld>
             <a:endParaRPr lang="en-GB"/>
           </a:p>
@@ -16833,7 +16834,7 @@
           <a:p>
             <a:fld id="{2A844B6E-13D7-45EE-A349-87AD0FAFCC0F}" type="datetimeFigureOut">
               <a:rPr lang="en-GB" smtClean="0"/>
-              <a:t>03/04/2021</a:t>
+              <a:t>05/04/2021</a:t>
             </a:fld>
             <a:endParaRPr lang="en-GB"/>
           </a:p>
@@ -17101,7 +17102,7 @@
           <a:p>
             <a:fld id="{2A844B6E-13D7-45EE-A349-87AD0FAFCC0F}" type="datetimeFigureOut">
               <a:rPr lang="en-GB" smtClean="0"/>
-              <a:t>03/04/2021</a:t>
+              <a:t>05/04/2021</a:t>
             </a:fld>
             <a:endParaRPr lang="en-GB"/>
           </a:p>
@@ -17516,7 +17517,7 @@
           <a:p>
             <a:fld id="{2A844B6E-13D7-45EE-A349-87AD0FAFCC0F}" type="datetimeFigureOut">
               <a:rPr lang="en-GB" smtClean="0"/>
-              <a:t>03/04/2021</a:t>
+              <a:t>05/04/2021</a:t>
             </a:fld>
             <a:endParaRPr lang="en-GB"/>
           </a:p>
@@ -17658,7 +17659,7 @@
           <a:p>
             <a:fld id="{2A844B6E-13D7-45EE-A349-87AD0FAFCC0F}" type="datetimeFigureOut">
               <a:rPr lang="en-GB" smtClean="0"/>
-              <a:t>03/04/2021</a:t>
+              <a:t>05/04/2021</a:t>
             </a:fld>
             <a:endParaRPr lang="en-GB"/>
           </a:p>
@@ -17771,7 +17772,7 @@
           <a:p>
             <a:fld id="{2A844B6E-13D7-45EE-A349-87AD0FAFCC0F}" type="datetimeFigureOut">
               <a:rPr lang="en-GB" smtClean="0"/>
-              <a:t>03/04/2021</a:t>
+              <a:t>05/04/2021</a:t>
             </a:fld>
             <a:endParaRPr lang="en-GB"/>
           </a:p>
@@ -18084,7 +18085,7 @@
           <a:p>
             <a:fld id="{2A844B6E-13D7-45EE-A349-87AD0FAFCC0F}" type="datetimeFigureOut">
               <a:rPr lang="en-GB" smtClean="0"/>
-              <a:t>03/04/2021</a:t>
+              <a:t>05/04/2021</a:t>
             </a:fld>
             <a:endParaRPr lang="en-GB"/>
           </a:p>
@@ -18373,7 +18374,7 @@
           <a:p>
             <a:fld id="{2A844B6E-13D7-45EE-A349-87AD0FAFCC0F}" type="datetimeFigureOut">
               <a:rPr lang="en-GB" smtClean="0"/>
-              <a:t>03/04/2021</a:t>
+              <a:t>05/04/2021</a:t>
             </a:fld>
             <a:endParaRPr lang="en-GB"/>
           </a:p>
@@ -18616,7 +18617,7 @@
           <a:p>
             <a:fld id="{2A844B6E-13D7-45EE-A349-87AD0FAFCC0F}" type="datetimeFigureOut">
               <a:rPr lang="en-GB" smtClean="0"/>
-              <a:t>03/04/2021</a:t>
+              <a:t>05/04/2021</a:t>
             </a:fld>
             <a:endParaRPr lang="en-GB"/>
           </a:p>
@@ -22909,6 +22910,1217 @@
           <a:chExt cx="0" cy="0"/>
         </a:xfrm>
       </p:grpSpPr>
+      <p:grpSp>
+        <p:nvGrpSpPr>
+          <p:cNvPr id="20" name="Group 19">
+            <a:extLst>
+              <a:ext uri="{FF2B5EF4-FFF2-40B4-BE49-F238E27FC236}">
+                <a16:creationId xmlns:a16="http://schemas.microsoft.com/office/drawing/2014/main" id="{9CB4A4FB-04BA-4CD9-976B-29759275A918}"/>
+              </a:ext>
+            </a:extLst>
+          </p:cNvPr>
+          <p:cNvGrpSpPr/>
+          <p:nvPr/>
+        </p:nvGrpSpPr>
+        <p:grpSpPr>
+          <a:xfrm>
+            <a:off x="2019533" y="975968"/>
+            <a:ext cx="4499956" cy="4816277"/>
+            <a:chOff x="2188499" y="1174750"/>
+            <a:chExt cx="4499956" cy="4816277"/>
+          </a:xfrm>
+        </p:grpSpPr>
+        <p:sp>
+          <p:nvSpPr>
+            <p:cNvPr id="11" name="Rectangle 10">
+              <a:extLst>
+                <a:ext uri="{FF2B5EF4-FFF2-40B4-BE49-F238E27FC236}">
+                  <a16:creationId xmlns:a16="http://schemas.microsoft.com/office/drawing/2014/main" id="{EF223C68-6068-4E2E-AFB4-0AC0B3A32046}"/>
+                </a:ext>
+              </a:extLst>
+            </p:cNvPr>
+            <p:cNvSpPr/>
+            <p:nvPr/>
+          </p:nvSpPr>
+          <p:spPr>
+            <a:xfrm>
+              <a:off x="2188499" y="1657351"/>
+              <a:ext cx="4499956" cy="229724"/>
+            </a:xfrm>
+            <a:prstGeom prst="rect">
+              <a:avLst/>
+            </a:prstGeom>
+            <a:solidFill>
+              <a:schemeClr val="bg1">
+                <a:lumMod val="85000"/>
+              </a:schemeClr>
+            </a:solidFill>
+            <a:ln>
+              <a:noFill/>
+            </a:ln>
+          </p:spPr>
+          <p:style>
+            <a:lnRef idx="2">
+              <a:schemeClr val="accent1">
+                <a:shade val="50000"/>
+              </a:schemeClr>
+            </a:lnRef>
+            <a:fillRef idx="1">
+              <a:schemeClr val="accent1"/>
+            </a:fillRef>
+            <a:effectRef idx="0">
+              <a:schemeClr val="accent1"/>
+            </a:effectRef>
+            <a:fontRef idx="minor">
+              <a:schemeClr val="lt1"/>
+            </a:fontRef>
+          </p:style>
+          <p:txBody>
+            <a:bodyPr rtlCol="0" anchor="ctr"/>
+            <a:lstStyle/>
+            <a:p>
+              <a:pPr algn="ctr"/>
+              <a:endParaRPr lang="en-GB"/>
+            </a:p>
+          </p:txBody>
+        </p:sp>
+        <p:sp>
+          <p:nvSpPr>
+            <p:cNvPr id="5" name="Rectangle 4">
+              <a:extLst>
+                <a:ext uri="{FF2B5EF4-FFF2-40B4-BE49-F238E27FC236}">
+                  <a16:creationId xmlns:a16="http://schemas.microsoft.com/office/drawing/2014/main" id="{6EC54350-8B79-43B6-B237-1DAFD59C8EA7}"/>
+                </a:ext>
+              </a:extLst>
+            </p:cNvPr>
+            <p:cNvSpPr/>
+            <p:nvPr/>
+          </p:nvSpPr>
+          <p:spPr>
+            <a:xfrm>
+              <a:off x="2188500" y="1657350"/>
+              <a:ext cx="523702" cy="229725"/>
+            </a:xfrm>
+            <a:prstGeom prst="rect">
+              <a:avLst/>
+            </a:prstGeom>
+            <a:solidFill>
+              <a:schemeClr val="tx1">
+                <a:lumMod val="50000"/>
+                <a:lumOff val="50000"/>
+              </a:schemeClr>
+            </a:solidFill>
+            <a:ln>
+              <a:noFill/>
+            </a:ln>
+          </p:spPr>
+          <p:style>
+            <a:lnRef idx="2">
+              <a:schemeClr val="accent1">
+                <a:shade val="50000"/>
+              </a:schemeClr>
+            </a:lnRef>
+            <a:fillRef idx="1">
+              <a:schemeClr val="accent1"/>
+            </a:fillRef>
+            <a:effectRef idx="0">
+              <a:schemeClr val="accent1"/>
+            </a:effectRef>
+            <a:fontRef idx="minor">
+              <a:schemeClr val="lt1"/>
+            </a:fontRef>
+          </p:style>
+          <p:txBody>
+            <a:bodyPr rtlCol="0" anchor="ctr"/>
+            <a:lstStyle/>
+            <a:p>
+              <a:pPr algn="ctr"/>
+              <a:endParaRPr lang="en-GB"/>
+            </a:p>
+          </p:txBody>
+        </p:sp>
+        <p:sp>
+          <p:nvSpPr>
+            <p:cNvPr id="6" name="Rectangle 5">
+              <a:extLst>
+                <a:ext uri="{FF2B5EF4-FFF2-40B4-BE49-F238E27FC236}">
+                  <a16:creationId xmlns:a16="http://schemas.microsoft.com/office/drawing/2014/main" id="{9AC6F14A-60BE-46F7-A916-A6B926E34C7A}"/>
+                </a:ext>
+              </a:extLst>
+            </p:cNvPr>
+            <p:cNvSpPr/>
+            <p:nvPr/>
+          </p:nvSpPr>
+          <p:spPr>
+            <a:xfrm>
+              <a:off x="3643226" y="1657350"/>
+              <a:ext cx="1590504" cy="229725"/>
+            </a:xfrm>
+            <a:prstGeom prst="rect">
+              <a:avLst/>
+            </a:prstGeom>
+            <a:solidFill>
+              <a:schemeClr val="tx1">
+                <a:lumMod val="50000"/>
+                <a:lumOff val="50000"/>
+              </a:schemeClr>
+            </a:solidFill>
+            <a:ln>
+              <a:noFill/>
+            </a:ln>
+          </p:spPr>
+          <p:style>
+            <a:lnRef idx="2">
+              <a:schemeClr val="accent1">
+                <a:shade val="50000"/>
+              </a:schemeClr>
+            </a:lnRef>
+            <a:fillRef idx="1">
+              <a:schemeClr val="accent1"/>
+            </a:fillRef>
+            <a:effectRef idx="0">
+              <a:schemeClr val="accent1"/>
+            </a:effectRef>
+            <a:fontRef idx="minor">
+              <a:schemeClr val="lt1"/>
+            </a:fontRef>
+          </p:style>
+          <p:txBody>
+            <a:bodyPr rtlCol="0" anchor="ctr"/>
+            <a:lstStyle/>
+            <a:p>
+              <a:pPr algn="ctr"/>
+              <a:endParaRPr lang="en-GB"/>
+            </a:p>
+          </p:txBody>
+        </p:sp>
+        <p:sp>
+          <p:nvSpPr>
+            <p:cNvPr id="7" name="Rectangle 6">
+              <a:extLst>
+                <a:ext uri="{FF2B5EF4-FFF2-40B4-BE49-F238E27FC236}">
+                  <a16:creationId xmlns:a16="http://schemas.microsoft.com/office/drawing/2014/main" id="{2D3BBD6D-DD99-4150-8FD5-1EC50E7B038D}"/>
+                </a:ext>
+              </a:extLst>
+            </p:cNvPr>
+            <p:cNvSpPr/>
+            <p:nvPr/>
+          </p:nvSpPr>
+          <p:spPr>
+            <a:xfrm>
+              <a:off x="6164752" y="1657351"/>
+              <a:ext cx="523703" cy="229723"/>
+            </a:xfrm>
+            <a:prstGeom prst="rect">
+              <a:avLst/>
+            </a:prstGeom>
+            <a:solidFill>
+              <a:schemeClr val="tx1">
+                <a:lumMod val="50000"/>
+                <a:lumOff val="50000"/>
+              </a:schemeClr>
+            </a:solidFill>
+            <a:ln>
+              <a:noFill/>
+            </a:ln>
+          </p:spPr>
+          <p:style>
+            <a:lnRef idx="2">
+              <a:schemeClr val="accent1">
+                <a:shade val="50000"/>
+              </a:schemeClr>
+            </a:lnRef>
+            <a:fillRef idx="1">
+              <a:schemeClr val="accent1"/>
+            </a:fillRef>
+            <a:effectRef idx="0">
+              <a:schemeClr val="accent1"/>
+            </a:effectRef>
+            <a:fontRef idx="minor">
+              <a:schemeClr val="lt1"/>
+            </a:fontRef>
+          </p:style>
+          <p:txBody>
+            <a:bodyPr rtlCol="0" anchor="ctr"/>
+            <a:lstStyle/>
+            <a:p>
+              <a:pPr algn="ctr"/>
+              <a:endParaRPr lang="en-GB"/>
+            </a:p>
+          </p:txBody>
+        </p:sp>
+        <p:sp>
+          <p:nvSpPr>
+            <p:cNvPr id="8" name="Rectangle 7">
+              <a:extLst>
+                <a:ext uri="{FF2B5EF4-FFF2-40B4-BE49-F238E27FC236}">
+                  <a16:creationId xmlns:a16="http://schemas.microsoft.com/office/drawing/2014/main" id="{E5EA2C05-B497-4424-A31D-CAB61AD464BA}"/>
+                </a:ext>
+              </a:extLst>
+            </p:cNvPr>
+            <p:cNvSpPr/>
+            <p:nvPr/>
+          </p:nvSpPr>
+          <p:spPr>
+            <a:xfrm>
+              <a:off x="2849892" y="1483033"/>
+              <a:ext cx="649950" cy="401869"/>
+            </a:xfrm>
+            <a:prstGeom prst="rect">
+              <a:avLst/>
+            </a:prstGeom>
+            <a:solidFill>
+              <a:srgbClr val="0070C0"/>
+            </a:solidFill>
+            <a:ln>
+              <a:noFill/>
+            </a:ln>
+          </p:spPr>
+          <p:style>
+            <a:lnRef idx="2">
+              <a:schemeClr val="accent1">
+                <a:shade val="50000"/>
+              </a:schemeClr>
+            </a:lnRef>
+            <a:fillRef idx="1">
+              <a:schemeClr val="accent1"/>
+            </a:fillRef>
+            <a:effectRef idx="0">
+              <a:schemeClr val="accent1"/>
+            </a:effectRef>
+            <a:fontRef idx="minor">
+              <a:schemeClr val="lt1"/>
+            </a:fontRef>
+          </p:style>
+          <p:txBody>
+            <a:bodyPr rtlCol="0" anchor="ctr"/>
+            <a:lstStyle/>
+            <a:p>
+              <a:pPr algn="ctr"/>
+              <a:endParaRPr lang="en-GB"/>
+            </a:p>
+          </p:txBody>
+        </p:sp>
+        <p:sp>
+          <p:nvSpPr>
+            <p:cNvPr id="9" name="Rectangle 8">
+              <a:extLst>
+                <a:ext uri="{FF2B5EF4-FFF2-40B4-BE49-F238E27FC236}">
+                  <a16:creationId xmlns:a16="http://schemas.microsoft.com/office/drawing/2014/main" id="{F56B11C3-9F00-4CA4-9203-FCCFB194D489}"/>
+                </a:ext>
+              </a:extLst>
+            </p:cNvPr>
+            <p:cNvSpPr/>
+            <p:nvPr/>
+          </p:nvSpPr>
+          <p:spPr>
+            <a:xfrm>
+              <a:off x="5374266" y="1485205"/>
+              <a:ext cx="649950" cy="401869"/>
+            </a:xfrm>
+            <a:prstGeom prst="rect">
+              <a:avLst/>
+            </a:prstGeom>
+            <a:solidFill>
+              <a:srgbClr val="0070C0"/>
+            </a:solidFill>
+            <a:ln>
+              <a:noFill/>
+            </a:ln>
+          </p:spPr>
+          <p:style>
+            <a:lnRef idx="2">
+              <a:schemeClr val="accent1">
+                <a:shade val="50000"/>
+              </a:schemeClr>
+            </a:lnRef>
+            <a:fillRef idx="1">
+              <a:schemeClr val="accent1"/>
+            </a:fillRef>
+            <a:effectRef idx="0">
+              <a:schemeClr val="accent1"/>
+            </a:effectRef>
+            <a:fontRef idx="minor">
+              <a:schemeClr val="lt1"/>
+            </a:fontRef>
+          </p:style>
+          <p:txBody>
+            <a:bodyPr rtlCol="0" anchor="ctr"/>
+            <a:lstStyle/>
+            <a:p>
+              <a:pPr algn="ctr"/>
+              <a:endParaRPr lang="en-GB"/>
+            </a:p>
+          </p:txBody>
+        </p:sp>
+        <p:sp>
+          <p:nvSpPr>
+            <p:cNvPr id="10" name="Rectangle 9">
+              <a:extLst>
+                <a:ext uri="{FF2B5EF4-FFF2-40B4-BE49-F238E27FC236}">
+                  <a16:creationId xmlns:a16="http://schemas.microsoft.com/office/drawing/2014/main" id="{BA62C67F-8091-47A5-A43A-54A003B52D10}"/>
+                </a:ext>
+              </a:extLst>
+            </p:cNvPr>
+            <p:cNvSpPr/>
+            <p:nvPr/>
+          </p:nvSpPr>
+          <p:spPr>
+            <a:xfrm>
+              <a:off x="2188499" y="5683250"/>
+              <a:ext cx="4499956" cy="307777"/>
+            </a:xfrm>
+            <a:prstGeom prst="rect">
+              <a:avLst/>
+            </a:prstGeom>
+            <a:solidFill>
+              <a:schemeClr val="tx1">
+                <a:lumMod val="50000"/>
+                <a:lumOff val="50000"/>
+              </a:schemeClr>
+            </a:solidFill>
+            <a:ln>
+              <a:noFill/>
+            </a:ln>
+          </p:spPr>
+          <p:style>
+            <a:lnRef idx="2">
+              <a:schemeClr val="accent1">
+                <a:shade val="50000"/>
+              </a:schemeClr>
+            </a:lnRef>
+            <a:fillRef idx="1">
+              <a:schemeClr val="accent1"/>
+            </a:fillRef>
+            <a:effectRef idx="0">
+              <a:schemeClr val="accent1"/>
+            </a:effectRef>
+            <a:fontRef idx="minor">
+              <a:schemeClr val="lt1"/>
+            </a:fontRef>
+          </p:style>
+          <p:txBody>
+            <a:bodyPr rtlCol="0" anchor="ctr"/>
+            <a:lstStyle/>
+            <a:p>
+              <a:pPr algn="ctr"/>
+              <a:endParaRPr lang="en-GB"/>
+            </a:p>
+          </p:txBody>
+        </p:sp>
+        <p:sp>
+          <p:nvSpPr>
+            <p:cNvPr id="12" name="Rectangle 11">
+              <a:extLst>
+                <a:ext uri="{FF2B5EF4-FFF2-40B4-BE49-F238E27FC236}">
+                  <a16:creationId xmlns:a16="http://schemas.microsoft.com/office/drawing/2014/main" id="{0DA43FF9-C5CE-4F6E-B786-5D66C6902922}"/>
+                </a:ext>
+              </a:extLst>
+            </p:cNvPr>
+            <p:cNvSpPr/>
+            <p:nvPr/>
+          </p:nvSpPr>
+          <p:spPr>
+            <a:xfrm>
+              <a:off x="2188499" y="1174750"/>
+              <a:ext cx="262601" cy="712324"/>
+            </a:xfrm>
+            <a:prstGeom prst="rect">
+              <a:avLst/>
+            </a:prstGeom>
+            <a:solidFill>
+              <a:schemeClr val="tx1">
+                <a:lumMod val="50000"/>
+                <a:lumOff val="50000"/>
+              </a:schemeClr>
+            </a:solidFill>
+            <a:ln>
+              <a:noFill/>
+            </a:ln>
+          </p:spPr>
+          <p:style>
+            <a:lnRef idx="2">
+              <a:schemeClr val="accent1">
+                <a:shade val="50000"/>
+              </a:schemeClr>
+            </a:lnRef>
+            <a:fillRef idx="1">
+              <a:schemeClr val="accent1"/>
+            </a:fillRef>
+            <a:effectRef idx="0">
+              <a:schemeClr val="accent1"/>
+            </a:effectRef>
+            <a:fontRef idx="minor">
+              <a:schemeClr val="lt1"/>
+            </a:fontRef>
+          </p:style>
+          <p:txBody>
+            <a:bodyPr rtlCol="0" anchor="ctr"/>
+            <a:lstStyle/>
+            <a:p>
+              <a:pPr algn="ctr"/>
+              <a:endParaRPr lang="en-GB"/>
+            </a:p>
+          </p:txBody>
+        </p:sp>
+        <p:sp>
+          <p:nvSpPr>
+            <p:cNvPr id="13" name="Rectangle 12">
+              <a:extLst>
+                <a:ext uri="{FF2B5EF4-FFF2-40B4-BE49-F238E27FC236}">
+                  <a16:creationId xmlns:a16="http://schemas.microsoft.com/office/drawing/2014/main" id="{D4EB8E14-B51C-47A3-A262-26A16FF725D3}"/>
+                </a:ext>
+              </a:extLst>
+            </p:cNvPr>
+            <p:cNvSpPr/>
+            <p:nvPr/>
+          </p:nvSpPr>
+          <p:spPr>
+            <a:xfrm>
+              <a:off x="6425105" y="1174750"/>
+              <a:ext cx="262601" cy="701326"/>
+            </a:xfrm>
+            <a:prstGeom prst="rect">
+              <a:avLst/>
+            </a:prstGeom>
+            <a:solidFill>
+              <a:schemeClr val="tx1">
+                <a:lumMod val="50000"/>
+                <a:lumOff val="50000"/>
+              </a:schemeClr>
+            </a:solidFill>
+            <a:ln>
+              <a:noFill/>
+            </a:ln>
+          </p:spPr>
+          <p:style>
+            <a:lnRef idx="2">
+              <a:schemeClr val="accent1">
+                <a:shade val="50000"/>
+              </a:schemeClr>
+            </a:lnRef>
+            <a:fillRef idx="1">
+              <a:schemeClr val="accent1"/>
+            </a:fillRef>
+            <a:effectRef idx="0">
+              <a:schemeClr val="accent1"/>
+            </a:effectRef>
+            <a:fontRef idx="minor">
+              <a:schemeClr val="lt1"/>
+            </a:fontRef>
+          </p:style>
+          <p:txBody>
+            <a:bodyPr rtlCol="0" anchor="ctr"/>
+            <a:lstStyle/>
+            <a:p>
+              <a:pPr algn="ctr"/>
+              <a:endParaRPr lang="en-GB"/>
+            </a:p>
+          </p:txBody>
+        </p:sp>
+        <p:cxnSp>
+          <p:nvCxnSpPr>
+            <p:cNvPr id="17" name="Straight Arrow Connector 16">
+              <a:extLst>
+                <a:ext uri="{FF2B5EF4-FFF2-40B4-BE49-F238E27FC236}">
+                  <a16:creationId xmlns:a16="http://schemas.microsoft.com/office/drawing/2014/main" id="{39D87EB7-7AA9-48E6-A58C-7CA9CC50398E}"/>
+                </a:ext>
+              </a:extLst>
+            </p:cNvPr>
+            <p:cNvCxnSpPr>
+              <a:cxnSpLocks/>
+              <a:stCxn id="10" idx="0"/>
+              <a:endCxn id="9" idx="2"/>
+            </p:cNvCxnSpPr>
+            <p:nvPr/>
+          </p:nvCxnSpPr>
+          <p:spPr>
+            <a:xfrm flipV="1">
+              <a:off x="4438477" y="1887074"/>
+              <a:ext cx="1260764" cy="3796176"/>
+            </a:xfrm>
+            <a:prstGeom prst="straightConnector1">
+              <a:avLst/>
+            </a:prstGeom>
+            <a:ln w="38100" cap="rnd">
+              <a:solidFill>
+                <a:schemeClr val="accent1">
+                  <a:lumMod val="20000"/>
+                  <a:lumOff val="80000"/>
+                </a:schemeClr>
+              </a:solidFill>
+              <a:tailEnd type="triangle" w="lg" len="lg"/>
+            </a:ln>
+          </p:spPr>
+          <p:style>
+            <a:lnRef idx="1">
+              <a:schemeClr val="accent1"/>
+            </a:lnRef>
+            <a:fillRef idx="0">
+              <a:schemeClr val="accent1"/>
+            </a:fillRef>
+            <a:effectRef idx="0">
+              <a:schemeClr val="accent1"/>
+            </a:effectRef>
+            <a:fontRef idx="minor">
+              <a:schemeClr val="tx1"/>
+            </a:fontRef>
+          </p:style>
+        </p:cxnSp>
+        <p:cxnSp>
+          <p:nvCxnSpPr>
+            <p:cNvPr id="15" name="Straight Arrow Connector 14">
+              <a:extLst>
+                <a:ext uri="{FF2B5EF4-FFF2-40B4-BE49-F238E27FC236}">
+                  <a16:creationId xmlns:a16="http://schemas.microsoft.com/office/drawing/2014/main" id="{167E5B22-6A25-46F1-8F63-FA64671DD3BC}"/>
+                </a:ext>
+              </a:extLst>
+            </p:cNvPr>
+            <p:cNvCxnSpPr>
+              <a:cxnSpLocks/>
+              <a:stCxn id="8" idx="2"/>
+              <a:endCxn id="10" idx="0"/>
+            </p:cNvCxnSpPr>
+            <p:nvPr/>
+          </p:nvCxnSpPr>
+          <p:spPr>
+            <a:xfrm>
+              <a:off x="3174867" y="1884902"/>
+              <a:ext cx="1263610" cy="3798348"/>
+            </a:xfrm>
+            <a:prstGeom prst="straightConnector1">
+              <a:avLst/>
+            </a:prstGeom>
+            <a:ln w="38100" cap="rnd">
+              <a:solidFill>
+                <a:schemeClr val="accent1">
+                  <a:lumMod val="20000"/>
+                  <a:lumOff val="80000"/>
+                </a:schemeClr>
+              </a:solidFill>
+              <a:tailEnd type="none"/>
+            </a:ln>
+          </p:spPr>
+          <p:style>
+            <a:lnRef idx="1">
+              <a:schemeClr val="accent1"/>
+            </a:lnRef>
+            <a:fillRef idx="0">
+              <a:schemeClr val="accent1"/>
+            </a:fillRef>
+            <a:effectRef idx="0">
+              <a:schemeClr val="accent1"/>
+            </a:effectRef>
+            <a:fontRef idx="minor">
+              <a:schemeClr val="tx1"/>
+            </a:fontRef>
+          </p:style>
+        </p:cxnSp>
+      </p:grpSp>
+      <p:sp>
+        <p:nvSpPr>
+          <p:cNvPr id="74" name="TextBox 73">
+            <a:extLst>
+              <a:ext uri="{FF2B5EF4-FFF2-40B4-BE49-F238E27FC236}">
+                <a16:creationId xmlns:a16="http://schemas.microsoft.com/office/drawing/2014/main" id="{779397D5-8A60-4B1B-B670-867BAB626E31}"/>
+              </a:ext>
+            </a:extLst>
+          </p:cNvPr>
+          <p:cNvSpPr txBox="1"/>
+          <p:nvPr/>
+        </p:nvSpPr>
+        <p:spPr>
+          <a:xfrm rot="4273891">
+            <a:off x="2745117" y="3072796"/>
+            <a:ext cx="1897256" cy="338554"/>
+          </a:xfrm>
+          <a:prstGeom prst="rect">
+            <a:avLst/>
+          </a:prstGeom>
+          <a:noFill/>
+        </p:spPr>
+        <p:txBody>
+          <a:bodyPr wrap="square" rtlCol="0">
+            <a:spAutoFit/>
+          </a:bodyPr>
+          <a:lstStyle/>
+          <a:p>
+            <a:pPr algn="ctr"/>
+            <a:r>
+              <a:rPr lang="en-GB" sz="1600" dirty="0">
+                <a:solidFill>
+                  <a:schemeClr val="accent1">
+                    <a:lumMod val="75000"/>
+                  </a:schemeClr>
+                </a:solidFill>
+              </a:rPr>
+              <a:t>Ideal Sound path</a:t>
+            </a:r>
+          </a:p>
+        </p:txBody>
+      </p:sp>
+      <p:sp>
+        <p:nvSpPr>
+          <p:cNvPr id="75" name="TextBox 74">
+            <a:extLst>
+              <a:ext uri="{FF2B5EF4-FFF2-40B4-BE49-F238E27FC236}">
+                <a16:creationId xmlns:a16="http://schemas.microsoft.com/office/drawing/2014/main" id="{4C18AF64-07ED-4753-907D-04A57427764D}"/>
+              </a:ext>
+            </a:extLst>
+          </p:cNvPr>
+          <p:cNvSpPr txBox="1"/>
+          <p:nvPr/>
+        </p:nvSpPr>
+        <p:spPr>
+          <a:xfrm>
+            <a:off x="2487913" y="898699"/>
+            <a:ext cx="1142108" cy="338554"/>
+          </a:xfrm>
+          <a:prstGeom prst="rect">
+            <a:avLst/>
+          </a:prstGeom>
+          <a:noFill/>
+        </p:spPr>
+        <p:txBody>
+          <a:bodyPr wrap="none" rtlCol="0">
+            <a:spAutoFit/>
+          </a:bodyPr>
+          <a:lstStyle/>
+          <a:p>
+            <a:r>
+              <a:rPr lang="en-GB" sz="1600" dirty="0">
+                <a:solidFill>
+                  <a:schemeClr val="accent1">
+                    <a:lumMod val="75000"/>
+                  </a:schemeClr>
+                </a:solidFill>
+              </a:rPr>
+              <a:t>Transmitter</a:t>
+            </a:r>
+          </a:p>
+        </p:txBody>
+      </p:sp>
+      <p:sp>
+        <p:nvSpPr>
+          <p:cNvPr id="114" name="TextBox 113">
+            <a:extLst>
+              <a:ext uri="{FF2B5EF4-FFF2-40B4-BE49-F238E27FC236}">
+                <a16:creationId xmlns:a16="http://schemas.microsoft.com/office/drawing/2014/main" id="{8916EAD5-ABF4-451C-8850-69B9E382CEC1}"/>
+              </a:ext>
+            </a:extLst>
+          </p:cNvPr>
+          <p:cNvSpPr txBox="1"/>
+          <p:nvPr/>
+        </p:nvSpPr>
+        <p:spPr>
+          <a:xfrm>
+            <a:off x="2500149" y="5211115"/>
+            <a:ext cx="1303851" cy="338554"/>
+          </a:xfrm>
+          <a:prstGeom prst="rect">
+            <a:avLst/>
+          </a:prstGeom>
+          <a:noFill/>
+        </p:spPr>
+        <p:txBody>
+          <a:bodyPr wrap="square" rtlCol="0">
+            <a:spAutoFit/>
+          </a:bodyPr>
+          <a:lstStyle/>
+          <a:p>
+            <a:pPr algn="ctr"/>
+            <a:r>
+              <a:rPr lang="en-GB" sz="1600" dirty="0"/>
+              <a:t>Reflector</a:t>
+            </a:r>
+            <a:endParaRPr lang="en-GB" sz="1600" dirty="0">
+              <a:solidFill>
+                <a:schemeClr val="accent1">
+                  <a:lumMod val="75000"/>
+                </a:schemeClr>
+              </a:solidFill>
+            </a:endParaRPr>
+          </a:p>
+        </p:txBody>
+      </p:sp>
+      <p:sp>
+        <p:nvSpPr>
+          <p:cNvPr id="48" name="Rectangle 47">
+            <a:extLst>
+              <a:ext uri="{FF2B5EF4-FFF2-40B4-BE49-F238E27FC236}">
+                <a16:creationId xmlns:a16="http://schemas.microsoft.com/office/drawing/2014/main" id="{627CD5CB-7E59-4C95-963D-7573AB62E535}"/>
+              </a:ext>
+            </a:extLst>
+          </p:cNvPr>
+          <p:cNvSpPr/>
+          <p:nvPr/>
+        </p:nvSpPr>
+        <p:spPr>
+          <a:xfrm>
+            <a:off x="2198254" y="1677294"/>
+            <a:ext cx="330633" cy="3807173"/>
+          </a:xfrm>
+          <a:prstGeom prst="rect">
+            <a:avLst/>
+          </a:prstGeom>
+          <a:solidFill>
+            <a:schemeClr val="bg2">
+              <a:lumMod val="90000"/>
+            </a:schemeClr>
+          </a:solidFill>
+          <a:ln>
+            <a:noFill/>
+          </a:ln>
+        </p:spPr>
+        <p:style>
+          <a:lnRef idx="2">
+            <a:schemeClr val="accent1">
+              <a:shade val="50000"/>
+            </a:schemeClr>
+          </a:lnRef>
+          <a:fillRef idx="1">
+            <a:schemeClr val="accent1"/>
+          </a:fillRef>
+          <a:effectRef idx="0">
+            <a:schemeClr val="accent1"/>
+          </a:effectRef>
+          <a:fontRef idx="minor">
+            <a:schemeClr val="lt1"/>
+          </a:fontRef>
+        </p:style>
+        <p:txBody>
+          <a:bodyPr rtlCol="0" anchor="ctr"/>
+          <a:lstStyle/>
+          <a:p>
+            <a:pPr algn="ctr"/>
+            <a:endParaRPr lang="en-GB"/>
+          </a:p>
+        </p:txBody>
+      </p:sp>
+      <p:sp>
+        <p:nvSpPr>
+          <p:cNvPr id="49" name="Rectangle 48">
+            <a:extLst>
+              <a:ext uri="{FF2B5EF4-FFF2-40B4-BE49-F238E27FC236}">
+                <a16:creationId xmlns:a16="http://schemas.microsoft.com/office/drawing/2014/main" id="{3BB67905-7698-4783-A3B0-CD430DEDC4A3}"/>
+              </a:ext>
+            </a:extLst>
+          </p:cNvPr>
+          <p:cNvSpPr/>
+          <p:nvPr/>
+        </p:nvSpPr>
+        <p:spPr>
+          <a:xfrm>
+            <a:off x="6022791" y="1682794"/>
+            <a:ext cx="330633" cy="3807173"/>
+          </a:xfrm>
+          <a:prstGeom prst="rect">
+            <a:avLst/>
+          </a:prstGeom>
+          <a:solidFill>
+            <a:schemeClr val="bg2">
+              <a:lumMod val="90000"/>
+            </a:schemeClr>
+          </a:solidFill>
+          <a:ln>
+            <a:noFill/>
+          </a:ln>
+        </p:spPr>
+        <p:style>
+          <a:lnRef idx="2">
+            <a:schemeClr val="accent1">
+              <a:shade val="50000"/>
+            </a:schemeClr>
+          </a:lnRef>
+          <a:fillRef idx="1">
+            <a:schemeClr val="accent1"/>
+          </a:fillRef>
+          <a:effectRef idx="0">
+            <a:schemeClr val="accent1"/>
+          </a:effectRef>
+          <a:fontRef idx="minor">
+            <a:schemeClr val="lt1"/>
+          </a:fontRef>
+        </p:style>
+        <p:txBody>
+          <a:bodyPr rtlCol="0" anchor="ctr"/>
+          <a:lstStyle/>
+          <a:p>
+            <a:pPr algn="ctr"/>
+            <a:endParaRPr lang="en-GB"/>
+          </a:p>
+        </p:txBody>
+      </p:sp>
+      <p:sp>
+        <p:nvSpPr>
+          <p:cNvPr id="50" name="TextBox 49">
+            <a:extLst>
+              <a:ext uri="{FF2B5EF4-FFF2-40B4-BE49-F238E27FC236}">
+                <a16:creationId xmlns:a16="http://schemas.microsoft.com/office/drawing/2014/main" id="{B6EBA243-9116-4F37-9423-CA3B27D0D9FF}"/>
+              </a:ext>
+            </a:extLst>
+          </p:cNvPr>
+          <p:cNvSpPr txBox="1"/>
+          <p:nvPr/>
+        </p:nvSpPr>
+        <p:spPr>
+          <a:xfrm>
+            <a:off x="5047274" y="3620415"/>
+            <a:ext cx="1303851" cy="338554"/>
+          </a:xfrm>
+          <a:prstGeom prst="rect">
+            <a:avLst/>
+          </a:prstGeom>
+          <a:noFill/>
+        </p:spPr>
+        <p:txBody>
+          <a:bodyPr wrap="square" rtlCol="0">
+            <a:spAutoFit/>
+          </a:bodyPr>
+          <a:lstStyle/>
+          <a:p>
+            <a:pPr algn="ctr"/>
+            <a:r>
+              <a:rPr lang="en-GB" sz="1600" dirty="0"/>
+              <a:t>Pillars</a:t>
+            </a:r>
+            <a:endParaRPr lang="en-GB" sz="1600" dirty="0">
+              <a:solidFill>
+                <a:schemeClr val="accent1">
+                  <a:lumMod val="75000"/>
+                </a:schemeClr>
+              </a:solidFill>
+            </a:endParaRPr>
+          </a:p>
+        </p:txBody>
+      </p:sp>
+      <p:cxnSp>
+        <p:nvCxnSpPr>
+          <p:cNvPr id="18" name="Connector: Curved 17">
+            <a:extLst>
+              <a:ext uri="{FF2B5EF4-FFF2-40B4-BE49-F238E27FC236}">
+                <a16:creationId xmlns:a16="http://schemas.microsoft.com/office/drawing/2014/main" id="{A9928531-DE18-482E-8DF0-AB62A67E4BBC}"/>
+              </a:ext>
+            </a:extLst>
+          </p:cNvPr>
+          <p:cNvCxnSpPr>
+            <a:cxnSpLocks/>
+            <a:stCxn id="8" idx="2"/>
+            <a:endCxn id="9" idx="2"/>
+          </p:cNvCxnSpPr>
+          <p:nvPr/>
+        </p:nvCxnSpPr>
+        <p:spPr>
+          <a:xfrm rot="16200000" flipH="1">
+            <a:off x="4267002" y="425019"/>
+            <a:ext cx="2172" cy="2524374"/>
+          </a:xfrm>
+          <a:prstGeom prst="curvedConnector3">
+            <a:avLst>
+              <a:gd name="adj1" fmla="val 10917219"/>
+            </a:avLst>
+          </a:prstGeom>
+          <a:ln w="38100">
+            <a:solidFill>
+              <a:srgbClr val="FF0000"/>
+            </a:solidFill>
+            <a:tailEnd type="triangle"/>
+          </a:ln>
+        </p:spPr>
+        <p:style>
+          <a:lnRef idx="1">
+            <a:schemeClr val="accent1"/>
+          </a:lnRef>
+          <a:fillRef idx="0">
+            <a:schemeClr val="accent1"/>
+          </a:fillRef>
+          <a:effectRef idx="0">
+            <a:schemeClr val="accent1"/>
+          </a:effectRef>
+          <a:fontRef idx="minor">
+            <a:schemeClr val="tx1"/>
+          </a:fontRef>
+        </p:style>
+      </p:cxnSp>
+      <p:sp>
+        <p:nvSpPr>
+          <p:cNvPr id="39" name="Freeform: Shape 38">
+            <a:extLst>
+              <a:ext uri="{FF2B5EF4-FFF2-40B4-BE49-F238E27FC236}">
+                <a16:creationId xmlns:a16="http://schemas.microsoft.com/office/drawing/2014/main" id="{5478DFEB-F3B2-4C00-ABA7-09BC755E04C7}"/>
+              </a:ext>
+            </a:extLst>
+          </p:cNvPr>
+          <p:cNvSpPr/>
+          <p:nvPr/>
+        </p:nvSpPr>
+        <p:spPr>
+          <a:xfrm>
+            <a:off x="2332286" y="1631950"/>
+            <a:ext cx="453066" cy="3733231"/>
+          </a:xfrm>
+          <a:custGeom>
+            <a:avLst/>
+            <a:gdLst>
+              <a:gd name="connsiteX0" fmla="*/ 379164 w 379164"/>
+              <a:gd name="connsiteY0" fmla="*/ 0 h 4013200"/>
+              <a:gd name="connsiteX1" fmla="*/ 106114 w 379164"/>
+              <a:gd name="connsiteY1" fmla="*/ 146050 h 4013200"/>
+              <a:gd name="connsiteX2" fmla="*/ 29914 w 379164"/>
+              <a:gd name="connsiteY2" fmla="*/ 749300 h 4013200"/>
+              <a:gd name="connsiteX3" fmla="*/ 23564 w 379164"/>
+              <a:gd name="connsiteY3" fmla="*/ 3321050 h 4013200"/>
+              <a:gd name="connsiteX4" fmla="*/ 328364 w 379164"/>
+              <a:gd name="connsiteY4" fmla="*/ 4013200 h 4013200"/>
+              <a:gd name="connsiteX5" fmla="*/ 328364 w 379164"/>
+              <a:gd name="connsiteY5" fmla="*/ 4013200 h 4013200"/>
+            </a:gdLst>
+            <a:ahLst/>
+            <a:cxnLst>
+              <a:cxn ang="0">
+                <a:pos x="connsiteX0" y="connsiteY0"/>
+              </a:cxn>
+              <a:cxn ang="0">
+                <a:pos x="connsiteX1" y="connsiteY1"/>
+              </a:cxn>
+              <a:cxn ang="0">
+                <a:pos x="connsiteX2" y="connsiteY2"/>
+              </a:cxn>
+              <a:cxn ang="0">
+                <a:pos x="connsiteX3" y="connsiteY3"/>
+              </a:cxn>
+              <a:cxn ang="0">
+                <a:pos x="connsiteX4" y="connsiteY4"/>
+              </a:cxn>
+              <a:cxn ang="0">
+                <a:pos x="connsiteX5" y="connsiteY5"/>
+              </a:cxn>
+            </a:cxnLst>
+            <a:rect l="l" t="t" r="r" b="b"/>
+            <a:pathLst>
+              <a:path w="379164" h="4013200">
+                <a:moveTo>
+                  <a:pt x="379164" y="0"/>
+                </a:moveTo>
+                <a:cubicBezTo>
+                  <a:pt x="271743" y="10583"/>
+                  <a:pt x="164322" y="21167"/>
+                  <a:pt x="106114" y="146050"/>
+                </a:cubicBezTo>
+                <a:cubicBezTo>
+                  <a:pt x="47906" y="270933"/>
+                  <a:pt x="43672" y="220133"/>
+                  <a:pt x="29914" y="749300"/>
+                </a:cubicBezTo>
+                <a:cubicBezTo>
+                  <a:pt x="16156" y="1278467"/>
+                  <a:pt x="-26178" y="2777067"/>
+                  <a:pt x="23564" y="3321050"/>
+                </a:cubicBezTo>
+                <a:cubicBezTo>
+                  <a:pt x="73306" y="3865033"/>
+                  <a:pt x="328364" y="4013200"/>
+                  <a:pt x="328364" y="4013200"/>
+                </a:cubicBezTo>
+                <a:lnTo>
+                  <a:pt x="328364" y="4013200"/>
+                </a:lnTo>
+              </a:path>
+            </a:pathLst>
+          </a:custGeom>
+          <a:noFill/>
+          <a:ln w="38100">
+            <a:solidFill>
+              <a:srgbClr val="FF0000"/>
+            </a:solidFill>
+            <a:tailEnd type="stealth" w="lg" len="lg"/>
+          </a:ln>
+        </p:spPr>
+        <p:style>
+          <a:lnRef idx="2">
+            <a:schemeClr val="accent1">
+              <a:shade val="50000"/>
+            </a:schemeClr>
+          </a:lnRef>
+          <a:fillRef idx="1">
+            <a:schemeClr val="accent1"/>
+          </a:fillRef>
+          <a:effectRef idx="0">
+            <a:schemeClr val="accent1"/>
+          </a:effectRef>
+          <a:fontRef idx="minor">
+            <a:schemeClr val="lt1"/>
+          </a:fontRef>
+        </p:style>
+        <p:txBody>
+          <a:bodyPr rtlCol="0" anchor="ctr"/>
+          <a:lstStyle/>
+          <a:p>
+            <a:pPr algn="ctr"/>
+            <a:endParaRPr lang="en-GB"/>
+          </a:p>
+        </p:txBody>
+      </p:sp>
+      <p:cxnSp>
+        <p:nvCxnSpPr>
+          <p:cNvPr id="51" name="Straight Arrow Connector 50">
+            <a:extLst>
+              <a:ext uri="{FF2B5EF4-FFF2-40B4-BE49-F238E27FC236}">
+                <a16:creationId xmlns:a16="http://schemas.microsoft.com/office/drawing/2014/main" id="{FC973BA9-1C39-42F8-AF86-B68CDDE0ACF2}"/>
+              </a:ext>
+            </a:extLst>
+          </p:cNvPr>
+          <p:cNvCxnSpPr>
+            <a:cxnSpLocks/>
+          </p:cNvCxnSpPr>
+          <p:nvPr/>
+        </p:nvCxnSpPr>
+        <p:spPr>
+          <a:xfrm>
+            <a:off x="3436643" y="1572344"/>
+            <a:ext cx="1700507" cy="1087"/>
+          </a:xfrm>
+          <a:prstGeom prst="straightConnector1">
+            <a:avLst/>
+          </a:prstGeom>
+          <a:ln w="38100">
+            <a:solidFill>
+              <a:srgbClr val="FF0000"/>
+            </a:solidFill>
+            <a:tailEnd type="triangle"/>
+          </a:ln>
+        </p:spPr>
+        <p:style>
+          <a:lnRef idx="1">
+            <a:schemeClr val="accent1"/>
+          </a:lnRef>
+          <a:fillRef idx="0">
+            <a:schemeClr val="accent1"/>
+          </a:fillRef>
+          <a:effectRef idx="0">
+            <a:schemeClr val="accent1"/>
+          </a:effectRef>
+          <a:fontRef idx="minor">
+            <a:schemeClr val="tx1"/>
+          </a:fontRef>
+        </p:style>
+      </p:cxnSp>
+      <p:cxnSp>
+        <p:nvCxnSpPr>
+          <p:cNvPr id="83" name="Straight Arrow Connector 82">
+            <a:extLst>
+              <a:ext uri="{FF2B5EF4-FFF2-40B4-BE49-F238E27FC236}">
+                <a16:creationId xmlns:a16="http://schemas.microsoft.com/office/drawing/2014/main" id="{63D9B7AD-854E-47B1-B0D2-91FF58458023}"/>
+              </a:ext>
+            </a:extLst>
+          </p:cNvPr>
+          <p:cNvCxnSpPr>
+            <a:cxnSpLocks/>
+            <a:stCxn id="114" idx="3"/>
+          </p:cNvCxnSpPr>
+          <p:nvPr/>
+        </p:nvCxnSpPr>
+        <p:spPr>
+          <a:xfrm flipV="1">
+            <a:off x="3804000" y="1860439"/>
+            <a:ext cx="1691378" cy="3519953"/>
+          </a:xfrm>
+          <a:prstGeom prst="straightConnector1">
+            <a:avLst/>
+          </a:prstGeom>
+          <a:ln w="38100">
+            <a:solidFill>
+              <a:srgbClr val="FF0000"/>
+            </a:solidFill>
+            <a:tailEnd type="triangle"/>
+          </a:ln>
+        </p:spPr>
+        <p:style>
+          <a:lnRef idx="1">
+            <a:schemeClr val="accent1"/>
+          </a:lnRef>
+          <a:fillRef idx="0">
+            <a:schemeClr val="accent1"/>
+          </a:fillRef>
+          <a:effectRef idx="0">
+            <a:schemeClr val="accent1"/>
+          </a:effectRef>
+          <a:fontRef idx="minor">
+            <a:schemeClr val="tx1"/>
+          </a:fontRef>
+        </p:style>
+      </p:cxnSp>
+      <p:sp>
+        <p:nvSpPr>
+          <p:cNvPr id="90" name="TextBox 89">
+            <a:extLst>
+              <a:ext uri="{FF2B5EF4-FFF2-40B4-BE49-F238E27FC236}">
+                <a16:creationId xmlns:a16="http://schemas.microsoft.com/office/drawing/2014/main" id="{2C3D5630-1823-47BA-83C1-234880588353}"/>
+              </a:ext>
+            </a:extLst>
+          </p:cNvPr>
+          <p:cNvSpPr txBox="1"/>
+          <p:nvPr/>
+        </p:nvSpPr>
+        <p:spPr>
+          <a:xfrm>
+            <a:off x="5047274" y="901532"/>
+            <a:ext cx="896207" cy="338554"/>
+          </a:xfrm>
+          <a:prstGeom prst="rect">
+            <a:avLst/>
+          </a:prstGeom>
+          <a:noFill/>
+        </p:spPr>
+        <p:txBody>
+          <a:bodyPr wrap="none" rtlCol="0">
+            <a:spAutoFit/>
+          </a:bodyPr>
+          <a:lstStyle/>
+          <a:p>
+            <a:r>
+              <a:rPr lang="en-GB" sz="1600" dirty="0">
+                <a:solidFill>
+                  <a:schemeClr val="accent1">
+                    <a:lumMod val="75000"/>
+                  </a:schemeClr>
+                </a:solidFill>
+              </a:rPr>
+              <a:t>Receiver</a:t>
+            </a:r>
+          </a:p>
+        </p:txBody>
+      </p:sp>
+    </p:spTree>
+    <p:extLst>
+      <p:ext uri="{BB962C8B-B14F-4D97-AF65-F5344CB8AC3E}">
+        <p14:creationId xmlns:p14="http://schemas.microsoft.com/office/powerpoint/2010/main" val="2380244640"/>
+      </p:ext>
+    </p:extLst>
+  </p:cSld>
+  <p:clrMapOvr>
+    <a:masterClrMapping/>
+  </p:clrMapOvr>
+</p:sld>
+</file>
+
+<file path=ppt/slides/slide6.xml><?xml version="1.0" encoding="utf-8"?>
+<p:sld xmlns:a="http://schemas.openxmlformats.org/drawingml/2006/main" xmlns:r="http://schemas.openxmlformats.org/officeDocument/2006/relationships" xmlns:p="http://schemas.openxmlformats.org/presentationml/2006/main">
+  <p:cSld>
+    <p:spTree>
+      <p:nvGrpSpPr>
+        <p:cNvPr id="1" name=""/>
+        <p:cNvGrpSpPr/>
+        <p:nvPr/>
+      </p:nvGrpSpPr>
+      <p:grpSpPr>
+        <a:xfrm>
+          <a:off x="0" y="0"/>
+          <a:ext cx="0" cy="0"/>
+          <a:chOff x="0" y="0"/>
+          <a:chExt cx="0" cy="0"/>
+        </a:xfrm>
+      </p:grpSpPr>
       <p:pic>
         <p:nvPicPr>
           <p:cNvPr id="5" name="Picture 4" descr="Chart, histogram&#10;&#10;Description automatically generated">
@@ -23812,7 +25024,7 @@
 </p:sld>
 </file>
 
-<file path=ppt/slides/slide6.xml><?xml version="1.0" encoding="utf-8"?>
+<file path=ppt/slides/slide7.xml><?xml version="1.0" encoding="utf-8"?>
 <p:sld xmlns:a="http://schemas.openxmlformats.org/drawingml/2006/main" xmlns:r="http://schemas.openxmlformats.org/officeDocument/2006/relationships" xmlns:p="http://schemas.openxmlformats.org/presentationml/2006/main">
   <p:cSld>
     <p:spTree>

--- a/doc/figures/digrams.pptx
+++ b/doc/figures/digrams.pptx
@@ -13,6 +13,7 @@
     <p:sldId id="261" r:id="rId7"/>
     <p:sldId id="262" r:id="rId8"/>
     <p:sldId id="264" r:id="rId9"/>
+    <p:sldId id="265" r:id="rId10"/>
   </p:sldIdLst>
   <p:sldSz cx="12192000" cy="6858000"/>
   <p:notesSz cx="6858000" cy="9144000"/>
@@ -13888,7 +13889,7 @@
             </c:strRef>
           </c:tx>
           <c:spPr>
-            <a:ln w="28575" cap="rnd">
+            <a:ln w="12700" cap="rnd">
               <a:solidFill>
                 <a:schemeClr val="accent1">
                   <a:lumMod val="40000"/>
@@ -38256,7 +38257,7 @@
           <a:p>
             <a:fld id="{2A844B6E-13D7-45EE-A349-87AD0FAFCC0F}" type="datetimeFigureOut">
               <a:rPr lang="en-GB" smtClean="0"/>
-              <a:t>09/04/2021</a:t>
+              <a:t>13/04/2021</a:t>
             </a:fld>
             <a:endParaRPr lang="en-GB"/>
           </a:p>
@@ -38456,7 +38457,7 @@
           <a:p>
             <a:fld id="{2A844B6E-13D7-45EE-A349-87AD0FAFCC0F}" type="datetimeFigureOut">
               <a:rPr lang="en-GB" smtClean="0"/>
-              <a:t>09/04/2021</a:t>
+              <a:t>13/04/2021</a:t>
             </a:fld>
             <a:endParaRPr lang="en-GB"/>
           </a:p>
@@ -38666,7 +38667,7 @@
           <a:p>
             <a:fld id="{2A844B6E-13D7-45EE-A349-87AD0FAFCC0F}" type="datetimeFigureOut">
               <a:rPr lang="en-GB" smtClean="0"/>
-              <a:t>09/04/2021</a:t>
+              <a:t>13/04/2021</a:t>
             </a:fld>
             <a:endParaRPr lang="en-GB"/>
           </a:p>
@@ -38866,7 +38867,7 @@
           <a:p>
             <a:fld id="{2A844B6E-13D7-45EE-A349-87AD0FAFCC0F}" type="datetimeFigureOut">
               <a:rPr lang="en-GB" smtClean="0"/>
-              <a:t>09/04/2021</a:t>
+              <a:t>13/04/2021</a:t>
             </a:fld>
             <a:endParaRPr lang="en-GB"/>
           </a:p>
@@ -39142,7 +39143,7 @@
           <a:p>
             <a:fld id="{2A844B6E-13D7-45EE-A349-87AD0FAFCC0F}" type="datetimeFigureOut">
               <a:rPr lang="en-GB" smtClean="0"/>
-              <a:t>09/04/2021</a:t>
+              <a:t>13/04/2021</a:t>
             </a:fld>
             <a:endParaRPr lang="en-GB"/>
           </a:p>
@@ -39410,7 +39411,7 @@
           <a:p>
             <a:fld id="{2A844B6E-13D7-45EE-A349-87AD0FAFCC0F}" type="datetimeFigureOut">
               <a:rPr lang="en-GB" smtClean="0"/>
-              <a:t>09/04/2021</a:t>
+              <a:t>13/04/2021</a:t>
             </a:fld>
             <a:endParaRPr lang="en-GB"/>
           </a:p>
@@ -39825,7 +39826,7 @@
           <a:p>
             <a:fld id="{2A844B6E-13D7-45EE-A349-87AD0FAFCC0F}" type="datetimeFigureOut">
               <a:rPr lang="en-GB" smtClean="0"/>
-              <a:t>09/04/2021</a:t>
+              <a:t>13/04/2021</a:t>
             </a:fld>
             <a:endParaRPr lang="en-GB"/>
           </a:p>
@@ -39967,7 +39968,7 @@
           <a:p>
             <a:fld id="{2A844B6E-13D7-45EE-A349-87AD0FAFCC0F}" type="datetimeFigureOut">
               <a:rPr lang="en-GB" smtClean="0"/>
-              <a:t>09/04/2021</a:t>
+              <a:t>13/04/2021</a:t>
             </a:fld>
             <a:endParaRPr lang="en-GB"/>
           </a:p>
@@ -40080,7 +40081,7 @@
           <a:p>
             <a:fld id="{2A844B6E-13D7-45EE-A349-87AD0FAFCC0F}" type="datetimeFigureOut">
               <a:rPr lang="en-GB" smtClean="0"/>
-              <a:t>09/04/2021</a:t>
+              <a:t>13/04/2021</a:t>
             </a:fld>
             <a:endParaRPr lang="en-GB"/>
           </a:p>
@@ -40393,7 +40394,7 @@
           <a:p>
             <a:fld id="{2A844B6E-13D7-45EE-A349-87AD0FAFCC0F}" type="datetimeFigureOut">
               <a:rPr lang="en-GB" smtClean="0"/>
-              <a:t>09/04/2021</a:t>
+              <a:t>13/04/2021</a:t>
             </a:fld>
             <a:endParaRPr lang="en-GB"/>
           </a:p>
@@ -40682,7 +40683,7 @@
           <a:p>
             <a:fld id="{2A844B6E-13D7-45EE-A349-87AD0FAFCC0F}" type="datetimeFigureOut">
               <a:rPr lang="en-GB" smtClean="0"/>
-              <a:t>09/04/2021</a:t>
+              <a:t>13/04/2021</a:t>
             </a:fld>
             <a:endParaRPr lang="en-GB"/>
           </a:p>
@@ -40925,7 +40926,7 @@
           <a:p>
             <a:fld id="{2A844B6E-13D7-45EE-A349-87AD0FAFCC0F}" type="datetimeFigureOut">
               <a:rPr lang="en-GB" smtClean="0"/>
-              <a:t>09/04/2021</a:t>
+              <a:t>13/04/2021</a:t>
             </a:fld>
             <a:endParaRPr lang="en-GB"/>
           </a:p>
@@ -47500,7 +47501,7 @@
           <p:nvPr>
             <p:extLst>
               <p:ext uri="{D42A27DB-BD31-4B8C-83A1-F6EECF244321}">
-                <p14:modId xmlns:p14="http://schemas.microsoft.com/office/powerpoint/2010/main" val="2416370712"/>
+                <p14:modId xmlns:p14="http://schemas.microsoft.com/office/powerpoint/2010/main" val="959915918"/>
               </p:ext>
             </p:extLst>
           </p:nvPr>
@@ -47519,6 +47520,201 @@
     <p:extLst>
       <p:ext uri="{BB962C8B-B14F-4D97-AF65-F5344CB8AC3E}">
         <p14:creationId xmlns:p14="http://schemas.microsoft.com/office/powerpoint/2010/main" val="2329968854"/>
+      </p:ext>
+    </p:extLst>
+  </p:cSld>
+  <p:clrMapOvr>
+    <a:masterClrMapping/>
+  </p:clrMapOvr>
+</p:sld>
+</file>
+
+<file path=ppt/slides/slide9.xml><?xml version="1.0" encoding="utf-8"?>
+<p:sld xmlns:a="http://schemas.openxmlformats.org/drawingml/2006/main" xmlns:r="http://schemas.openxmlformats.org/officeDocument/2006/relationships" xmlns:p="http://schemas.openxmlformats.org/presentationml/2006/main">
+  <p:cSld>
+    <p:spTree>
+      <p:nvGrpSpPr>
+        <p:cNvPr id="1" name=""/>
+        <p:cNvGrpSpPr/>
+        <p:nvPr/>
+      </p:nvGrpSpPr>
+      <p:grpSpPr>
+        <a:xfrm>
+          <a:off x="0" y="0"/>
+          <a:ext cx="0" cy="0"/>
+          <a:chOff x="0" y="0"/>
+          <a:chExt cx="0" cy="0"/>
+        </a:xfrm>
+      </p:grpSpPr>
+      <p:pic>
+        <p:nvPicPr>
+          <p:cNvPr id="4" name="Picture 3">
+            <a:extLst>
+              <a:ext uri="{FF2B5EF4-FFF2-40B4-BE49-F238E27FC236}">
+                <a16:creationId xmlns:a16="http://schemas.microsoft.com/office/drawing/2014/main" id="{3F1F1AD0-7ED8-4AA1-8496-65B321B95F0B}"/>
+              </a:ext>
+            </a:extLst>
+          </p:cNvPr>
+          <p:cNvPicPr>
+            <a:picLocks noChangeAspect="1"/>
+          </p:cNvPicPr>
+          <p:nvPr/>
+        </p:nvPicPr>
+        <p:blipFill>
+          <a:blip r:embed="rId2"/>
+          <a:stretch>
+            <a:fillRect/>
+          </a:stretch>
+        </p:blipFill>
+        <p:spPr>
+          <a:xfrm>
+            <a:off x="6235148" y="1668672"/>
+            <a:ext cx="5847191" cy="2564217"/>
+          </a:xfrm>
+          <a:prstGeom prst="rect">
+            <a:avLst/>
+          </a:prstGeom>
+        </p:spPr>
+      </p:pic>
+      <p:pic>
+        <p:nvPicPr>
+          <p:cNvPr id="2" name="Picture 1">
+            <a:extLst>
+              <a:ext uri="{FF2B5EF4-FFF2-40B4-BE49-F238E27FC236}">
+                <a16:creationId xmlns:a16="http://schemas.microsoft.com/office/drawing/2014/main" id="{89A34D7B-AFB8-4D8E-876E-A046149D1EA4}"/>
+              </a:ext>
+            </a:extLst>
+          </p:cNvPr>
+          <p:cNvPicPr>
+            <a:picLocks noChangeAspect="1"/>
+          </p:cNvPicPr>
+          <p:nvPr/>
+        </p:nvPicPr>
+        <p:blipFill>
+          <a:blip r:embed="rId3"/>
+          <a:stretch>
+            <a:fillRect/>
+          </a:stretch>
+        </p:blipFill>
+        <p:spPr>
+          <a:xfrm>
+            <a:off x="109661" y="991236"/>
+            <a:ext cx="6135756" cy="3699500"/>
+          </a:xfrm>
+          <a:prstGeom prst="rect">
+            <a:avLst/>
+          </a:prstGeom>
+        </p:spPr>
+      </p:pic>
+      <p:cxnSp>
+        <p:nvCxnSpPr>
+          <p:cNvPr id="5" name="Straight Arrow Connector 4">
+            <a:extLst>
+              <a:ext uri="{FF2B5EF4-FFF2-40B4-BE49-F238E27FC236}">
+                <a16:creationId xmlns:a16="http://schemas.microsoft.com/office/drawing/2014/main" id="{7C88EE45-B0B5-4328-A1E7-2D9E94869BC9}"/>
+              </a:ext>
+            </a:extLst>
+          </p:cNvPr>
+          <p:cNvCxnSpPr>
+            <a:cxnSpLocks/>
+          </p:cNvCxnSpPr>
+          <p:nvPr/>
+        </p:nvCxnSpPr>
+        <p:spPr>
+          <a:xfrm flipV="1">
+            <a:off x="3177539" y="1668672"/>
+            <a:ext cx="1354704" cy="557694"/>
+          </a:xfrm>
+          <a:prstGeom prst="straightConnector1">
+            <a:avLst/>
+          </a:prstGeom>
+          <a:ln w="38100">
+            <a:solidFill>
+              <a:srgbClr val="FF0000"/>
+            </a:solidFill>
+            <a:headEnd type="oval"/>
+            <a:tailEnd type="oval"/>
+          </a:ln>
+        </p:spPr>
+        <p:style>
+          <a:lnRef idx="1">
+            <a:schemeClr val="accent1"/>
+          </a:lnRef>
+          <a:fillRef idx="0">
+            <a:schemeClr val="accent1"/>
+          </a:fillRef>
+          <a:effectRef idx="0">
+            <a:schemeClr val="accent1"/>
+          </a:effectRef>
+          <a:fontRef idx="minor">
+            <a:schemeClr val="tx1"/>
+          </a:fontRef>
+        </p:style>
+      </p:cxnSp>
+      <p:sp>
+        <p:nvSpPr>
+          <p:cNvPr id="9" name="TextBox 8">
+            <a:extLst>
+              <a:ext uri="{FF2B5EF4-FFF2-40B4-BE49-F238E27FC236}">
+                <a16:creationId xmlns:a16="http://schemas.microsoft.com/office/drawing/2014/main" id="{EE543F39-EA02-4184-B9B0-8C5600F884FB}"/>
+              </a:ext>
+            </a:extLst>
+          </p:cNvPr>
+          <p:cNvSpPr txBox="1"/>
+          <p:nvPr/>
+        </p:nvSpPr>
+        <p:spPr>
+          <a:xfrm>
+            <a:off x="4674130" y="1401417"/>
+            <a:ext cx="1406154" cy="400110"/>
+          </a:xfrm>
+          <a:prstGeom prst="rect">
+            <a:avLst/>
+          </a:prstGeom>
+          <a:noFill/>
+        </p:spPr>
+        <p:txBody>
+          <a:bodyPr wrap="none" rtlCol="0">
+            <a:spAutoFit/>
+          </a:bodyPr>
+          <a:lstStyle/>
+          <a:p>
+            <a:r>
+              <a:rPr lang="en-GB" sz="2000" dirty="0">
+                <a:solidFill>
+                  <a:srgbClr val="FF0000"/>
+                </a:solidFill>
+              </a:rPr>
+              <a:t>R</a:t>
+            </a:r>
+            <a:r>
+              <a:rPr lang="en-US" altLang="zh-CN" sz="2000" dirty="0" err="1">
+                <a:solidFill>
+                  <a:srgbClr val="FF0000"/>
+                </a:solidFill>
+              </a:rPr>
+              <a:t>ain</a:t>
+            </a:r>
+            <a:r>
+              <a:rPr lang="en-US" altLang="zh-CN" sz="2000" dirty="0">
+                <a:solidFill>
+                  <a:srgbClr val="FF0000"/>
+                </a:solidFill>
+              </a:rPr>
+              <a:t> Sensor</a:t>
+            </a:r>
+            <a:endParaRPr lang="en-GB" sz="2000" dirty="0">
+              <a:solidFill>
+                <a:srgbClr val="FF0000"/>
+              </a:solidFill>
+            </a:endParaRPr>
+          </a:p>
+        </p:txBody>
+      </p:sp>
+    </p:spTree>
+    <p:extLst>
+      <p:ext uri="{BB962C8B-B14F-4D97-AF65-F5344CB8AC3E}">
+        <p14:creationId xmlns:p14="http://schemas.microsoft.com/office/powerpoint/2010/main" val="192804135"/>
       </p:ext>
     </p:extLst>
   </p:cSld>
